--- a/school/afische.pptx
+++ b/school/afische.pptx
@@ -2,18 +2,18 @@
 <file path=ppt/presentation.xml><?xml version="1.0" encoding="utf-8"?>
 <p:presentation xmlns:a="http://schemas.openxmlformats.org/drawingml/2006/main" xmlns:r="http://schemas.openxmlformats.org/officeDocument/2006/relationships" xmlns:p="http://schemas.openxmlformats.org/presentationml/2006/main" saveSubsetFonts="1">
   <p:sldMasterIdLst>
-    <p:sldMasterId id="2147483648" r:id="rId1"/>
+    <p:sldMasterId id="2147483662" r:id="rId1"/>
   </p:sldMasterIdLst>
   <p:sldIdLst>
     <p:sldId id="256" r:id="rId2"/>
   </p:sldIdLst>
-  <p:sldSz cx="12192000" cy="6858000"/>
+  <p:sldSz cx="30240288" cy="42479913"/>
   <p:notesSz cx="6858000" cy="9144000"/>
   <p:defaultTextStyle>
     <a:defPPr>
-      <a:defRPr lang="nl-NL"/>
+      <a:defRPr lang="en-US"/>
     </a:defPPr>
-    <a:lvl1pPr marL="0" algn="l" defTabSz="914400" rtl="0" eaLnBrk="1" latinLnBrk="0" hangingPunct="1">
+    <a:lvl1pPr marL="0" algn="l" defTabSz="457200" rtl="0" eaLnBrk="1" latinLnBrk="0" hangingPunct="1">
       <a:defRPr sz="1800" kern="1200">
         <a:solidFill>
           <a:schemeClr val="tx1"/>
@@ -23,7 +23,7 @@
         <a:cs typeface="+mn-cs"/>
       </a:defRPr>
     </a:lvl1pPr>
-    <a:lvl2pPr marL="457200" algn="l" defTabSz="914400" rtl="0" eaLnBrk="1" latinLnBrk="0" hangingPunct="1">
+    <a:lvl2pPr marL="457200" algn="l" defTabSz="457200" rtl="0" eaLnBrk="1" latinLnBrk="0" hangingPunct="1">
       <a:defRPr sz="1800" kern="1200">
         <a:solidFill>
           <a:schemeClr val="tx1"/>
@@ -33,7 +33,7 @@
         <a:cs typeface="+mn-cs"/>
       </a:defRPr>
     </a:lvl2pPr>
-    <a:lvl3pPr marL="914400" algn="l" defTabSz="914400" rtl="0" eaLnBrk="1" latinLnBrk="0" hangingPunct="1">
+    <a:lvl3pPr marL="914400" algn="l" defTabSz="457200" rtl="0" eaLnBrk="1" latinLnBrk="0" hangingPunct="1">
       <a:defRPr sz="1800" kern="1200">
         <a:solidFill>
           <a:schemeClr val="tx1"/>
@@ -43,7 +43,7 @@
         <a:cs typeface="+mn-cs"/>
       </a:defRPr>
     </a:lvl3pPr>
-    <a:lvl4pPr marL="1371600" algn="l" defTabSz="914400" rtl="0" eaLnBrk="1" latinLnBrk="0" hangingPunct="1">
+    <a:lvl4pPr marL="1371600" algn="l" defTabSz="457200" rtl="0" eaLnBrk="1" latinLnBrk="0" hangingPunct="1">
       <a:defRPr sz="1800" kern="1200">
         <a:solidFill>
           <a:schemeClr val="tx1"/>
@@ -53,7 +53,7 @@
         <a:cs typeface="+mn-cs"/>
       </a:defRPr>
     </a:lvl4pPr>
-    <a:lvl5pPr marL="1828800" algn="l" defTabSz="914400" rtl="0" eaLnBrk="1" latinLnBrk="0" hangingPunct="1">
+    <a:lvl5pPr marL="1828800" algn="l" defTabSz="457200" rtl="0" eaLnBrk="1" latinLnBrk="0" hangingPunct="1">
       <a:defRPr sz="1800" kern="1200">
         <a:solidFill>
           <a:schemeClr val="tx1"/>
@@ -63,7 +63,7 @@
         <a:cs typeface="+mn-cs"/>
       </a:defRPr>
     </a:lvl5pPr>
-    <a:lvl6pPr marL="2286000" algn="l" defTabSz="914400" rtl="0" eaLnBrk="1" latinLnBrk="0" hangingPunct="1">
+    <a:lvl6pPr marL="2286000" algn="l" defTabSz="457200" rtl="0" eaLnBrk="1" latinLnBrk="0" hangingPunct="1">
       <a:defRPr sz="1800" kern="1200">
         <a:solidFill>
           <a:schemeClr val="tx1"/>
@@ -73,7 +73,7 @@
         <a:cs typeface="+mn-cs"/>
       </a:defRPr>
     </a:lvl6pPr>
-    <a:lvl7pPr marL="2743200" algn="l" defTabSz="914400" rtl="0" eaLnBrk="1" latinLnBrk="0" hangingPunct="1">
+    <a:lvl7pPr marL="2743200" algn="l" defTabSz="457200" rtl="0" eaLnBrk="1" latinLnBrk="0" hangingPunct="1">
       <a:defRPr sz="1800" kern="1200">
         <a:solidFill>
           <a:schemeClr val="tx1"/>
@@ -83,7 +83,7 @@
         <a:cs typeface="+mn-cs"/>
       </a:defRPr>
     </a:lvl7pPr>
-    <a:lvl8pPr marL="3200400" algn="l" defTabSz="914400" rtl="0" eaLnBrk="1" latinLnBrk="0" hangingPunct="1">
+    <a:lvl8pPr marL="3200400" algn="l" defTabSz="457200" rtl="0" eaLnBrk="1" latinLnBrk="0" hangingPunct="1">
       <a:defRPr sz="1800" kern="1200">
         <a:solidFill>
           <a:schemeClr val="tx1"/>
@@ -93,7 +93,7 @@
         <a:cs typeface="+mn-cs"/>
       </a:defRPr>
     </a:lvl8pPr>
-    <a:lvl9pPr marL="3657600" algn="l" defTabSz="914400" rtl="0" eaLnBrk="1" latinLnBrk="0" hangingPunct="1">
+    <a:lvl9pPr marL="3657600" algn="l" defTabSz="457200" rtl="0" eaLnBrk="1" latinLnBrk="0" hangingPunct="1">
       <a:defRPr sz="1800" kern="1200">
         <a:solidFill>
           <a:schemeClr val="tx1"/>
@@ -107,21 +107,69 @@
 </p:presentation>
 </file>
 
+<file path=ppt/revisionInfo.xml><?xml version="1.0" encoding="utf-8"?>
+<p1510:revInfo xmlns:a="http://schemas.openxmlformats.org/drawingml/2006/main" xmlns:r="http://schemas.openxmlformats.org/officeDocument/2006/relationships" xmlns:p1510="http://schemas.microsoft.com/office/powerpoint/2015/10/main">
+  <p1510:revLst>
+    <p1510:client id="{5D434D30-F688-4623-B10D-9AE1AB3633DC}" v="7" dt="2025-03-08T18:24:46.605"/>
+  </p1510:revLst>
+</p1510:revInfo>
+</file>
+
 <file path=ppt/changesInfos/changesInfo1.xml><?xml version="1.0" encoding="utf-8"?>
 <pc:chgInfo xmlns:a="http://schemas.openxmlformats.org/drawingml/2006/main" xmlns:r="http://schemas.openxmlformats.org/officeDocument/2006/relationships" xmlns:ac="http://schemas.microsoft.com/office/drawing/2013/main/command" xmlns:pc="http://schemas.microsoft.com/office/powerpoint/2013/main/command">
   <pc:docChgLst>
     <pc:chgData name="Debakker Stan" userId="dcaf6aa6-4ff3-4b00-8b67-253531728245" providerId="ADAL" clId="{5D434D30-F688-4623-B10D-9AE1AB3633DC}"/>
-    <pc:docChg chg="addSld">
-      <pc:chgData name="Debakker Stan" userId="dcaf6aa6-4ff3-4b00-8b67-253531728245" providerId="ADAL" clId="{5D434D30-F688-4623-B10D-9AE1AB3633DC}" dt="2025-03-08T16:48:54.229" v="0" actId="680"/>
+    <pc:docChg chg="undo custSel addSld modSld modMainMaster">
+      <pc:chgData name="Debakker Stan" userId="dcaf6aa6-4ff3-4b00-8b67-253531728245" providerId="ADAL" clId="{5D434D30-F688-4623-B10D-9AE1AB3633DC}" dt="2025-03-08T18:35:59.953" v="51" actId="1076"/>
       <pc:docMkLst>
         <pc:docMk/>
       </pc:docMkLst>
-      <pc:sldChg chg="new">
-        <pc:chgData name="Debakker Stan" userId="dcaf6aa6-4ff3-4b00-8b67-253531728245" providerId="ADAL" clId="{5D434D30-F688-4623-B10D-9AE1AB3633DC}" dt="2025-03-08T16:48:54.229" v="0" actId="680"/>
+      <pc:sldChg chg="addSp delSp modSp new mod">
+        <pc:chgData name="Debakker Stan" userId="dcaf6aa6-4ff3-4b00-8b67-253531728245" providerId="ADAL" clId="{5D434D30-F688-4623-B10D-9AE1AB3633DC}" dt="2025-03-08T18:35:59.953" v="51" actId="1076"/>
         <pc:sldMkLst>
           <pc:docMk/>
           <pc:sldMk cId="428378912" sldId="256"/>
         </pc:sldMkLst>
+        <pc:spChg chg="mod">
+          <ac:chgData name="Debakker Stan" userId="dcaf6aa6-4ff3-4b00-8b67-253531728245" providerId="ADAL" clId="{5D434D30-F688-4623-B10D-9AE1AB3633DC}" dt="2025-03-08T17:23:58.896" v="30" actId="20577"/>
+          <ac:spMkLst>
+            <pc:docMk/>
+            <pc:sldMk cId="428378912" sldId="256"/>
+            <ac:spMk id="2" creationId="{12D05D66-D025-C031-FA6A-CC09EDDAF6A4}"/>
+          </ac:spMkLst>
+        </pc:spChg>
+        <pc:spChg chg="mod">
+          <ac:chgData name="Debakker Stan" userId="dcaf6aa6-4ff3-4b00-8b67-253531728245" providerId="ADAL" clId="{5D434D30-F688-4623-B10D-9AE1AB3633DC}" dt="2025-03-08T17:23:32.570" v="3"/>
+          <ac:spMkLst>
+            <pc:docMk/>
+            <pc:sldMk cId="428378912" sldId="256"/>
+            <ac:spMk id="3" creationId="{428E0CFD-1F45-2EA2-0324-1D12560A0B9E}"/>
+          </ac:spMkLst>
+        </pc:spChg>
+        <pc:picChg chg="add del mod">
+          <ac:chgData name="Debakker Stan" userId="dcaf6aa6-4ff3-4b00-8b67-253531728245" providerId="ADAL" clId="{5D434D30-F688-4623-B10D-9AE1AB3633DC}" dt="2025-03-08T18:19:37.087" v="32" actId="478"/>
+          <ac:picMkLst>
+            <pc:docMk/>
+            <pc:sldMk cId="428378912" sldId="256"/>
+            <ac:picMk id="4" creationId="{2245BC8F-D037-C15E-755B-378506D144AC}"/>
+          </ac:picMkLst>
+        </pc:picChg>
+        <pc:picChg chg="add del mod">
+          <ac:chgData name="Debakker Stan" userId="dcaf6aa6-4ff3-4b00-8b67-253531728245" providerId="ADAL" clId="{5D434D30-F688-4623-B10D-9AE1AB3633DC}" dt="2025-03-08T18:24:41.007" v="38" actId="478"/>
+          <ac:picMkLst>
+            <pc:docMk/>
+            <pc:sldMk cId="428378912" sldId="256"/>
+            <ac:picMk id="6" creationId="{6A3E804C-BF28-AB4F-7F95-C1A5DEBF9E95}"/>
+          </ac:picMkLst>
+        </pc:picChg>
+        <pc:picChg chg="add mod ord">
+          <ac:chgData name="Debakker Stan" userId="dcaf6aa6-4ff3-4b00-8b67-253531728245" providerId="ADAL" clId="{5D434D30-F688-4623-B10D-9AE1AB3633DC}" dt="2025-03-08T18:35:59.953" v="51" actId="1076"/>
+          <ac:picMkLst>
+            <pc:docMk/>
+            <pc:sldMk cId="428378912" sldId="256"/>
+            <ac:picMk id="8" creationId="{5CF9DBF4-7D69-2927-550E-0530C71F3C73}"/>
+          </ac:picMkLst>
+        </pc:picChg>
       </pc:sldChg>
       <pc:sldMasterChg chg="addSldLayout">
         <pc:chgData name="Debakker Stan" userId="dcaf6aa6-4ff3-4b00-8b67-253531728245" providerId="ADAL" clId="{5D434D30-F688-4623-B10D-9AE1AB3633DC}" dt="2025-03-08T16:48:54.229" v="0" actId="680"/>
@@ -136,6 +184,280 @@
             <pc:sldMasterMk cId="2222710216" sldId="2147483648"/>
             <pc:sldLayoutMk cId="3257966048" sldId="2147483649"/>
           </pc:sldLayoutMkLst>
+        </pc:sldLayoutChg>
+      </pc:sldMasterChg>
+      <pc:sldMasterChg chg="modSp modSldLayout">
+        <pc:chgData name="Debakker Stan" userId="dcaf6aa6-4ff3-4b00-8b67-253531728245" providerId="ADAL" clId="{5D434D30-F688-4623-B10D-9AE1AB3633DC}" dt="2025-03-08T17:23:32.570" v="3"/>
+        <pc:sldMasterMkLst>
+          <pc:docMk/>
+          <pc:sldMasterMk cId="16543733" sldId="2147483662"/>
+        </pc:sldMasterMkLst>
+        <pc:spChg chg="mod">
+          <ac:chgData name="Debakker Stan" userId="dcaf6aa6-4ff3-4b00-8b67-253531728245" providerId="ADAL" clId="{5D434D30-F688-4623-B10D-9AE1AB3633DC}" dt="2025-03-08T17:23:32.570" v="3"/>
+          <ac:spMkLst>
+            <pc:docMk/>
+            <pc:sldMasterMk cId="16543733" sldId="2147483662"/>
+            <ac:spMk id="2" creationId="{00000000-0000-0000-0000-000000000000}"/>
+          </ac:spMkLst>
+        </pc:spChg>
+        <pc:spChg chg="mod">
+          <ac:chgData name="Debakker Stan" userId="dcaf6aa6-4ff3-4b00-8b67-253531728245" providerId="ADAL" clId="{5D434D30-F688-4623-B10D-9AE1AB3633DC}" dt="2025-03-08T17:23:32.570" v="3"/>
+          <ac:spMkLst>
+            <pc:docMk/>
+            <pc:sldMasterMk cId="16543733" sldId="2147483662"/>
+            <ac:spMk id="3" creationId="{00000000-0000-0000-0000-000000000000}"/>
+          </ac:spMkLst>
+        </pc:spChg>
+        <pc:spChg chg="mod">
+          <ac:chgData name="Debakker Stan" userId="dcaf6aa6-4ff3-4b00-8b67-253531728245" providerId="ADAL" clId="{5D434D30-F688-4623-B10D-9AE1AB3633DC}" dt="2025-03-08T17:23:32.570" v="3"/>
+          <ac:spMkLst>
+            <pc:docMk/>
+            <pc:sldMasterMk cId="16543733" sldId="2147483662"/>
+            <ac:spMk id="4" creationId="{00000000-0000-0000-0000-000000000000}"/>
+          </ac:spMkLst>
+        </pc:spChg>
+        <pc:spChg chg="mod">
+          <ac:chgData name="Debakker Stan" userId="dcaf6aa6-4ff3-4b00-8b67-253531728245" providerId="ADAL" clId="{5D434D30-F688-4623-B10D-9AE1AB3633DC}" dt="2025-03-08T17:23:32.570" v="3"/>
+          <ac:spMkLst>
+            <pc:docMk/>
+            <pc:sldMasterMk cId="16543733" sldId="2147483662"/>
+            <ac:spMk id="5" creationId="{00000000-0000-0000-0000-000000000000}"/>
+          </ac:spMkLst>
+        </pc:spChg>
+        <pc:spChg chg="mod">
+          <ac:chgData name="Debakker Stan" userId="dcaf6aa6-4ff3-4b00-8b67-253531728245" providerId="ADAL" clId="{5D434D30-F688-4623-B10D-9AE1AB3633DC}" dt="2025-03-08T17:23:32.570" v="3"/>
+          <ac:spMkLst>
+            <pc:docMk/>
+            <pc:sldMasterMk cId="16543733" sldId="2147483662"/>
+            <ac:spMk id="6" creationId="{00000000-0000-0000-0000-000000000000}"/>
+          </ac:spMkLst>
+        </pc:spChg>
+        <pc:sldLayoutChg chg="modSp">
+          <pc:chgData name="Debakker Stan" userId="dcaf6aa6-4ff3-4b00-8b67-253531728245" providerId="ADAL" clId="{5D434D30-F688-4623-B10D-9AE1AB3633DC}" dt="2025-03-08T17:23:32.570" v="3"/>
+          <pc:sldLayoutMkLst>
+            <pc:docMk/>
+            <pc:sldMasterMk cId="16543733" sldId="2147483662"/>
+            <pc:sldLayoutMk cId="2914145079" sldId="2147483663"/>
+          </pc:sldLayoutMkLst>
+          <pc:spChg chg="mod">
+            <ac:chgData name="Debakker Stan" userId="dcaf6aa6-4ff3-4b00-8b67-253531728245" providerId="ADAL" clId="{5D434D30-F688-4623-B10D-9AE1AB3633DC}" dt="2025-03-08T17:23:32.570" v="3"/>
+            <ac:spMkLst>
+              <pc:docMk/>
+              <pc:sldMasterMk cId="16543733" sldId="2147483662"/>
+              <pc:sldLayoutMk cId="2914145079" sldId="2147483663"/>
+              <ac:spMk id="2" creationId="{00000000-0000-0000-0000-000000000000}"/>
+            </ac:spMkLst>
+          </pc:spChg>
+          <pc:spChg chg="mod">
+            <ac:chgData name="Debakker Stan" userId="dcaf6aa6-4ff3-4b00-8b67-253531728245" providerId="ADAL" clId="{5D434D30-F688-4623-B10D-9AE1AB3633DC}" dt="2025-03-08T17:23:32.570" v="3"/>
+            <ac:spMkLst>
+              <pc:docMk/>
+              <pc:sldMasterMk cId="16543733" sldId="2147483662"/>
+              <pc:sldLayoutMk cId="2914145079" sldId="2147483663"/>
+              <ac:spMk id="3" creationId="{00000000-0000-0000-0000-000000000000}"/>
+            </ac:spMkLst>
+          </pc:spChg>
+        </pc:sldLayoutChg>
+        <pc:sldLayoutChg chg="modSp">
+          <pc:chgData name="Debakker Stan" userId="dcaf6aa6-4ff3-4b00-8b67-253531728245" providerId="ADAL" clId="{5D434D30-F688-4623-B10D-9AE1AB3633DC}" dt="2025-03-08T17:23:32.570" v="3"/>
+          <pc:sldLayoutMkLst>
+            <pc:docMk/>
+            <pc:sldMasterMk cId="16543733" sldId="2147483662"/>
+            <pc:sldLayoutMk cId="4294432618" sldId="2147483665"/>
+          </pc:sldLayoutMkLst>
+          <pc:spChg chg="mod">
+            <ac:chgData name="Debakker Stan" userId="dcaf6aa6-4ff3-4b00-8b67-253531728245" providerId="ADAL" clId="{5D434D30-F688-4623-B10D-9AE1AB3633DC}" dt="2025-03-08T17:23:32.570" v="3"/>
+            <ac:spMkLst>
+              <pc:docMk/>
+              <pc:sldMasterMk cId="16543733" sldId="2147483662"/>
+              <pc:sldLayoutMk cId="4294432618" sldId="2147483665"/>
+              <ac:spMk id="2" creationId="{00000000-0000-0000-0000-000000000000}"/>
+            </ac:spMkLst>
+          </pc:spChg>
+          <pc:spChg chg="mod">
+            <ac:chgData name="Debakker Stan" userId="dcaf6aa6-4ff3-4b00-8b67-253531728245" providerId="ADAL" clId="{5D434D30-F688-4623-B10D-9AE1AB3633DC}" dt="2025-03-08T17:23:32.570" v="3"/>
+            <ac:spMkLst>
+              <pc:docMk/>
+              <pc:sldMasterMk cId="16543733" sldId="2147483662"/>
+              <pc:sldLayoutMk cId="4294432618" sldId="2147483665"/>
+              <ac:spMk id="3" creationId="{00000000-0000-0000-0000-000000000000}"/>
+            </ac:spMkLst>
+          </pc:spChg>
+        </pc:sldLayoutChg>
+        <pc:sldLayoutChg chg="modSp">
+          <pc:chgData name="Debakker Stan" userId="dcaf6aa6-4ff3-4b00-8b67-253531728245" providerId="ADAL" clId="{5D434D30-F688-4623-B10D-9AE1AB3633DC}" dt="2025-03-08T17:23:32.570" v="3"/>
+          <pc:sldLayoutMkLst>
+            <pc:docMk/>
+            <pc:sldMasterMk cId="16543733" sldId="2147483662"/>
+            <pc:sldLayoutMk cId="3106432027" sldId="2147483666"/>
+          </pc:sldLayoutMkLst>
+          <pc:spChg chg="mod">
+            <ac:chgData name="Debakker Stan" userId="dcaf6aa6-4ff3-4b00-8b67-253531728245" providerId="ADAL" clId="{5D434D30-F688-4623-B10D-9AE1AB3633DC}" dt="2025-03-08T17:23:32.570" v="3"/>
+            <ac:spMkLst>
+              <pc:docMk/>
+              <pc:sldMasterMk cId="16543733" sldId="2147483662"/>
+              <pc:sldLayoutMk cId="3106432027" sldId="2147483666"/>
+              <ac:spMk id="3" creationId="{00000000-0000-0000-0000-000000000000}"/>
+            </ac:spMkLst>
+          </pc:spChg>
+          <pc:spChg chg="mod">
+            <ac:chgData name="Debakker Stan" userId="dcaf6aa6-4ff3-4b00-8b67-253531728245" providerId="ADAL" clId="{5D434D30-F688-4623-B10D-9AE1AB3633DC}" dt="2025-03-08T17:23:32.570" v="3"/>
+            <ac:spMkLst>
+              <pc:docMk/>
+              <pc:sldMasterMk cId="16543733" sldId="2147483662"/>
+              <pc:sldLayoutMk cId="3106432027" sldId="2147483666"/>
+              <ac:spMk id="4" creationId="{00000000-0000-0000-0000-000000000000}"/>
+            </ac:spMkLst>
+          </pc:spChg>
+        </pc:sldLayoutChg>
+        <pc:sldLayoutChg chg="modSp">
+          <pc:chgData name="Debakker Stan" userId="dcaf6aa6-4ff3-4b00-8b67-253531728245" providerId="ADAL" clId="{5D434D30-F688-4623-B10D-9AE1AB3633DC}" dt="2025-03-08T17:23:32.570" v="3"/>
+          <pc:sldLayoutMkLst>
+            <pc:docMk/>
+            <pc:sldMasterMk cId="16543733" sldId="2147483662"/>
+            <pc:sldLayoutMk cId="2361518880" sldId="2147483667"/>
+          </pc:sldLayoutMkLst>
+          <pc:spChg chg="mod">
+            <ac:chgData name="Debakker Stan" userId="dcaf6aa6-4ff3-4b00-8b67-253531728245" providerId="ADAL" clId="{5D434D30-F688-4623-B10D-9AE1AB3633DC}" dt="2025-03-08T17:23:32.570" v="3"/>
+            <ac:spMkLst>
+              <pc:docMk/>
+              <pc:sldMasterMk cId="16543733" sldId="2147483662"/>
+              <pc:sldLayoutMk cId="2361518880" sldId="2147483667"/>
+              <ac:spMk id="2" creationId="{00000000-0000-0000-0000-000000000000}"/>
+            </ac:spMkLst>
+          </pc:spChg>
+          <pc:spChg chg="mod">
+            <ac:chgData name="Debakker Stan" userId="dcaf6aa6-4ff3-4b00-8b67-253531728245" providerId="ADAL" clId="{5D434D30-F688-4623-B10D-9AE1AB3633DC}" dt="2025-03-08T17:23:32.570" v="3"/>
+            <ac:spMkLst>
+              <pc:docMk/>
+              <pc:sldMasterMk cId="16543733" sldId="2147483662"/>
+              <pc:sldLayoutMk cId="2361518880" sldId="2147483667"/>
+              <ac:spMk id="3" creationId="{00000000-0000-0000-0000-000000000000}"/>
+            </ac:spMkLst>
+          </pc:spChg>
+          <pc:spChg chg="mod">
+            <ac:chgData name="Debakker Stan" userId="dcaf6aa6-4ff3-4b00-8b67-253531728245" providerId="ADAL" clId="{5D434D30-F688-4623-B10D-9AE1AB3633DC}" dt="2025-03-08T17:23:32.570" v="3"/>
+            <ac:spMkLst>
+              <pc:docMk/>
+              <pc:sldMasterMk cId="16543733" sldId="2147483662"/>
+              <pc:sldLayoutMk cId="2361518880" sldId="2147483667"/>
+              <ac:spMk id="4" creationId="{00000000-0000-0000-0000-000000000000}"/>
+            </ac:spMkLst>
+          </pc:spChg>
+          <pc:spChg chg="mod">
+            <ac:chgData name="Debakker Stan" userId="dcaf6aa6-4ff3-4b00-8b67-253531728245" providerId="ADAL" clId="{5D434D30-F688-4623-B10D-9AE1AB3633DC}" dt="2025-03-08T17:23:32.570" v="3"/>
+            <ac:spMkLst>
+              <pc:docMk/>
+              <pc:sldMasterMk cId="16543733" sldId="2147483662"/>
+              <pc:sldLayoutMk cId="2361518880" sldId="2147483667"/>
+              <ac:spMk id="5" creationId="{00000000-0000-0000-0000-000000000000}"/>
+            </ac:spMkLst>
+          </pc:spChg>
+          <pc:spChg chg="mod">
+            <ac:chgData name="Debakker Stan" userId="dcaf6aa6-4ff3-4b00-8b67-253531728245" providerId="ADAL" clId="{5D434D30-F688-4623-B10D-9AE1AB3633DC}" dt="2025-03-08T17:23:32.570" v="3"/>
+            <ac:spMkLst>
+              <pc:docMk/>
+              <pc:sldMasterMk cId="16543733" sldId="2147483662"/>
+              <pc:sldLayoutMk cId="2361518880" sldId="2147483667"/>
+              <ac:spMk id="6" creationId="{00000000-0000-0000-0000-000000000000}"/>
+            </ac:spMkLst>
+          </pc:spChg>
+        </pc:sldLayoutChg>
+        <pc:sldLayoutChg chg="modSp">
+          <pc:chgData name="Debakker Stan" userId="dcaf6aa6-4ff3-4b00-8b67-253531728245" providerId="ADAL" clId="{5D434D30-F688-4623-B10D-9AE1AB3633DC}" dt="2025-03-08T17:23:32.570" v="3"/>
+          <pc:sldLayoutMkLst>
+            <pc:docMk/>
+            <pc:sldMasterMk cId="16543733" sldId="2147483662"/>
+            <pc:sldLayoutMk cId="61676614" sldId="2147483670"/>
+          </pc:sldLayoutMkLst>
+          <pc:spChg chg="mod">
+            <ac:chgData name="Debakker Stan" userId="dcaf6aa6-4ff3-4b00-8b67-253531728245" providerId="ADAL" clId="{5D434D30-F688-4623-B10D-9AE1AB3633DC}" dt="2025-03-08T17:23:32.570" v="3"/>
+            <ac:spMkLst>
+              <pc:docMk/>
+              <pc:sldMasterMk cId="16543733" sldId="2147483662"/>
+              <pc:sldLayoutMk cId="61676614" sldId="2147483670"/>
+              <ac:spMk id="2" creationId="{00000000-0000-0000-0000-000000000000}"/>
+            </ac:spMkLst>
+          </pc:spChg>
+          <pc:spChg chg="mod">
+            <ac:chgData name="Debakker Stan" userId="dcaf6aa6-4ff3-4b00-8b67-253531728245" providerId="ADAL" clId="{5D434D30-F688-4623-B10D-9AE1AB3633DC}" dt="2025-03-08T17:23:32.570" v="3"/>
+            <ac:spMkLst>
+              <pc:docMk/>
+              <pc:sldMasterMk cId="16543733" sldId="2147483662"/>
+              <pc:sldLayoutMk cId="61676614" sldId="2147483670"/>
+              <ac:spMk id="3" creationId="{00000000-0000-0000-0000-000000000000}"/>
+            </ac:spMkLst>
+          </pc:spChg>
+          <pc:spChg chg="mod">
+            <ac:chgData name="Debakker Stan" userId="dcaf6aa6-4ff3-4b00-8b67-253531728245" providerId="ADAL" clId="{5D434D30-F688-4623-B10D-9AE1AB3633DC}" dt="2025-03-08T17:23:32.570" v="3"/>
+            <ac:spMkLst>
+              <pc:docMk/>
+              <pc:sldMasterMk cId="16543733" sldId="2147483662"/>
+              <pc:sldLayoutMk cId="61676614" sldId="2147483670"/>
+              <ac:spMk id="4" creationId="{00000000-0000-0000-0000-000000000000}"/>
+            </ac:spMkLst>
+          </pc:spChg>
+        </pc:sldLayoutChg>
+        <pc:sldLayoutChg chg="modSp">
+          <pc:chgData name="Debakker Stan" userId="dcaf6aa6-4ff3-4b00-8b67-253531728245" providerId="ADAL" clId="{5D434D30-F688-4623-B10D-9AE1AB3633DC}" dt="2025-03-08T17:23:32.570" v="3"/>
+          <pc:sldLayoutMkLst>
+            <pc:docMk/>
+            <pc:sldMasterMk cId="16543733" sldId="2147483662"/>
+            <pc:sldLayoutMk cId="1857027653" sldId="2147483671"/>
+          </pc:sldLayoutMkLst>
+          <pc:spChg chg="mod">
+            <ac:chgData name="Debakker Stan" userId="dcaf6aa6-4ff3-4b00-8b67-253531728245" providerId="ADAL" clId="{5D434D30-F688-4623-B10D-9AE1AB3633DC}" dt="2025-03-08T17:23:32.570" v="3"/>
+            <ac:spMkLst>
+              <pc:docMk/>
+              <pc:sldMasterMk cId="16543733" sldId="2147483662"/>
+              <pc:sldLayoutMk cId="1857027653" sldId="2147483671"/>
+              <ac:spMk id="2" creationId="{00000000-0000-0000-0000-000000000000}"/>
+            </ac:spMkLst>
+          </pc:spChg>
+          <pc:spChg chg="mod">
+            <ac:chgData name="Debakker Stan" userId="dcaf6aa6-4ff3-4b00-8b67-253531728245" providerId="ADAL" clId="{5D434D30-F688-4623-B10D-9AE1AB3633DC}" dt="2025-03-08T17:23:32.570" v="3"/>
+            <ac:spMkLst>
+              <pc:docMk/>
+              <pc:sldMasterMk cId="16543733" sldId="2147483662"/>
+              <pc:sldLayoutMk cId="1857027653" sldId="2147483671"/>
+              <ac:spMk id="3" creationId="{00000000-0000-0000-0000-000000000000}"/>
+            </ac:spMkLst>
+          </pc:spChg>
+          <pc:spChg chg="mod">
+            <ac:chgData name="Debakker Stan" userId="dcaf6aa6-4ff3-4b00-8b67-253531728245" providerId="ADAL" clId="{5D434D30-F688-4623-B10D-9AE1AB3633DC}" dt="2025-03-08T17:23:32.570" v="3"/>
+            <ac:spMkLst>
+              <pc:docMk/>
+              <pc:sldMasterMk cId="16543733" sldId="2147483662"/>
+              <pc:sldLayoutMk cId="1857027653" sldId="2147483671"/>
+              <ac:spMk id="4" creationId="{00000000-0000-0000-0000-000000000000}"/>
+            </ac:spMkLst>
+          </pc:spChg>
+        </pc:sldLayoutChg>
+        <pc:sldLayoutChg chg="modSp">
+          <pc:chgData name="Debakker Stan" userId="dcaf6aa6-4ff3-4b00-8b67-253531728245" providerId="ADAL" clId="{5D434D30-F688-4623-B10D-9AE1AB3633DC}" dt="2025-03-08T17:23:32.570" v="3"/>
+          <pc:sldLayoutMkLst>
+            <pc:docMk/>
+            <pc:sldMasterMk cId="16543733" sldId="2147483662"/>
+            <pc:sldLayoutMk cId="1903807105" sldId="2147483673"/>
+          </pc:sldLayoutMkLst>
+          <pc:spChg chg="mod">
+            <ac:chgData name="Debakker Stan" userId="dcaf6aa6-4ff3-4b00-8b67-253531728245" providerId="ADAL" clId="{5D434D30-F688-4623-B10D-9AE1AB3633DC}" dt="2025-03-08T17:23:32.570" v="3"/>
+            <ac:spMkLst>
+              <pc:docMk/>
+              <pc:sldMasterMk cId="16543733" sldId="2147483662"/>
+              <pc:sldLayoutMk cId="1903807105" sldId="2147483673"/>
+              <ac:spMk id="2" creationId="{00000000-0000-0000-0000-000000000000}"/>
+            </ac:spMkLst>
+          </pc:spChg>
+          <pc:spChg chg="mod">
+            <ac:chgData name="Debakker Stan" userId="dcaf6aa6-4ff3-4b00-8b67-253531728245" providerId="ADAL" clId="{5D434D30-F688-4623-B10D-9AE1AB3633DC}" dt="2025-03-08T17:23:32.570" v="3"/>
+            <ac:spMkLst>
+              <pc:docMk/>
+              <pc:sldMasterMk cId="16543733" sldId="2147483662"/>
+              <pc:sldLayoutMk cId="1903807105" sldId="2147483673"/>
+              <ac:spMk id="3" creationId="{00000000-0000-0000-0000-000000000000}"/>
+            </ac:spMkLst>
+          </pc:spChg>
         </pc:sldLayoutChg>
       </pc:sldMasterChg>
     </pc:docChg>
@@ -162,13 +484,7 @@
       </p:grpSpPr>
       <p:sp>
         <p:nvSpPr>
-          <p:cNvPr id="2" name="Titel 1">
-            <a:extLst>
-              <a:ext uri="{FF2B5EF4-FFF2-40B4-BE49-F238E27FC236}">
-                <a16:creationId xmlns:a16="http://schemas.microsoft.com/office/drawing/2014/main" id="{3773C82A-2587-EF90-DC0B-3869E4FC2608}"/>
-              </a:ext>
-            </a:extLst>
-          </p:cNvPr>
+          <p:cNvPr id="2" name="Title 1"/>
           <p:cNvSpPr>
             <a:spLocks noGrp="1"/>
           </p:cNvSpPr>
@@ -178,18 +494,15 @@
         </p:nvSpPr>
         <p:spPr>
           <a:xfrm>
-            <a:off x="1524000" y="1122363"/>
-            <a:ext cx="9144000" cy="2387600"/>
+            <a:off x="2268023" y="6952156"/>
+            <a:ext cx="25704245" cy="14789303"/>
           </a:xfrm>
-          <a:prstGeom prst="rect">
-            <a:avLst/>
-          </a:prstGeom>
         </p:spPr>
         <p:txBody>
           <a:bodyPr anchor="b"/>
           <a:lstStyle>
             <a:lvl1pPr algn="ctr">
-              <a:defRPr sz="6000"/>
+              <a:defRPr sz="19844"/>
             </a:lvl1pPr>
           </a:lstStyle>
           <a:p>
@@ -197,18 +510,13 @@
               <a:rPr lang="nl-NL"/>
               <a:t>Klik om stijl te bewerken</a:t>
             </a:r>
-          </a:p>
-        </p:txBody>
-      </p:sp>
-      <p:sp>
-        <p:nvSpPr>
-          <p:cNvPr id="3" name="Ondertitel 2">
-            <a:extLst>
-              <a:ext uri="{FF2B5EF4-FFF2-40B4-BE49-F238E27FC236}">
-                <a16:creationId xmlns:a16="http://schemas.microsoft.com/office/drawing/2014/main" id="{9D1C32DD-12EF-19B8-C3B5-95BE37D9B5B8}"/>
-              </a:ext>
-            </a:extLst>
-          </p:cNvPr>
+            <a:endParaRPr lang="en-US" dirty="0"/>
+          </a:p>
+        </p:txBody>
+      </p:sp>
+      <p:sp>
+        <p:nvSpPr>
+          <p:cNvPr id="3" name="Subtitle 2"/>
           <p:cNvSpPr>
             <a:spLocks noGrp="1"/>
           </p:cNvSpPr>
@@ -218,51 +526,48 @@
         </p:nvSpPr>
         <p:spPr>
           <a:xfrm>
-            <a:off x="1524000" y="3602038"/>
-            <a:ext cx="9144000" cy="1655762"/>
+            <a:off x="3780036" y="22311792"/>
+            <a:ext cx="22680216" cy="10256143"/>
           </a:xfrm>
-          <a:prstGeom prst="rect">
-            <a:avLst/>
-          </a:prstGeom>
         </p:spPr>
         <p:txBody>
           <a:bodyPr/>
           <a:lstStyle>
             <a:lvl1pPr marL="0" indent="0" algn="ctr">
               <a:buNone/>
-              <a:defRPr sz="2400"/>
+              <a:defRPr sz="7938"/>
             </a:lvl1pPr>
-            <a:lvl2pPr marL="457200" indent="0" algn="ctr">
-              <a:buNone/>
-              <a:defRPr sz="2000"/>
+            <a:lvl2pPr marL="1512101" indent="0" algn="ctr">
+              <a:buNone/>
+              <a:defRPr sz="6614"/>
             </a:lvl2pPr>
-            <a:lvl3pPr marL="914400" indent="0" algn="ctr">
-              <a:buNone/>
-              <a:defRPr sz="1800"/>
+            <a:lvl3pPr marL="3024203" indent="0" algn="ctr">
+              <a:buNone/>
+              <a:defRPr sz="5953"/>
             </a:lvl3pPr>
-            <a:lvl4pPr marL="1371600" indent="0" algn="ctr">
-              <a:buNone/>
-              <a:defRPr sz="1600"/>
+            <a:lvl4pPr marL="4536304" indent="0" algn="ctr">
+              <a:buNone/>
+              <a:defRPr sz="5291"/>
             </a:lvl4pPr>
-            <a:lvl5pPr marL="1828800" indent="0" algn="ctr">
-              <a:buNone/>
-              <a:defRPr sz="1600"/>
+            <a:lvl5pPr marL="6048405" indent="0" algn="ctr">
+              <a:buNone/>
+              <a:defRPr sz="5291"/>
             </a:lvl5pPr>
-            <a:lvl6pPr marL="2286000" indent="0" algn="ctr">
-              <a:buNone/>
-              <a:defRPr sz="1600"/>
+            <a:lvl6pPr marL="7560507" indent="0" algn="ctr">
+              <a:buNone/>
+              <a:defRPr sz="5291"/>
             </a:lvl6pPr>
-            <a:lvl7pPr marL="2743200" indent="0" algn="ctr">
-              <a:buNone/>
-              <a:defRPr sz="1600"/>
+            <a:lvl7pPr marL="9072608" indent="0" algn="ctr">
+              <a:buNone/>
+              <a:defRPr sz="5291"/>
             </a:lvl7pPr>
-            <a:lvl8pPr marL="3200400" indent="0" algn="ctr">
-              <a:buNone/>
-              <a:defRPr sz="1600"/>
+            <a:lvl8pPr marL="10584710" indent="0" algn="ctr">
+              <a:buNone/>
+              <a:defRPr sz="5291"/>
             </a:lvl8pPr>
-            <a:lvl9pPr marL="3657600" indent="0" algn="ctr">
-              <a:buNone/>
-              <a:defRPr sz="1600"/>
+            <a:lvl9pPr marL="12096811" indent="0" algn="ctr">
+              <a:buNone/>
+              <a:defRPr sz="5291"/>
             </a:lvl9pPr>
           </a:lstStyle>
           <a:p>
@@ -270,13 +575,2191 @@
               <a:rPr lang="nl-NL"/>
               <a:t>Klikken om de ondertitelstijl van het model te bewerken</a:t>
             </a:r>
+            <a:endParaRPr lang="en-US" dirty="0"/>
+          </a:p>
+        </p:txBody>
+      </p:sp>
+      <p:sp>
+        <p:nvSpPr>
+          <p:cNvPr id="4" name="Date Placeholder 3"/>
+          <p:cNvSpPr>
+            <a:spLocks noGrp="1"/>
+          </p:cNvSpPr>
+          <p:nvPr>
+            <p:ph type="dt" sz="half" idx="10"/>
+          </p:nvPr>
+        </p:nvSpPr>
+        <p:spPr/>
+        <p:txBody>
+          <a:bodyPr/>
+          <a:lstStyle/>
+          <a:p>
+            <a:fld id="{C764DE79-268F-4C1A-8933-263129D2AF90}" type="datetimeFigureOut">
+              <a:rPr lang="en-US" smtClean="0"/>
+              <a:t>3/8/2025</a:t>
+            </a:fld>
+            <a:endParaRPr lang="en-US" dirty="0"/>
+          </a:p>
+        </p:txBody>
+      </p:sp>
+      <p:sp>
+        <p:nvSpPr>
+          <p:cNvPr id="5" name="Footer Placeholder 4"/>
+          <p:cNvSpPr>
+            <a:spLocks noGrp="1"/>
+          </p:cNvSpPr>
+          <p:nvPr>
+            <p:ph type="ftr" sz="quarter" idx="11"/>
+          </p:nvPr>
+        </p:nvSpPr>
+        <p:spPr/>
+        <p:txBody>
+          <a:bodyPr/>
+          <a:lstStyle/>
+          <a:p>
+            <a:endParaRPr lang="en-US" dirty="0"/>
+          </a:p>
+        </p:txBody>
+      </p:sp>
+      <p:sp>
+        <p:nvSpPr>
+          <p:cNvPr id="6" name="Slide Number Placeholder 5"/>
+          <p:cNvSpPr>
+            <a:spLocks noGrp="1"/>
+          </p:cNvSpPr>
+          <p:nvPr>
+            <p:ph type="sldNum" sz="quarter" idx="12"/>
+          </p:nvPr>
+        </p:nvSpPr>
+        <p:spPr/>
+        <p:txBody>
+          <a:bodyPr/>
+          <a:lstStyle/>
+          <a:p>
+            <a:fld id="{48F63A3B-78C7-47BE-AE5E-E10140E04643}" type="slidenum">
+              <a:rPr lang="en-US" smtClean="0"/>
+              <a:t>‹nr.›</a:t>
+            </a:fld>
+            <a:endParaRPr lang="en-US" dirty="0"/>
           </a:p>
         </p:txBody>
       </p:sp>
     </p:spTree>
     <p:extLst>
       <p:ext uri="{BB962C8B-B14F-4D97-AF65-F5344CB8AC3E}">
-        <p14:creationId xmlns:p14="http://schemas.microsoft.com/office/powerpoint/2010/main" val="3257966048"/>
+        <p14:creationId xmlns:p14="http://schemas.microsoft.com/office/powerpoint/2010/main" val="2914145079"/>
+      </p:ext>
+    </p:extLst>
+  </p:cSld>
+  <p:clrMapOvr>
+    <a:masterClrMapping/>
+  </p:clrMapOvr>
+</p:sldLayout>
+</file>
+
+<file path=ppt/slideLayouts/slideLayout10.xml><?xml version="1.0" encoding="utf-8"?>
+<p:sldLayout xmlns:a="http://schemas.openxmlformats.org/drawingml/2006/main" xmlns:r="http://schemas.openxmlformats.org/officeDocument/2006/relationships" xmlns:p="http://schemas.openxmlformats.org/presentationml/2006/main" type="vertTx" preserve="1">
+  <p:cSld name="Titel en verticale tekst">
+    <p:spTree>
+      <p:nvGrpSpPr>
+        <p:cNvPr id="1" name=""/>
+        <p:cNvGrpSpPr/>
+        <p:nvPr/>
+      </p:nvGrpSpPr>
+      <p:grpSpPr>
+        <a:xfrm>
+          <a:off x="0" y="0"/>
+          <a:ext cx="0" cy="0"/>
+          <a:chOff x="0" y="0"/>
+          <a:chExt cx="0" cy="0"/>
+        </a:xfrm>
+      </p:grpSpPr>
+      <p:sp>
+        <p:nvSpPr>
+          <p:cNvPr id="2" name="Title 1"/>
+          <p:cNvSpPr>
+            <a:spLocks noGrp="1"/>
+          </p:cNvSpPr>
+          <p:nvPr>
+            <p:ph type="title"/>
+          </p:nvPr>
+        </p:nvSpPr>
+        <p:spPr/>
+        <p:txBody>
+          <a:bodyPr/>
+          <a:lstStyle/>
+          <a:p>
+            <a:r>
+              <a:rPr lang="nl-NL"/>
+              <a:t>Klik om stijl te bewerken</a:t>
+            </a:r>
+            <a:endParaRPr lang="en-US" dirty="0"/>
+          </a:p>
+        </p:txBody>
+      </p:sp>
+      <p:sp>
+        <p:nvSpPr>
+          <p:cNvPr id="3" name="Vertical Text Placeholder 2"/>
+          <p:cNvSpPr>
+            <a:spLocks noGrp="1"/>
+          </p:cNvSpPr>
+          <p:nvPr>
+            <p:ph type="body" orient="vert" idx="1"/>
+          </p:nvPr>
+        </p:nvSpPr>
+        <p:spPr/>
+        <p:txBody>
+          <a:bodyPr vert="eaVert"/>
+          <a:lstStyle/>
+          <a:p>
+            <a:pPr lvl="0"/>
+            <a:r>
+              <a:rPr lang="nl-NL"/>
+              <a:t>Klikken om de tekststijl van het model te bewerken</a:t>
+            </a:r>
+          </a:p>
+          <a:p>
+            <a:pPr lvl="1"/>
+            <a:r>
+              <a:rPr lang="nl-NL"/>
+              <a:t>Tweede niveau</a:t>
+            </a:r>
+          </a:p>
+          <a:p>
+            <a:pPr lvl="2"/>
+            <a:r>
+              <a:rPr lang="nl-NL"/>
+              <a:t>Derde niveau</a:t>
+            </a:r>
+          </a:p>
+          <a:p>
+            <a:pPr lvl="3"/>
+            <a:r>
+              <a:rPr lang="nl-NL"/>
+              <a:t>Vierde niveau</a:t>
+            </a:r>
+          </a:p>
+          <a:p>
+            <a:pPr lvl="4"/>
+            <a:r>
+              <a:rPr lang="nl-NL"/>
+              <a:t>Vijfde niveau</a:t>
+            </a:r>
+            <a:endParaRPr lang="en-US" dirty="0"/>
+          </a:p>
+        </p:txBody>
+      </p:sp>
+      <p:sp>
+        <p:nvSpPr>
+          <p:cNvPr id="4" name="Date Placeholder 3"/>
+          <p:cNvSpPr>
+            <a:spLocks noGrp="1"/>
+          </p:cNvSpPr>
+          <p:nvPr>
+            <p:ph type="dt" sz="half" idx="10"/>
+          </p:nvPr>
+        </p:nvSpPr>
+        <p:spPr/>
+        <p:txBody>
+          <a:bodyPr/>
+          <a:lstStyle/>
+          <a:p>
+            <a:fld id="{C764DE79-268F-4C1A-8933-263129D2AF90}" type="datetimeFigureOut">
+              <a:rPr lang="en-US" smtClean="0"/>
+              <a:t>3/8/2025</a:t>
+            </a:fld>
+            <a:endParaRPr lang="en-US" dirty="0"/>
+          </a:p>
+        </p:txBody>
+      </p:sp>
+      <p:sp>
+        <p:nvSpPr>
+          <p:cNvPr id="5" name="Footer Placeholder 4"/>
+          <p:cNvSpPr>
+            <a:spLocks noGrp="1"/>
+          </p:cNvSpPr>
+          <p:nvPr>
+            <p:ph type="ftr" sz="quarter" idx="11"/>
+          </p:nvPr>
+        </p:nvSpPr>
+        <p:spPr/>
+        <p:txBody>
+          <a:bodyPr/>
+          <a:lstStyle/>
+          <a:p>
+            <a:endParaRPr lang="en-US" dirty="0"/>
+          </a:p>
+        </p:txBody>
+      </p:sp>
+      <p:sp>
+        <p:nvSpPr>
+          <p:cNvPr id="6" name="Slide Number Placeholder 5"/>
+          <p:cNvSpPr>
+            <a:spLocks noGrp="1"/>
+          </p:cNvSpPr>
+          <p:nvPr>
+            <p:ph type="sldNum" sz="quarter" idx="12"/>
+          </p:nvPr>
+        </p:nvSpPr>
+        <p:spPr/>
+        <p:txBody>
+          <a:bodyPr/>
+          <a:lstStyle/>
+          <a:p>
+            <a:fld id="{48F63A3B-78C7-47BE-AE5E-E10140E04643}" type="slidenum">
+              <a:rPr lang="en-US" smtClean="0"/>
+              <a:t>‹nr.›</a:t>
+            </a:fld>
+            <a:endParaRPr lang="en-US" dirty="0"/>
+          </a:p>
+        </p:txBody>
+      </p:sp>
+    </p:spTree>
+    <p:extLst>
+      <p:ext uri="{BB962C8B-B14F-4D97-AF65-F5344CB8AC3E}">
+        <p14:creationId xmlns:p14="http://schemas.microsoft.com/office/powerpoint/2010/main" val="575231255"/>
+      </p:ext>
+    </p:extLst>
+  </p:cSld>
+  <p:clrMapOvr>
+    <a:masterClrMapping/>
+  </p:clrMapOvr>
+</p:sldLayout>
+</file>
+
+<file path=ppt/slideLayouts/slideLayout11.xml><?xml version="1.0" encoding="utf-8"?>
+<p:sldLayout xmlns:a="http://schemas.openxmlformats.org/drawingml/2006/main" xmlns:r="http://schemas.openxmlformats.org/officeDocument/2006/relationships" xmlns:p="http://schemas.openxmlformats.org/presentationml/2006/main" type="vertTitleAndTx" preserve="1">
+  <p:cSld name="Verticale titel en tekst">
+    <p:spTree>
+      <p:nvGrpSpPr>
+        <p:cNvPr id="1" name=""/>
+        <p:cNvGrpSpPr/>
+        <p:nvPr/>
+      </p:nvGrpSpPr>
+      <p:grpSpPr>
+        <a:xfrm>
+          <a:off x="0" y="0"/>
+          <a:ext cx="0" cy="0"/>
+          <a:chOff x="0" y="0"/>
+          <a:chExt cx="0" cy="0"/>
+        </a:xfrm>
+      </p:grpSpPr>
+      <p:sp>
+        <p:nvSpPr>
+          <p:cNvPr id="2" name="Vertical Title 1"/>
+          <p:cNvSpPr>
+            <a:spLocks noGrp="1"/>
+          </p:cNvSpPr>
+          <p:nvPr>
+            <p:ph type="title" orient="vert"/>
+          </p:nvPr>
+        </p:nvSpPr>
+        <p:spPr>
+          <a:xfrm>
+            <a:off x="21640708" y="2261662"/>
+            <a:ext cx="6520562" cy="35999763"/>
+          </a:xfrm>
+        </p:spPr>
+        <p:txBody>
+          <a:bodyPr vert="eaVert"/>
+          <a:lstStyle/>
+          <a:p>
+            <a:r>
+              <a:rPr lang="nl-NL"/>
+              <a:t>Klik om stijl te bewerken</a:t>
+            </a:r>
+            <a:endParaRPr lang="en-US" dirty="0"/>
+          </a:p>
+        </p:txBody>
+      </p:sp>
+      <p:sp>
+        <p:nvSpPr>
+          <p:cNvPr id="3" name="Vertical Text Placeholder 2"/>
+          <p:cNvSpPr>
+            <a:spLocks noGrp="1"/>
+          </p:cNvSpPr>
+          <p:nvPr>
+            <p:ph type="body" orient="vert" idx="1"/>
+          </p:nvPr>
+        </p:nvSpPr>
+        <p:spPr>
+          <a:xfrm>
+            <a:off x="2079022" y="2261662"/>
+            <a:ext cx="19183683" cy="35999763"/>
+          </a:xfrm>
+        </p:spPr>
+        <p:txBody>
+          <a:bodyPr vert="eaVert"/>
+          <a:lstStyle/>
+          <a:p>
+            <a:pPr lvl="0"/>
+            <a:r>
+              <a:rPr lang="nl-NL"/>
+              <a:t>Klikken om de tekststijl van het model te bewerken</a:t>
+            </a:r>
+          </a:p>
+          <a:p>
+            <a:pPr lvl="1"/>
+            <a:r>
+              <a:rPr lang="nl-NL"/>
+              <a:t>Tweede niveau</a:t>
+            </a:r>
+          </a:p>
+          <a:p>
+            <a:pPr lvl="2"/>
+            <a:r>
+              <a:rPr lang="nl-NL"/>
+              <a:t>Derde niveau</a:t>
+            </a:r>
+          </a:p>
+          <a:p>
+            <a:pPr lvl="3"/>
+            <a:r>
+              <a:rPr lang="nl-NL"/>
+              <a:t>Vierde niveau</a:t>
+            </a:r>
+          </a:p>
+          <a:p>
+            <a:pPr lvl="4"/>
+            <a:r>
+              <a:rPr lang="nl-NL"/>
+              <a:t>Vijfde niveau</a:t>
+            </a:r>
+            <a:endParaRPr lang="en-US" dirty="0"/>
+          </a:p>
+        </p:txBody>
+      </p:sp>
+      <p:sp>
+        <p:nvSpPr>
+          <p:cNvPr id="4" name="Date Placeholder 3"/>
+          <p:cNvSpPr>
+            <a:spLocks noGrp="1"/>
+          </p:cNvSpPr>
+          <p:nvPr>
+            <p:ph type="dt" sz="half" idx="10"/>
+          </p:nvPr>
+        </p:nvSpPr>
+        <p:spPr/>
+        <p:txBody>
+          <a:bodyPr/>
+          <a:lstStyle/>
+          <a:p>
+            <a:fld id="{C764DE79-268F-4C1A-8933-263129D2AF90}" type="datetimeFigureOut">
+              <a:rPr lang="en-US" smtClean="0"/>
+              <a:t>3/8/2025</a:t>
+            </a:fld>
+            <a:endParaRPr lang="en-US" dirty="0"/>
+          </a:p>
+        </p:txBody>
+      </p:sp>
+      <p:sp>
+        <p:nvSpPr>
+          <p:cNvPr id="5" name="Footer Placeholder 4"/>
+          <p:cNvSpPr>
+            <a:spLocks noGrp="1"/>
+          </p:cNvSpPr>
+          <p:nvPr>
+            <p:ph type="ftr" sz="quarter" idx="11"/>
+          </p:nvPr>
+        </p:nvSpPr>
+        <p:spPr/>
+        <p:txBody>
+          <a:bodyPr/>
+          <a:lstStyle/>
+          <a:p>
+            <a:endParaRPr lang="en-US" dirty="0"/>
+          </a:p>
+        </p:txBody>
+      </p:sp>
+      <p:sp>
+        <p:nvSpPr>
+          <p:cNvPr id="6" name="Slide Number Placeholder 5"/>
+          <p:cNvSpPr>
+            <a:spLocks noGrp="1"/>
+          </p:cNvSpPr>
+          <p:nvPr>
+            <p:ph type="sldNum" sz="quarter" idx="12"/>
+          </p:nvPr>
+        </p:nvSpPr>
+        <p:spPr/>
+        <p:txBody>
+          <a:bodyPr/>
+          <a:lstStyle/>
+          <a:p>
+            <a:fld id="{48F63A3B-78C7-47BE-AE5E-E10140E04643}" type="slidenum">
+              <a:rPr lang="en-US" smtClean="0"/>
+              <a:t>‹nr.›</a:t>
+            </a:fld>
+            <a:endParaRPr lang="en-US" dirty="0"/>
+          </a:p>
+        </p:txBody>
+      </p:sp>
+    </p:spTree>
+    <p:extLst>
+      <p:ext uri="{BB962C8B-B14F-4D97-AF65-F5344CB8AC3E}">
+        <p14:creationId xmlns:p14="http://schemas.microsoft.com/office/powerpoint/2010/main" val="1903807105"/>
+      </p:ext>
+    </p:extLst>
+  </p:cSld>
+  <p:clrMapOvr>
+    <a:masterClrMapping/>
+  </p:clrMapOvr>
+</p:sldLayout>
+</file>
+
+<file path=ppt/slideLayouts/slideLayout2.xml><?xml version="1.0" encoding="utf-8"?>
+<p:sldLayout xmlns:a="http://schemas.openxmlformats.org/drawingml/2006/main" xmlns:r="http://schemas.openxmlformats.org/officeDocument/2006/relationships" xmlns:p="http://schemas.openxmlformats.org/presentationml/2006/main" type="obj" preserve="1">
+  <p:cSld name="Titel en object">
+    <p:spTree>
+      <p:nvGrpSpPr>
+        <p:cNvPr id="1" name=""/>
+        <p:cNvGrpSpPr/>
+        <p:nvPr/>
+      </p:nvGrpSpPr>
+      <p:grpSpPr>
+        <a:xfrm>
+          <a:off x="0" y="0"/>
+          <a:ext cx="0" cy="0"/>
+          <a:chOff x="0" y="0"/>
+          <a:chExt cx="0" cy="0"/>
+        </a:xfrm>
+      </p:grpSpPr>
+      <p:sp>
+        <p:nvSpPr>
+          <p:cNvPr id="2" name="Title 1"/>
+          <p:cNvSpPr>
+            <a:spLocks noGrp="1"/>
+          </p:cNvSpPr>
+          <p:nvPr>
+            <p:ph type="title"/>
+          </p:nvPr>
+        </p:nvSpPr>
+        <p:spPr/>
+        <p:txBody>
+          <a:bodyPr/>
+          <a:lstStyle/>
+          <a:p>
+            <a:r>
+              <a:rPr lang="nl-NL"/>
+              <a:t>Klik om stijl te bewerken</a:t>
+            </a:r>
+            <a:endParaRPr lang="en-US" dirty="0"/>
+          </a:p>
+        </p:txBody>
+      </p:sp>
+      <p:sp>
+        <p:nvSpPr>
+          <p:cNvPr id="3" name="Content Placeholder 2"/>
+          <p:cNvSpPr>
+            <a:spLocks noGrp="1"/>
+          </p:cNvSpPr>
+          <p:nvPr>
+            <p:ph idx="1"/>
+          </p:nvPr>
+        </p:nvSpPr>
+        <p:spPr/>
+        <p:txBody>
+          <a:bodyPr/>
+          <a:lstStyle/>
+          <a:p>
+            <a:pPr lvl="0"/>
+            <a:r>
+              <a:rPr lang="nl-NL"/>
+              <a:t>Klikken om de tekststijl van het model te bewerken</a:t>
+            </a:r>
+          </a:p>
+          <a:p>
+            <a:pPr lvl="1"/>
+            <a:r>
+              <a:rPr lang="nl-NL"/>
+              <a:t>Tweede niveau</a:t>
+            </a:r>
+          </a:p>
+          <a:p>
+            <a:pPr lvl="2"/>
+            <a:r>
+              <a:rPr lang="nl-NL"/>
+              <a:t>Derde niveau</a:t>
+            </a:r>
+          </a:p>
+          <a:p>
+            <a:pPr lvl="3"/>
+            <a:r>
+              <a:rPr lang="nl-NL"/>
+              <a:t>Vierde niveau</a:t>
+            </a:r>
+          </a:p>
+          <a:p>
+            <a:pPr lvl="4"/>
+            <a:r>
+              <a:rPr lang="nl-NL"/>
+              <a:t>Vijfde niveau</a:t>
+            </a:r>
+            <a:endParaRPr lang="en-US" dirty="0"/>
+          </a:p>
+        </p:txBody>
+      </p:sp>
+      <p:sp>
+        <p:nvSpPr>
+          <p:cNvPr id="4" name="Date Placeholder 3"/>
+          <p:cNvSpPr>
+            <a:spLocks noGrp="1"/>
+          </p:cNvSpPr>
+          <p:nvPr>
+            <p:ph type="dt" sz="half" idx="10"/>
+          </p:nvPr>
+        </p:nvSpPr>
+        <p:spPr/>
+        <p:txBody>
+          <a:bodyPr/>
+          <a:lstStyle/>
+          <a:p>
+            <a:fld id="{C764DE79-268F-4C1A-8933-263129D2AF90}" type="datetimeFigureOut">
+              <a:rPr lang="en-US" smtClean="0"/>
+              <a:t>3/8/2025</a:t>
+            </a:fld>
+            <a:endParaRPr lang="en-US" dirty="0"/>
+          </a:p>
+        </p:txBody>
+      </p:sp>
+      <p:sp>
+        <p:nvSpPr>
+          <p:cNvPr id="5" name="Footer Placeholder 4"/>
+          <p:cNvSpPr>
+            <a:spLocks noGrp="1"/>
+          </p:cNvSpPr>
+          <p:nvPr>
+            <p:ph type="ftr" sz="quarter" idx="11"/>
+          </p:nvPr>
+        </p:nvSpPr>
+        <p:spPr/>
+        <p:txBody>
+          <a:bodyPr/>
+          <a:lstStyle/>
+          <a:p>
+            <a:endParaRPr lang="en-US" dirty="0"/>
+          </a:p>
+        </p:txBody>
+      </p:sp>
+      <p:sp>
+        <p:nvSpPr>
+          <p:cNvPr id="6" name="Slide Number Placeholder 5"/>
+          <p:cNvSpPr>
+            <a:spLocks noGrp="1"/>
+          </p:cNvSpPr>
+          <p:nvPr>
+            <p:ph type="sldNum" sz="quarter" idx="12"/>
+          </p:nvPr>
+        </p:nvSpPr>
+        <p:spPr/>
+        <p:txBody>
+          <a:bodyPr/>
+          <a:lstStyle/>
+          <a:p>
+            <a:fld id="{48F63A3B-78C7-47BE-AE5E-E10140E04643}" type="slidenum">
+              <a:rPr lang="en-US" smtClean="0"/>
+              <a:t>‹nr.›</a:t>
+            </a:fld>
+            <a:endParaRPr lang="en-US" dirty="0"/>
+          </a:p>
+        </p:txBody>
+      </p:sp>
+    </p:spTree>
+    <p:extLst>
+      <p:ext uri="{BB962C8B-B14F-4D97-AF65-F5344CB8AC3E}">
+        <p14:creationId xmlns:p14="http://schemas.microsoft.com/office/powerpoint/2010/main" val="419866460"/>
+      </p:ext>
+    </p:extLst>
+  </p:cSld>
+  <p:clrMapOvr>
+    <a:masterClrMapping/>
+  </p:clrMapOvr>
+</p:sldLayout>
+</file>
+
+<file path=ppt/slideLayouts/slideLayout3.xml><?xml version="1.0" encoding="utf-8"?>
+<p:sldLayout xmlns:a="http://schemas.openxmlformats.org/drawingml/2006/main" xmlns:r="http://schemas.openxmlformats.org/officeDocument/2006/relationships" xmlns:p="http://schemas.openxmlformats.org/presentationml/2006/main" type="secHead" preserve="1">
+  <p:cSld name="Sectiekop">
+    <p:spTree>
+      <p:nvGrpSpPr>
+        <p:cNvPr id="1" name=""/>
+        <p:cNvGrpSpPr/>
+        <p:nvPr/>
+      </p:nvGrpSpPr>
+      <p:grpSpPr>
+        <a:xfrm>
+          <a:off x="0" y="0"/>
+          <a:ext cx="0" cy="0"/>
+          <a:chOff x="0" y="0"/>
+          <a:chExt cx="0" cy="0"/>
+        </a:xfrm>
+      </p:grpSpPr>
+      <p:sp>
+        <p:nvSpPr>
+          <p:cNvPr id="2" name="Title 1"/>
+          <p:cNvSpPr>
+            <a:spLocks noGrp="1"/>
+          </p:cNvSpPr>
+          <p:nvPr>
+            <p:ph type="title"/>
+          </p:nvPr>
+        </p:nvSpPr>
+        <p:spPr>
+          <a:xfrm>
+            <a:off x="2063272" y="10590491"/>
+            <a:ext cx="26082248" cy="17670462"/>
+          </a:xfrm>
+        </p:spPr>
+        <p:txBody>
+          <a:bodyPr anchor="b"/>
+          <a:lstStyle>
+            <a:lvl1pPr>
+              <a:defRPr sz="19844"/>
+            </a:lvl1pPr>
+          </a:lstStyle>
+          <a:p>
+            <a:r>
+              <a:rPr lang="nl-NL"/>
+              <a:t>Klik om stijl te bewerken</a:t>
+            </a:r>
+            <a:endParaRPr lang="en-US" dirty="0"/>
+          </a:p>
+        </p:txBody>
+      </p:sp>
+      <p:sp>
+        <p:nvSpPr>
+          <p:cNvPr id="3" name="Text Placeholder 2"/>
+          <p:cNvSpPr>
+            <a:spLocks noGrp="1"/>
+          </p:cNvSpPr>
+          <p:nvPr>
+            <p:ph type="body" idx="1"/>
+          </p:nvPr>
+        </p:nvSpPr>
+        <p:spPr>
+          <a:xfrm>
+            <a:off x="2063272" y="28428122"/>
+            <a:ext cx="26082248" cy="9292477"/>
+          </a:xfrm>
+        </p:spPr>
+        <p:txBody>
+          <a:bodyPr/>
+          <a:lstStyle>
+            <a:lvl1pPr marL="0" indent="0">
+              <a:buNone/>
+              <a:defRPr sz="7938">
+                <a:solidFill>
+                  <a:schemeClr val="tx1">
+                    <a:tint val="82000"/>
+                  </a:schemeClr>
+                </a:solidFill>
+              </a:defRPr>
+            </a:lvl1pPr>
+            <a:lvl2pPr marL="1512101" indent="0">
+              <a:buNone/>
+              <a:defRPr sz="6614">
+                <a:solidFill>
+                  <a:schemeClr val="tx1">
+                    <a:tint val="82000"/>
+                  </a:schemeClr>
+                </a:solidFill>
+              </a:defRPr>
+            </a:lvl2pPr>
+            <a:lvl3pPr marL="3024203" indent="0">
+              <a:buNone/>
+              <a:defRPr sz="5953">
+                <a:solidFill>
+                  <a:schemeClr val="tx1">
+                    <a:tint val="82000"/>
+                  </a:schemeClr>
+                </a:solidFill>
+              </a:defRPr>
+            </a:lvl3pPr>
+            <a:lvl4pPr marL="4536304" indent="0">
+              <a:buNone/>
+              <a:defRPr sz="5291">
+                <a:solidFill>
+                  <a:schemeClr val="tx1">
+                    <a:tint val="82000"/>
+                  </a:schemeClr>
+                </a:solidFill>
+              </a:defRPr>
+            </a:lvl4pPr>
+            <a:lvl5pPr marL="6048405" indent="0">
+              <a:buNone/>
+              <a:defRPr sz="5291">
+                <a:solidFill>
+                  <a:schemeClr val="tx1">
+                    <a:tint val="82000"/>
+                  </a:schemeClr>
+                </a:solidFill>
+              </a:defRPr>
+            </a:lvl5pPr>
+            <a:lvl6pPr marL="7560507" indent="0">
+              <a:buNone/>
+              <a:defRPr sz="5291">
+                <a:solidFill>
+                  <a:schemeClr val="tx1">
+                    <a:tint val="82000"/>
+                  </a:schemeClr>
+                </a:solidFill>
+              </a:defRPr>
+            </a:lvl6pPr>
+            <a:lvl7pPr marL="9072608" indent="0">
+              <a:buNone/>
+              <a:defRPr sz="5291">
+                <a:solidFill>
+                  <a:schemeClr val="tx1">
+                    <a:tint val="82000"/>
+                  </a:schemeClr>
+                </a:solidFill>
+              </a:defRPr>
+            </a:lvl7pPr>
+            <a:lvl8pPr marL="10584710" indent="0">
+              <a:buNone/>
+              <a:defRPr sz="5291">
+                <a:solidFill>
+                  <a:schemeClr val="tx1">
+                    <a:tint val="82000"/>
+                  </a:schemeClr>
+                </a:solidFill>
+              </a:defRPr>
+            </a:lvl8pPr>
+            <a:lvl9pPr marL="12096811" indent="0">
+              <a:buNone/>
+              <a:defRPr sz="5291">
+                <a:solidFill>
+                  <a:schemeClr val="tx1">
+                    <a:tint val="82000"/>
+                  </a:schemeClr>
+                </a:solidFill>
+              </a:defRPr>
+            </a:lvl9pPr>
+          </a:lstStyle>
+          <a:p>
+            <a:pPr lvl="0"/>
+            <a:r>
+              <a:rPr lang="nl-NL"/>
+              <a:t>Klikken om de tekststijl van het model te bewerken</a:t>
+            </a:r>
+          </a:p>
+        </p:txBody>
+      </p:sp>
+      <p:sp>
+        <p:nvSpPr>
+          <p:cNvPr id="4" name="Date Placeholder 3"/>
+          <p:cNvSpPr>
+            <a:spLocks noGrp="1"/>
+          </p:cNvSpPr>
+          <p:nvPr>
+            <p:ph type="dt" sz="half" idx="10"/>
+          </p:nvPr>
+        </p:nvSpPr>
+        <p:spPr/>
+        <p:txBody>
+          <a:bodyPr/>
+          <a:lstStyle/>
+          <a:p>
+            <a:fld id="{C764DE79-268F-4C1A-8933-263129D2AF90}" type="datetimeFigureOut">
+              <a:rPr lang="en-US" smtClean="0"/>
+              <a:t>3/8/2025</a:t>
+            </a:fld>
+            <a:endParaRPr lang="en-US" dirty="0"/>
+          </a:p>
+        </p:txBody>
+      </p:sp>
+      <p:sp>
+        <p:nvSpPr>
+          <p:cNvPr id="5" name="Footer Placeholder 4"/>
+          <p:cNvSpPr>
+            <a:spLocks noGrp="1"/>
+          </p:cNvSpPr>
+          <p:nvPr>
+            <p:ph type="ftr" sz="quarter" idx="11"/>
+          </p:nvPr>
+        </p:nvSpPr>
+        <p:spPr/>
+        <p:txBody>
+          <a:bodyPr/>
+          <a:lstStyle/>
+          <a:p>
+            <a:endParaRPr lang="en-US" dirty="0"/>
+          </a:p>
+        </p:txBody>
+      </p:sp>
+      <p:sp>
+        <p:nvSpPr>
+          <p:cNvPr id="6" name="Slide Number Placeholder 5"/>
+          <p:cNvSpPr>
+            <a:spLocks noGrp="1"/>
+          </p:cNvSpPr>
+          <p:nvPr>
+            <p:ph type="sldNum" sz="quarter" idx="12"/>
+          </p:nvPr>
+        </p:nvSpPr>
+        <p:spPr/>
+        <p:txBody>
+          <a:bodyPr/>
+          <a:lstStyle/>
+          <a:p>
+            <a:fld id="{48F63A3B-78C7-47BE-AE5E-E10140E04643}" type="slidenum">
+              <a:rPr lang="en-US" smtClean="0"/>
+              <a:t>‹nr.›</a:t>
+            </a:fld>
+            <a:endParaRPr lang="en-US" dirty="0"/>
+          </a:p>
+        </p:txBody>
+      </p:sp>
+    </p:spTree>
+    <p:extLst>
+      <p:ext uri="{BB962C8B-B14F-4D97-AF65-F5344CB8AC3E}">
+        <p14:creationId xmlns:p14="http://schemas.microsoft.com/office/powerpoint/2010/main" val="4294432618"/>
+      </p:ext>
+    </p:extLst>
+  </p:cSld>
+  <p:clrMapOvr>
+    <a:masterClrMapping/>
+  </p:clrMapOvr>
+</p:sldLayout>
+</file>
+
+<file path=ppt/slideLayouts/slideLayout4.xml><?xml version="1.0" encoding="utf-8"?>
+<p:sldLayout xmlns:a="http://schemas.openxmlformats.org/drawingml/2006/main" xmlns:r="http://schemas.openxmlformats.org/officeDocument/2006/relationships" xmlns:p="http://schemas.openxmlformats.org/presentationml/2006/main" type="twoObj" preserve="1">
+  <p:cSld name="Inhoud van twee">
+    <p:spTree>
+      <p:nvGrpSpPr>
+        <p:cNvPr id="1" name=""/>
+        <p:cNvGrpSpPr/>
+        <p:nvPr/>
+      </p:nvGrpSpPr>
+      <p:grpSpPr>
+        <a:xfrm>
+          <a:off x="0" y="0"/>
+          <a:ext cx="0" cy="0"/>
+          <a:chOff x="0" y="0"/>
+          <a:chExt cx="0" cy="0"/>
+        </a:xfrm>
+      </p:grpSpPr>
+      <p:sp>
+        <p:nvSpPr>
+          <p:cNvPr id="2" name="Title 1"/>
+          <p:cNvSpPr>
+            <a:spLocks noGrp="1"/>
+          </p:cNvSpPr>
+          <p:nvPr>
+            <p:ph type="title"/>
+          </p:nvPr>
+        </p:nvSpPr>
+        <p:spPr/>
+        <p:txBody>
+          <a:bodyPr/>
+          <a:lstStyle/>
+          <a:p>
+            <a:r>
+              <a:rPr lang="nl-NL"/>
+              <a:t>Klik om stijl te bewerken</a:t>
+            </a:r>
+            <a:endParaRPr lang="en-US" dirty="0"/>
+          </a:p>
+        </p:txBody>
+      </p:sp>
+      <p:sp>
+        <p:nvSpPr>
+          <p:cNvPr id="3" name="Content Placeholder 2"/>
+          <p:cNvSpPr>
+            <a:spLocks noGrp="1"/>
+          </p:cNvSpPr>
+          <p:nvPr>
+            <p:ph sz="half" idx="1"/>
+          </p:nvPr>
+        </p:nvSpPr>
+        <p:spPr>
+          <a:xfrm>
+            <a:off x="2079021" y="11308310"/>
+            <a:ext cx="12852122" cy="26953115"/>
+          </a:xfrm>
+        </p:spPr>
+        <p:txBody>
+          <a:bodyPr/>
+          <a:lstStyle/>
+          <a:p>
+            <a:pPr lvl="0"/>
+            <a:r>
+              <a:rPr lang="nl-NL"/>
+              <a:t>Klikken om de tekststijl van het model te bewerken</a:t>
+            </a:r>
+          </a:p>
+          <a:p>
+            <a:pPr lvl="1"/>
+            <a:r>
+              <a:rPr lang="nl-NL"/>
+              <a:t>Tweede niveau</a:t>
+            </a:r>
+          </a:p>
+          <a:p>
+            <a:pPr lvl="2"/>
+            <a:r>
+              <a:rPr lang="nl-NL"/>
+              <a:t>Derde niveau</a:t>
+            </a:r>
+          </a:p>
+          <a:p>
+            <a:pPr lvl="3"/>
+            <a:r>
+              <a:rPr lang="nl-NL"/>
+              <a:t>Vierde niveau</a:t>
+            </a:r>
+          </a:p>
+          <a:p>
+            <a:pPr lvl="4"/>
+            <a:r>
+              <a:rPr lang="nl-NL"/>
+              <a:t>Vijfde niveau</a:t>
+            </a:r>
+            <a:endParaRPr lang="en-US" dirty="0"/>
+          </a:p>
+        </p:txBody>
+      </p:sp>
+      <p:sp>
+        <p:nvSpPr>
+          <p:cNvPr id="4" name="Content Placeholder 3"/>
+          <p:cNvSpPr>
+            <a:spLocks noGrp="1"/>
+          </p:cNvSpPr>
+          <p:nvPr>
+            <p:ph sz="half" idx="2"/>
+          </p:nvPr>
+        </p:nvSpPr>
+        <p:spPr>
+          <a:xfrm>
+            <a:off x="15309147" y="11308310"/>
+            <a:ext cx="12852122" cy="26953115"/>
+          </a:xfrm>
+        </p:spPr>
+        <p:txBody>
+          <a:bodyPr/>
+          <a:lstStyle/>
+          <a:p>
+            <a:pPr lvl="0"/>
+            <a:r>
+              <a:rPr lang="nl-NL"/>
+              <a:t>Klikken om de tekststijl van het model te bewerken</a:t>
+            </a:r>
+          </a:p>
+          <a:p>
+            <a:pPr lvl="1"/>
+            <a:r>
+              <a:rPr lang="nl-NL"/>
+              <a:t>Tweede niveau</a:t>
+            </a:r>
+          </a:p>
+          <a:p>
+            <a:pPr lvl="2"/>
+            <a:r>
+              <a:rPr lang="nl-NL"/>
+              <a:t>Derde niveau</a:t>
+            </a:r>
+          </a:p>
+          <a:p>
+            <a:pPr lvl="3"/>
+            <a:r>
+              <a:rPr lang="nl-NL"/>
+              <a:t>Vierde niveau</a:t>
+            </a:r>
+          </a:p>
+          <a:p>
+            <a:pPr lvl="4"/>
+            <a:r>
+              <a:rPr lang="nl-NL"/>
+              <a:t>Vijfde niveau</a:t>
+            </a:r>
+            <a:endParaRPr lang="en-US" dirty="0"/>
+          </a:p>
+        </p:txBody>
+      </p:sp>
+      <p:sp>
+        <p:nvSpPr>
+          <p:cNvPr id="5" name="Date Placeholder 4"/>
+          <p:cNvSpPr>
+            <a:spLocks noGrp="1"/>
+          </p:cNvSpPr>
+          <p:nvPr>
+            <p:ph type="dt" sz="half" idx="10"/>
+          </p:nvPr>
+        </p:nvSpPr>
+        <p:spPr/>
+        <p:txBody>
+          <a:bodyPr/>
+          <a:lstStyle/>
+          <a:p>
+            <a:fld id="{C764DE79-268F-4C1A-8933-263129D2AF90}" type="datetimeFigureOut">
+              <a:rPr lang="en-US" smtClean="0"/>
+              <a:t>3/8/2025</a:t>
+            </a:fld>
+            <a:endParaRPr lang="en-US" dirty="0"/>
+          </a:p>
+        </p:txBody>
+      </p:sp>
+      <p:sp>
+        <p:nvSpPr>
+          <p:cNvPr id="6" name="Footer Placeholder 5"/>
+          <p:cNvSpPr>
+            <a:spLocks noGrp="1"/>
+          </p:cNvSpPr>
+          <p:nvPr>
+            <p:ph type="ftr" sz="quarter" idx="11"/>
+          </p:nvPr>
+        </p:nvSpPr>
+        <p:spPr/>
+        <p:txBody>
+          <a:bodyPr/>
+          <a:lstStyle/>
+          <a:p>
+            <a:endParaRPr lang="en-US" dirty="0"/>
+          </a:p>
+        </p:txBody>
+      </p:sp>
+      <p:sp>
+        <p:nvSpPr>
+          <p:cNvPr id="7" name="Slide Number Placeholder 6"/>
+          <p:cNvSpPr>
+            <a:spLocks noGrp="1"/>
+          </p:cNvSpPr>
+          <p:nvPr>
+            <p:ph type="sldNum" sz="quarter" idx="12"/>
+          </p:nvPr>
+        </p:nvSpPr>
+        <p:spPr/>
+        <p:txBody>
+          <a:bodyPr/>
+          <a:lstStyle/>
+          <a:p>
+            <a:fld id="{48F63A3B-78C7-47BE-AE5E-E10140E04643}" type="slidenum">
+              <a:rPr lang="en-US" smtClean="0"/>
+              <a:t>‹nr.›</a:t>
+            </a:fld>
+            <a:endParaRPr lang="en-US" dirty="0"/>
+          </a:p>
+        </p:txBody>
+      </p:sp>
+    </p:spTree>
+    <p:extLst>
+      <p:ext uri="{BB962C8B-B14F-4D97-AF65-F5344CB8AC3E}">
+        <p14:creationId xmlns:p14="http://schemas.microsoft.com/office/powerpoint/2010/main" val="3106432027"/>
+      </p:ext>
+    </p:extLst>
+  </p:cSld>
+  <p:clrMapOvr>
+    <a:masterClrMapping/>
+  </p:clrMapOvr>
+</p:sldLayout>
+</file>
+
+<file path=ppt/slideLayouts/slideLayout5.xml><?xml version="1.0" encoding="utf-8"?>
+<p:sldLayout xmlns:a="http://schemas.openxmlformats.org/drawingml/2006/main" xmlns:r="http://schemas.openxmlformats.org/officeDocument/2006/relationships" xmlns:p="http://schemas.openxmlformats.org/presentationml/2006/main" type="twoTxTwoObj" preserve="1">
+  <p:cSld name="Vergelijking">
+    <p:spTree>
+      <p:nvGrpSpPr>
+        <p:cNvPr id="1" name=""/>
+        <p:cNvGrpSpPr/>
+        <p:nvPr/>
+      </p:nvGrpSpPr>
+      <p:grpSpPr>
+        <a:xfrm>
+          <a:off x="0" y="0"/>
+          <a:ext cx="0" cy="0"/>
+          <a:chOff x="0" y="0"/>
+          <a:chExt cx="0" cy="0"/>
+        </a:xfrm>
+      </p:grpSpPr>
+      <p:sp>
+        <p:nvSpPr>
+          <p:cNvPr id="2" name="Title 1"/>
+          <p:cNvSpPr>
+            <a:spLocks noGrp="1"/>
+          </p:cNvSpPr>
+          <p:nvPr>
+            <p:ph type="title"/>
+          </p:nvPr>
+        </p:nvSpPr>
+        <p:spPr>
+          <a:xfrm>
+            <a:off x="2082959" y="2261672"/>
+            <a:ext cx="26082248" cy="8210820"/>
+          </a:xfrm>
+        </p:spPr>
+        <p:txBody>
+          <a:bodyPr/>
+          <a:lstStyle/>
+          <a:p>
+            <a:r>
+              <a:rPr lang="nl-NL"/>
+              <a:t>Klik om stijl te bewerken</a:t>
+            </a:r>
+            <a:endParaRPr lang="en-US" dirty="0"/>
+          </a:p>
+        </p:txBody>
+      </p:sp>
+      <p:sp>
+        <p:nvSpPr>
+          <p:cNvPr id="3" name="Text Placeholder 2"/>
+          <p:cNvSpPr>
+            <a:spLocks noGrp="1"/>
+          </p:cNvSpPr>
+          <p:nvPr>
+            <p:ph type="body" idx="1"/>
+          </p:nvPr>
+        </p:nvSpPr>
+        <p:spPr>
+          <a:xfrm>
+            <a:off x="2082962" y="10413482"/>
+            <a:ext cx="12793057" cy="5103486"/>
+          </a:xfrm>
+        </p:spPr>
+        <p:txBody>
+          <a:bodyPr anchor="b"/>
+          <a:lstStyle>
+            <a:lvl1pPr marL="0" indent="0">
+              <a:buNone/>
+              <a:defRPr sz="7938" b="1"/>
+            </a:lvl1pPr>
+            <a:lvl2pPr marL="1512101" indent="0">
+              <a:buNone/>
+              <a:defRPr sz="6614" b="1"/>
+            </a:lvl2pPr>
+            <a:lvl3pPr marL="3024203" indent="0">
+              <a:buNone/>
+              <a:defRPr sz="5953" b="1"/>
+            </a:lvl3pPr>
+            <a:lvl4pPr marL="4536304" indent="0">
+              <a:buNone/>
+              <a:defRPr sz="5291" b="1"/>
+            </a:lvl4pPr>
+            <a:lvl5pPr marL="6048405" indent="0">
+              <a:buNone/>
+              <a:defRPr sz="5291" b="1"/>
+            </a:lvl5pPr>
+            <a:lvl6pPr marL="7560507" indent="0">
+              <a:buNone/>
+              <a:defRPr sz="5291" b="1"/>
+            </a:lvl6pPr>
+            <a:lvl7pPr marL="9072608" indent="0">
+              <a:buNone/>
+              <a:defRPr sz="5291" b="1"/>
+            </a:lvl7pPr>
+            <a:lvl8pPr marL="10584710" indent="0">
+              <a:buNone/>
+              <a:defRPr sz="5291" b="1"/>
+            </a:lvl8pPr>
+            <a:lvl9pPr marL="12096811" indent="0">
+              <a:buNone/>
+              <a:defRPr sz="5291" b="1"/>
+            </a:lvl9pPr>
+          </a:lstStyle>
+          <a:p>
+            <a:pPr lvl="0"/>
+            <a:r>
+              <a:rPr lang="nl-NL"/>
+              <a:t>Klikken om de tekststijl van het model te bewerken</a:t>
+            </a:r>
+          </a:p>
+        </p:txBody>
+      </p:sp>
+      <p:sp>
+        <p:nvSpPr>
+          <p:cNvPr id="4" name="Content Placeholder 3"/>
+          <p:cNvSpPr>
+            <a:spLocks noGrp="1"/>
+          </p:cNvSpPr>
+          <p:nvPr>
+            <p:ph sz="half" idx="2"/>
+          </p:nvPr>
+        </p:nvSpPr>
+        <p:spPr>
+          <a:xfrm>
+            <a:off x="2082962" y="15516968"/>
+            <a:ext cx="12793057" cy="22823124"/>
+          </a:xfrm>
+        </p:spPr>
+        <p:txBody>
+          <a:bodyPr/>
+          <a:lstStyle/>
+          <a:p>
+            <a:pPr lvl="0"/>
+            <a:r>
+              <a:rPr lang="nl-NL"/>
+              <a:t>Klikken om de tekststijl van het model te bewerken</a:t>
+            </a:r>
+          </a:p>
+          <a:p>
+            <a:pPr lvl="1"/>
+            <a:r>
+              <a:rPr lang="nl-NL"/>
+              <a:t>Tweede niveau</a:t>
+            </a:r>
+          </a:p>
+          <a:p>
+            <a:pPr lvl="2"/>
+            <a:r>
+              <a:rPr lang="nl-NL"/>
+              <a:t>Derde niveau</a:t>
+            </a:r>
+          </a:p>
+          <a:p>
+            <a:pPr lvl="3"/>
+            <a:r>
+              <a:rPr lang="nl-NL"/>
+              <a:t>Vierde niveau</a:t>
+            </a:r>
+          </a:p>
+          <a:p>
+            <a:pPr lvl="4"/>
+            <a:r>
+              <a:rPr lang="nl-NL"/>
+              <a:t>Vijfde niveau</a:t>
+            </a:r>
+            <a:endParaRPr lang="en-US" dirty="0"/>
+          </a:p>
+        </p:txBody>
+      </p:sp>
+      <p:sp>
+        <p:nvSpPr>
+          <p:cNvPr id="5" name="Text Placeholder 4"/>
+          <p:cNvSpPr>
+            <a:spLocks noGrp="1"/>
+          </p:cNvSpPr>
+          <p:nvPr>
+            <p:ph type="body" sz="quarter" idx="3"/>
+          </p:nvPr>
+        </p:nvSpPr>
+        <p:spPr>
+          <a:xfrm>
+            <a:off x="15309149" y="10413482"/>
+            <a:ext cx="12856061" cy="5103486"/>
+          </a:xfrm>
+        </p:spPr>
+        <p:txBody>
+          <a:bodyPr anchor="b"/>
+          <a:lstStyle>
+            <a:lvl1pPr marL="0" indent="0">
+              <a:buNone/>
+              <a:defRPr sz="7938" b="1"/>
+            </a:lvl1pPr>
+            <a:lvl2pPr marL="1512101" indent="0">
+              <a:buNone/>
+              <a:defRPr sz="6614" b="1"/>
+            </a:lvl2pPr>
+            <a:lvl3pPr marL="3024203" indent="0">
+              <a:buNone/>
+              <a:defRPr sz="5953" b="1"/>
+            </a:lvl3pPr>
+            <a:lvl4pPr marL="4536304" indent="0">
+              <a:buNone/>
+              <a:defRPr sz="5291" b="1"/>
+            </a:lvl4pPr>
+            <a:lvl5pPr marL="6048405" indent="0">
+              <a:buNone/>
+              <a:defRPr sz="5291" b="1"/>
+            </a:lvl5pPr>
+            <a:lvl6pPr marL="7560507" indent="0">
+              <a:buNone/>
+              <a:defRPr sz="5291" b="1"/>
+            </a:lvl6pPr>
+            <a:lvl7pPr marL="9072608" indent="0">
+              <a:buNone/>
+              <a:defRPr sz="5291" b="1"/>
+            </a:lvl7pPr>
+            <a:lvl8pPr marL="10584710" indent="0">
+              <a:buNone/>
+              <a:defRPr sz="5291" b="1"/>
+            </a:lvl8pPr>
+            <a:lvl9pPr marL="12096811" indent="0">
+              <a:buNone/>
+              <a:defRPr sz="5291" b="1"/>
+            </a:lvl9pPr>
+          </a:lstStyle>
+          <a:p>
+            <a:pPr lvl="0"/>
+            <a:r>
+              <a:rPr lang="nl-NL"/>
+              <a:t>Klikken om de tekststijl van het model te bewerken</a:t>
+            </a:r>
+          </a:p>
+        </p:txBody>
+      </p:sp>
+      <p:sp>
+        <p:nvSpPr>
+          <p:cNvPr id="6" name="Content Placeholder 5"/>
+          <p:cNvSpPr>
+            <a:spLocks noGrp="1"/>
+          </p:cNvSpPr>
+          <p:nvPr>
+            <p:ph sz="quarter" idx="4"/>
+          </p:nvPr>
+        </p:nvSpPr>
+        <p:spPr>
+          <a:xfrm>
+            <a:off x="15309149" y="15516968"/>
+            <a:ext cx="12856061" cy="22823124"/>
+          </a:xfrm>
+        </p:spPr>
+        <p:txBody>
+          <a:bodyPr/>
+          <a:lstStyle/>
+          <a:p>
+            <a:pPr lvl="0"/>
+            <a:r>
+              <a:rPr lang="nl-NL"/>
+              <a:t>Klikken om de tekststijl van het model te bewerken</a:t>
+            </a:r>
+          </a:p>
+          <a:p>
+            <a:pPr lvl="1"/>
+            <a:r>
+              <a:rPr lang="nl-NL"/>
+              <a:t>Tweede niveau</a:t>
+            </a:r>
+          </a:p>
+          <a:p>
+            <a:pPr lvl="2"/>
+            <a:r>
+              <a:rPr lang="nl-NL"/>
+              <a:t>Derde niveau</a:t>
+            </a:r>
+          </a:p>
+          <a:p>
+            <a:pPr lvl="3"/>
+            <a:r>
+              <a:rPr lang="nl-NL"/>
+              <a:t>Vierde niveau</a:t>
+            </a:r>
+          </a:p>
+          <a:p>
+            <a:pPr lvl="4"/>
+            <a:r>
+              <a:rPr lang="nl-NL"/>
+              <a:t>Vijfde niveau</a:t>
+            </a:r>
+            <a:endParaRPr lang="en-US" dirty="0"/>
+          </a:p>
+        </p:txBody>
+      </p:sp>
+      <p:sp>
+        <p:nvSpPr>
+          <p:cNvPr id="7" name="Date Placeholder 6"/>
+          <p:cNvSpPr>
+            <a:spLocks noGrp="1"/>
+          </p:cNvSpPr>
+          <p:nvPr>
+            <p:ph type="dt" sz="half" idx="10"/>
+          </p:nvPr>
+        </p:nvSpPr>
+        <p:spPr/>
+        <p:txBody>
+          <a:bodyPr/>
+          <a:lstStyle/>
+          <a:p>
+            <a:fld id="{C764DE79-268F-4C1A-8933-263129D2AF90}" type="datetimeFigureOut">
+              <a:rPr lang="en-US" smtClean="0"/>
+              <a:t>3/8/2025</a:t>
+            </a:fld>
+            <a:endParaRPr lang="en-US" dirty="0"/>
+          </a:p>
+        </p:txBody>
+      </p:sp>
+      <p:sp>
+        <p:nvSpPr>
+          <p:cNvPr id="8" name="Footer Placeholder 7"/>
+          <p:cNvSpPr>
+            <a:spLocks noGrp="1"/>
+          </p:cNvSpPr>
+          <p:nvPr>
+            <p:ph type="ftr" sz="quarter" idx="11"/>
+          </p:nvPr>
+        </p:nvSpPr>
+        <p:spPr/>
+        <p:txBody>
+          <a:bodyPr/>
+          <a:lstStyle/>
+          <a:p>
+            <a:endParaRPr lang="en-US" dirty="0"/>
+          </a:p>
+        </p:txBody>
+      </p:sp>
+      <p:sp>
+        <p:nvSpPr>
+          <p:cNvPr id="9" name="Slide Number Placeholder 8"/>
+          <p:cNvSpPr>
+            <a:spLocks noGrp="1"/>
+          </p:cNvSpPr>
+          <p:nvPr>
+            <p:ph type="sldNum" sz="quarter" idx="12"/>
+          </p:nvPr>
+        </p:nvSpPr>
+        <p:spPr/>
+        <p:txBody>
+          <a:bodyPr/>
+          <a:lstStyle/>
+          <a:p>
+            <a:fld id="{48F63A3B-78C7-47BE-AE5E-E10140E04643}" type="slidenum">
+              <a:rPr lang="en-US" smtClean="0"/>
+              <a:t>‹nr.›</a:t>
+            </a:fld>
+            <a:endParaRPr lang="en-US" dirty="0"/>
+          </a:p>
+        </p:txBody>
+      </p:sp>
+    </p:spTree>
+    <p:extLst>
+      <p:ext uri="{BB962C8B-B14F-4D97-AF65-F5344CB8AC3E}">
+        <p14:creationId xmlns:p14="http://schemas.microsoft.com/office/powerpoint/2010/main" val="2361518880"/>
+      </p:ext>
+    </p:extLst>
+  </p:cSld>
+  <p:clrMapOvr>
+    <a:masterClrMapping/>
+  </p:clrMapOvr>
+</p:sldLayout>
+</file>
+
+<file path=ppt/slideLayouts/slideLayout6.xml><?xml version="1.0" encoding="utf-8"?>
+<p:sldLayout xmlns:a="http://schemas.openxmlformats.org/drawingml/2006/main" xmlns:r="http://schemas.openxmlformats.org/officeDocument/2006/relationships" xmlns:p="http://schemas.openxmlformats.org/presentationml/2006/main" type="titleOnly" preserve="1">
+  <p:cSld name="Alleen titel">
+    <p:spTree>
+      <p:nvGrpSpPr>
+        <p:cNvPr id="1" name=""/>
+        <p:cNvGrpSpPr/>
+        <p:nvPr/>
+      </p:nvGrpSpPr>
+      <p:grpSpPr>
+        <a:xfrm>
+          <a:off x="0" y="0"/>
+          <a:ext cx="0" cy="0"/>
+          <a:chOff x="0" y="0"/>
+          <a:chExt cx="0" cy="0"/>
+        </a:xfrm>
+      </p:grpSpPr>
+      <p:sp>
+        <p:nvSpPr>
+          <p:cNvPr id="2" name="Title 1"/>
+          <p:cNvSpPr>
+            <a:spLocks noGrp="1"/>
+          </p:cNvSpPr>
+          <p:nvPr>
+            <p:ph type="title"/>
+          </p:nvPr>
+        </p:nvSpPr>
+        <p:spPr/>
+        <p:txBody>
+          <a:bodyPr/>
+          <a:lstStyle/>
+          <a:p>
+            <a:r>
+              <a:rPr lang="nl-NL"/>
+              <a:t>Klik om stijl te bewerken</a:t>
+            </a:r>
+            <a:endParaRPr lang="en-US" dirty="0"/>
+          </a:p>
+        </p:txBody>
+      </p:sp>
+      <p:sp>
+        <p:nvSpPr>
+          <p:cNvPr id="3" name="Date Placeholder 2"/>
+          <p:cNvSpPr>
+            <a:spLocks noGrp="1"/>
+          </p:cNvSpPr>
+          <p:nvPr>
+            <p:ph type="dt" sz="half" idx="10"/>
+          </p:nvPr>
+        </p:nvSpPr>
+        <p:spPr/>
+        <p:txBody>
+          <a:bodyPr/>
+          <a:lstStyle/>
+          <a:p>
+            <a:fld id="{C764DE79-268F-4C1A-8933-263129D2AF90}" type="datetimeFigureOut">
+              <a:rPr lang="en-US" smtClean="0"/>
+              <a:t>3/8/2025</a:t>
+            </a:fld>
+            <a:endParaRPr lang="en-US" dirty="0"/>
+          </a:p>
+        </p:txBody>
+      </p:sp>
+      <p:sp>
+        <p:nvSpPr>
+          <p:cNvPr id="4" name="Footer Placeholder 3"/>
+          <p:cNvSpPr>
+            <a:spLocks noGrp="1"/>
+          </p:cNvSpPr>
+          <p:nvPr>
+            <p:ph type="ftr" sz="quarter" idx="11"/>
+          </p:nvPr>
+        </p:nvSpPr>
+        <p:spPr/>
+        <p:txBody>
+          <a:bodyPr/>
+          <a:lstStyle/>
+          <a:p>
+            <a:endParaRPr lang="en-US" dirty="0"/>
+          </a:p>
+        </p:txBody>
+      </p:sp>
+      <p:sp>
+        <p:nvSpPr>
+          <p:cNvPr id="5" name="Slide Number Placeholder 4"/>
+          <p:cNvSpPr>
+            <a:spLocks noGrp="1"/>
+          </p:cNvSpPr>
+          <p:nvPr>
+            <p:ph type="sldNum" sz="quarter" idx="12"/>
+          </p:nvPr>
+        </p:nvSpPr>
+        <p:spPr/>
+        <p:txBody>
+          <a:bodyPr/>
+          <a:lstStyle/>
+          <a:p>
+            <a:fld id="{48F63A3B-78C7-47BE-AE5E-E10140E04643}" type="slidenum">
+              <a:rPr lang="en-US" smtClean="0"/>
+              <a:t>‹nr.›</a:t>
+            </a:fld>
+            <a:endParaRPr lang="en-US" dirty="0"/>
+          </a:p>
+        </p:txBody>
+      </p:sp>
+    </p:spTree>
+    <p:extLst>
+      <p:ext uri="{BB962C8B-B14F-4D97-AF65-F5344CB8AC3E}">
+        <p14:creationId xmlns:p14="http://schemas.microsoft.com/office/powerpoint/2010/main" val="2298406225"/>
+      </p:ext>
+    </p:extLst>
+  </p:cSld>
+  <p:clrMapOvr>
+    <a:masterClrMapping/>
+  </p:clrMapOvr>
+</p:sldLayout>
+</file>
+
+<file path=ppt/slideLayouts/slideLayout7.xml><?xml version="1.0" encoding="utf-8"?>
+<p:sldLayout xmlns:a="http://schemas.openxmlformats.org/drawingml/2006/main" xmlns:r="http://schemas.openxmlformats.org/officeDocument/2006/relationships" xmlns:p="http://schemas.openxmlformats.org/presentationml/2006/main" type="blank" preserve="1">
+  <p:cSld name="Leeg">
+    <p:spTree>
+      <p:nvGrpSpPr>
+        <p:cNvPr id="1" name=""/>
+        <p:cNvGrpSpPr/>
+        <p:nvPr/>
+      </p:nvGrpSpPr>
+      <p:grpSpPr>
+        <a:xfrm>
+          <a:off x="0" y="0"/>
+          <a:ext cx="0" cy="0"/>
+          <a:chOff x="0" y="0"/>
+          <a:chExt cx="0" cy="0"/>
+        </a:xfrm>
+      </p:grpSpPr>
+      <p:sp>
+        <p:nvSpPr>
+          <p:cNvPr id="2" name="Date Placeholder 1"/>
+          <p:cNvSpPr>
+            <a:spLocks noGrp="1"/>
+          </p:cNvSpPr>
+          <p:nvPr>
+            <p:ph type="dt" sz="half" idx="10"/>
+          </p:nvPr>
+        </p:nvSpPr>
+        <p:spPr/>
+        <p:txBody>
+          <a:bodyPr/>
+          <a:lstStyle/>
+          <a:p>
+            <a:fld id="{C764DE79-268F-4C1A-8933-263129D2AF90}" type="datetimeFigureOut">
+              <a:rPr lang="en-US" smtClean="0"/>
+              <a:t>3/8/2025</a:t>
+            </a:fld>
+            <a:endParaRPr lang="en-US" dirty="0"/>
+          </a:p>
+        </p:txBody>
+      </p:sp>
+      <p:sp>
+        <p:nvSpPr>
+          <p:cNvPr id="3" name="Footer Placeholder 2"/>
+          <p:cNvSpPr>
+            <a:spLocks noGrp="1"/>
+          </p:cNvSpPr>
+          <p:nvPr>
+            <p:ph type="ftr" sz="quarter" idx="11"/>
+          </p:nvPr>
+        </p:nvSpPr>
+        <p:spPr/>
+        <p:txBody>
+          <a:bodyPr/>
+          <a:lstStyle/>
+          <a:p>
+            <a:endParaRPr lang="en-US" dirty="0"/>
+          </a:p>
+        </p:txBody>
+      </p:sp>
+      <p:sp>
+        <p:nvSpPr>
+          <p:cNvPr id="4" name="Slide Number Placeholder 3"/>
+          <p:cNvSpPr>
+            <a:spLocks noGrp="1"/>
+          </p:cNvSpPr>
+          <p:nvPr>
+            <p:ph type="sldNum" sz="quarter" idx="12"/>
+          </p:nvPr>
+        </p:nvSpPr>
+        <p:spPr/>
+        <p:txBody>
+          <a:bodyPr/>
+          <a:lstStyle/>
+          <a:p>
+            <a:fld id="{48F63A3B-78C7-47BE-AE5E-E10140E04643}" type="slidenum">
+              <a:rPr lang="en-US" smtClean="0"/>
+              <a:t>‹nr.›</a:t>
+            </a:fld>
+            <a:endParaRPr lang="en-US" dirty="0"/>
+          </a:p>
+        </p:txBody>
+      </p:sp>
+    </p:spTree>
+    <p:extLst>
+      <p:ext uri="{BB962C8B-B14F-4D97-AF65-F5344CB8AC3E}">
+        <p14:creationId xmlns:p14="http://schemas.microsoft.com/office/powerpoint/2010/main" val="2175800876"/>
+      </p:ext>
+    </p:extLst>
+  </p:cSld>
+  <p:clrMapOvr>
+    <a:masterClrMapping/>
+  </p:clrMapOvr>
+</p:sldLayout>
+</file>
+
+<file path=ppt/slideLayouts/slideLayout8.xml><?xml version="1.0" encoding="utf-8"?>
+<p:sldLayout xmlns:a="http://schemas.openxmlformats.org/drawingml/2006/main" xmlns:r="http://schemas.openxmlformats.org/officeDocument/2006/relationships" xmlns:p="http://schemas.openxmlformats.org/presentationml/2006/main" type="objTx" preserve="1">
+  <p:cSld name="Inhoud met bijschrift">
+    <p:spTree>
+      <p:nvGrpSpPr>
+        <p:cNvPr id="1" name=""/>
+        <p:cNvGrpSpPr/>
+        <p:nvPr/>
+      </p:nvGrpSpPr>
+      <p:grpSpPr>
+        <a:xfrm>
+          <a:off x="0" y="0"/>
+          <a:ext cx="0" cy="0"/>
+          <a:chOff x="0" y="0"/>
+          <a:chExt cx="0" cy="0"/>
+        </a:xfrm>
+      </p:grpSpPr>
+      <p:sp>
+        <p:nvSpPr>
+          <p:cNvPr id="2" name="Title 1"/>
+          <p:cNvSpPr>
+            <a:spLocks noGrp="1"/>
+          </p:cNvSpPr>
+          <p:nvPr>
+            <p:ph type="title"/>
+          </p:nvPr>
+        </p:nvSpPr>
+        <p:spPr>
+          <a:xfrm>
+            <a:off x="2082959" y="2831994"/>
+            <a:ext cx="9753280" cy="9911980"/>
+          </a:xfrm>
+        </p:spPr>
+        <p:txBody>
+          <a:bodyPr anchor="b"/>
+          <a:lstStyle>
+            <a:lvl1pPr>
+              <a:defRPr sz="10584"/>
+            </a:lvl1pPr>
+          </a:lstStyle>
+          <a:p>
+            <a:r>
+              <a:rPr lang="nl-NL"/>
+              <a:t>Klik om stijl te bewerken</a:t>
+            </a:r>
+            <a:endParaRPr lang="en-US" dirty="0"/>
+          </a:p>
+        </p:txBody>
+      </p:sp>
+      <p:sp>
+        <p:nvSpPr>
+          <p:cNvPr id="3" name="Content Placeholder 2"/>
+          <p:cNvSpPr>
+            <a:spLocks noGrp="1"/>
+          </p:cNvSpPr>
+          <p:nvPr>
+            <p:ph idx="1"/>
+          </p:nvPr>
+        </p:nvSpPr>
+        <p:spPr>
+          <a:xfrm>
+            <a:off x="12856061" y="6116330"/>
+            <a:ext cx="15309146" cy="30188272"/>
+          </a:xfrm>
+        </p:spPr>
+        <p:txBody>
+          <a:bodyPr/>
+          <a:lstStyle>
+            <a:lvl1pPr>
+              <a:defRPr sz="10584"/>
+            </a:lvl1pPr>
+            <a:lvl2pPr>
+              <a:defRPr sz="9261"/>
+            </a:lvl2pPr>
+            <a:lvl3pPr>
+              <a:defRPr sz="7938"/>
+            </a:lvl3pPr>
+            <a:lvl4pPr>
+              <a:defRPr sz="6614"/>
+            </a:lvl4pPr>
+            <a:lvl5pPr>
+              <a:defRPr sz="6614"/>
+            </a:lvl5pPr>
+            <a:lvl6pPr>
+              <a:defRPr sz="6614"/>
+            </a:lvl6pPr>
+            <a:lvl7pPr>
+              <a:defRPr sz="6614"/>
+            </a:lvl7pPr>
+            <a:lvl8pPr>
+              <a:defRPr sz="6614"/>
+            </a:lvl8pPr>
+            <a:lvl9pPr>
+              <a:defRPr sz="6614"/>
+            </a:lvl9pPr>
+          </a:lstStyle>
+          <a:p>
+            <a:pPr lvl="0"/>
+            <a:r>
+              <a:rPr lang="nl-NL"/>
+              <a:t>Klikken om de tekststijl van het model te bewerken</a:t>
+            </a:r>
+          </a:p>
+          <a:p>
+            <a:pPr lvl="1"/>
+            <a:r>
+              <a:rPr lang="nl-NL"/>
+              <a:t>Tweede niveau</a:t>
+            </a:r>
+          </a:p>
+          <a:p>
+            <a:pPr lvl="2"/>
+            <a:r>
+              <a:rPr lang="nl-NL"/>
+              <a:t>Derde niveau</a:t>
+            </a:r>
+          </a:p>
+          <a:p>
+            <a:pPr lvl="3"/>
+            <a:r>
+              <a:rPr lang="nl-NL"/>
+              <a:t>Vierde niveau</a:t>
+            </a:r>
+          </a:p>
+          <a:p>
+            <a:pPr lvl="4"/>
+            <a:r>
+              <a:rPr lang="nl-NL"/>
+              <a:t>Vijfde niveau</a:t>
+            </a:r>
+            <a:endParaRPr lang="en-US" dirty="0"/>
+          </a:p>
+        </p:txBody>
+      </p:sp>
+      <p:sp>
+        <p:nvSpPr>
+          <p:cNvPr id="4" name="Text Placeholder 3"/>
+          <p:cNvSpPr>
+            <a:spLocks noGrp="1"/>
+          </p:cNvSpPr>
+          <p:nvPr>
+            <p:ph type="body" sz="half" idx="2"/>
+          </p:nvPr>
+        </p:nvSpPr>
+        <p:spPr>
+          <a:xfrm>
+            <a:off x="2082959" y="12743974"/>
+            <a:ext cx="9753280" cy="23609789"/>
+          </a:xfrm>
+        </p:spPr>
+        <p:txBody>
+          <a:bodyPr/>
+          <a:lstStyle>
+            <a:lvl1pPr marL="0" indent="0">
+              <a:buNone/>
+              <a:defRPr sz="5291"/>
+            </a:lvl1pPr>
+            <a:lvl2pPr marL="1512101" indent="0">
+              <a:buNone/>
+              <a:defRPr sz="4630"/>
+            </a:lvl2pPr>
+            <a:lvl3pPr marL="3024203" indent="0">
+              <a:buNone/>
+              <a:defRPr sz="3969"/>
+            </a:lvl3pPr>
+            <a:lvl4pPr marL="4536304" indent="0">
+              <a:buNone/>
+              <a:defRPr sz="3307"/>
+            </a:lvl4pPr>
+            <a:lvl5pPr marL="6048405" indent="0">
+              <a:buNone/>
+              <a:defRPr sz="3307"/>
+            </a:lvl5pPr>
+            <a:lvl6pPr marL="7560507" indent="0">
+              <a:buNone/>
+              <a:defRPr sz="3307"/>
+            </a:lvl6pPr>
+            <a:lvl7pPr marL="9072608" indent="0">
+              <a:buNone/>
+              <a:defRPr sz="3307"/>
+            </a:lvl7pPr>
+            <a:lvl8pPr marL="10584710" indent="0">
+              <a:buNone/>
+              <a:defRPr sz="3307"/>
+            </a:lvl8pPr>
+            <a:lvl9pPr marL="12096811" indent="0">
+              <a:buNone/>
+              <a:defRPr sz="3307"/>
+            </a:lvl9pPr>
+          </a:lstStyle>
+          <a:p>
+            <a:pPr lvl="0"/>
+            <a:r>
+              <a:rPr lang="nl-NL"/>
+              <a:t>Klikken om de tekststijl van het model te bewerken</a:t>
+            </a:r>
+          </a:p>
+        </p:txBody>
+      </p:sp>
+      <p:sp>
+        <p:nvSpPr>
+          <p:cNvPr id="5" name="Date Placeholder 4"/>
+          <p:cNvSpPr>
+            <a:spLocks noGrp="1"/>
+          </p:cNvSpPr>
+          <p:nvPr>
+            <p:ph type="dt" sz="half" idx="10"/>
+          </p:nvPr>
+        </p:nvSpPr>
+        <p:spPr/>
+        <p:txBody>
+          <a:bodyPr/>
+          <a:lstStyle/>
+          <a:p>
+            <a:fld id="{C764DE79-268F-4C1A-8933-263129D2AF90}" type="datetimeFigureOut">
+              <a:rPr lang="en-US" smtClean="0"/>
+              <a:t>3/8/2025</a:t>
+            </a:fld>
+            <a:endParaRPr lang="en-US" dirty="0"/>
+          </a:p>
+        </p:txBody>
+      </p:sp>
+      <p:sp>
+        <p:nvSpPr>
+          <p:cNvPr id="6" name="Footer Placeholder 5"/>
+          <p:cNvSpPr>
+            <a:spLocks noGrp="1"/>
+          </p:cNvSpPr>
+          <p:nvPr>
+            <p:ph type="ftr" sz="quarter" idx="11"/>
+          </p:nvPr>
+        </p:nvSpPr>
+        <p:spPr/>
+        <p:txBody>
+          <a:bodyPr/>
+          <a:lstStyle/>
+          <a:p>
+            <a:endParaRPr lang="en-US" dirty="0"/>
+          </a:p>
+        </p:txBody>
+      </p:sp>
+      <p:sp>
+        <p:nvSpPr>
+          <p:cNvPr id="7" name="Slide Number Placeholder 6"/>
+          <p:cNvSpPr>
+            <a:spLocks noGrp="1"/>
+          </p:cNvSpPr>
+          <p:nvPr>
+            <p:ph type="sldNum" sz="quarter" idx="12"/>
+          </p:nvPr>
+        </p:nvSpPr>
+        <p:spPr/>
+        <p:txBody>
+          <a:bodyPr/>
+          <a:lstStyle/>
+          <a:p>
+            <a:fld id="{48F63A3B-78C7-47BE-AE5E-E10140E04643}" type="slidenum">
+              <a:rPr lang="en-US" smtClean="0"/>
+              <a:t>‹nr.›</a:t>
+            </a:fld>
+            <a:endParaRPr lang="en-US" dirty="0"/>
+          </a:p>
+        </p:txBody>
+      </p:sp>
+    </p:spTree>
+    <p:extLst>
+      <p:ext uri="{BB962C8B-B14F-4D97-AF65-F5344CB8AC3E}">
+        <p14:creationId xmlns:p14="http://schemas.microsoft.com/office/powerpoint/2010/main" val="61676614"/>
+      </p:ext>
+    </p:extLst>
+  </p:cSld>
+  <p:clrMapOvr>
+    <a:masterClrMapping/>
+  </p:clrMapOvr>
+</p:sldLayout>
+</file>
+
+<file path=ppt/slideLayouts/slideLayout9.xml><?xml version="1.0" encoding="utf-8"?>
+<p:sldLayout xmlns:a="http://schemas.openxmlformats.org/drawingml/2006/main" xmlns:r="http://schemas.openxmlformats.org/officeDocument/2006/relationships" xmlns:p="http://schemas.openxmlformats.org/presentationml/2006/main" type="picTx" preserve="1">
+  <p:cSld name="Afbeelding met bijschrift">
+    <p:spTree>
+      <p:nvGrpSpPr>
+        <p:cNvPr id="1" name=""/>
+        <p:cNvGrpSpPr/>
+        <p:nvPr/>
+      </p:nvGrpSpPr>
+      <p:grpSpPr>
+        <a:xfrm>
+          <a:off x="0" y="0"/>
+          <a:ext cx="0" cy="0"/>
+          <a:chOff x="0" y="0"/>
+          <a:chExt cx="0" cy="0"/>
+        </a:xfrm>
+      </p:grpSpPr>
+      <p:sp>
+        <p:nvSpPr>
+          <p:cNvPr id="2" name="Title 1"/>
+          <p:cNvSpPr>
+            <a:spLocks noGrp="1"/>
+          </p:cNvSpPr>
+          <p:nvPr>
+            <p:ph type="title"/>
+          </p:nvPr>
+        </p:nvSpPr>
+        <p:spPr>
+          <a:xfrm>
+            <a:off x="2082959" y="2831994"/>
+            <a:ext cx="9753280" cy="9911980"/>
+          </a:xfrm>
+        </p:spPr>
+        <p:txBody>
+          <a:bodyPr anchor="b"/>
+          <a:lstStyle>
+            <a:lvl1pPr>
+              <a:defRPr sz="10584"/>
+            </a:lvl1pPr>
+          </a:lstStyle>
+          <a:p>
+            <a:r>
+              <a:rPr lang="nl-NL"/>
+              <a:t>Klik om stijl te bewerken</a:t>
+            </a:r>
+            <a:endParaRPr lang="en-US" dirty="0"/>
+          </a:p>
+        </p:txBody>
+      </p:sp>
+      <p:sp>
+        <p:nvSpPr>
+          <p:cNvPr id="3" name="Picture Placeholder 2"/>
+          <p:cNvSpPr>
+            <a:spLocks noGrp="1" noChangeAspect="1"/>
+          </p:cNvSpPr>
+          <p:nvPr>
+            <p:ph type="pic" idx="1"/>
+          </p:nvPr>
+        </p:nvSpPr>
+        <p:spPr>
+          <a:xfrm>
+            <a:off x="12856061" y="6116330"/>
+            <a:ext cx="15309146" cy="30188272"/>
+          </a:xfrm>
+        </p:spPr>
+        <p:txBody>
+          <a:bodyPr anchor="t"/>
+          <a:lstStyle>
+            <a:lvl1pPr marL="0" indent="0">
+              <a:buNone/>
+              <a:defRPr sz="10584"/>
+            </a:lvl1pPr>
+            <a:lvl2pPr marL="1512101" indent="0">
+              <a:buNone/>
+              <a:defRPr sz="9261"/>
+            </a:lvl2pPr>
+            <a:lvl3pPr marL="3024203" indent="0">
+              <a:buNone/>
+              <a:defRPr sz="7938"/>
+            </a:lvl3pPr>
+            <a:lvl4pPr marL="4536304" indent="0">
+              <a:buNone/>
+              <a:defRPr sz="6614"/>
+            </a:lvl4pPr>
+            <a:lvl5pPr marL="6048405" indent="0">
+              <a:buNone/>
+              <a:defRPr sz="6614"/>
+            </a:lvl5pPr>
+            <a:lvl6pPr marL="7560507" indent="0">
+              <a:buNone/>
+              <a:defRPr sz="6614"/>
+            </a:lvl6pPr>
+            <a:lvl7pPr marL="9072608" indent="0">
+              <a:buNone/>
+              <a:defRPr sz="6614"/>
+            </a:lvl7pPr>
+            <a:lvl8pPr marL="10584710" indent="0">
+              <a:buNone/>
+              <a:defRPr sz="6614"/>
+            </a:lvl8pPr>
+            <a:lvl9pPr marL="12096811" indent="0">
+              <a:buNone/>
+              <a:defRPr sz="6614"/>
+            </a:lvl9pPr>
+          </a:lstStyle>
+          <a:p>
+            <a:r>
+              <a:rPr lang="nl-NL"/>
+              <a:t>Klik op het pictogram als u een afbeelding wilt toevoegen</a:t>
+            </a:r>
+            <a:endParaRPr lang="en-US" dirty="0"/>
+          </a:p>
+        </p:txBody>
+      </p:sp>
+      <p:sp>
+        <p:nvSpPr>
+          <p:cNvPr id="4" name="Text Placeholder 3"/>
+          <p:cNvSpPr>
+            <a:spLocks noGrp="1"/>
+          </p:cNvSpPr>
+          <p:nvPr>
+            <p:ph type="body" sz="half" idx="2"/>
+          </p:nvPr>
+        </p:nvSpPr>
+        <p:spPr>
+          <a:xfrm>
+            <a:off x="2082959" y="12743974"/>
+            <a:ext cx="9753280" cy="23609789"/>
+          </a:xfrm>
+        </p:spPr>
+        <p:txBody>
+          <a:bodyPr/>
+          <a:lstStyle>
+            <a:lvl1pPr marL="0" indent="0">
+              <a:buNone/>
+              <a:defRPr sz="5291"/>
+            </a:lvl1pPr>
+            <a:lvl2pPr marL="1512101" indent="0">
+              <a:buNone/>
+              <a:defRPr sz="4630"/>
+            </a:lvl2pPr>
+            <a:lvl3pPr marL="3024203" indent="0">
+              <a:buNone/>
+              <a:defRPr sz="3969"/>
+            </a:lvl3pPr>
+            <a:lvl4pPr marL="4536304" indent="0">
+              <a:buNone/>
+              <a:defRPr sz="3307"/>
+            </a:lvl4pPr>
+            <a:lvl5pPr marL="6048405" indent="0">
+              <a:buNone/>
+              <a:defRPr sz="3307"/>
+            </a:lvl5pPr>
+            <a:lvl6pPr marL="7560507" indent="0">
+              <a:buNone/>
+              <a:defRPr sz="3307"/>
+            </a:lvl6pPr>
+            <a:lvl7pPr marL="9072608" indent="0">
+              <a:buNone/>
+              <a:defRPr sz="3307"/>
+            </a:lvl7pPr>
+            <a:lvl8pPr marL="10584710" indent="0">
+              <a:buNone/>
+              <a:defRPr sz="3307"/>
+            </a:lvl8pPr>
+            <a:lvl9pPr marL="12096811" indent="0">
+              <a:buNone/>
+              <a:defRPr sz="3307"/>
+            </a:lvl9pPr>
+          </a:lstStyle>
+          <a:p>
+            <a:pPr lvl="0"/>
+            <a:r>
+              <a:rPr lang="nl-NL"/>
+              <a:t>Klikken om de tekststijl van het model te bewerken</a:t>
+            </a:r>
+          </a:p>
+        </p:txBody>
+      </p:sp>
+      <p:sp>
+        <p:nvSpPr>
+          <p:cNvPr id="5" name="Date Placeholder 4"/>
+          <p:cNvSpPr>
+            <a:spLocks noGrp="1"/>
+          </p:cNvSpPr>
+          <p:nvPr>
+            <p:ph type="dt" sz="half" idx="10"/>
+          </p:nvPr>
+        </p:nvSpPr>
+        <p:spPr/>
+        <p:txBody>
+          <a:bodyPr/>
+          <a:lstStyle/>
+          <a:p>
+            <a:fld id="{C764DE79-268F-4C1A-8933-263129D2AF90}" type="datetimeFigureOut">
+              <a:rPr lang="en-US" smtClean="0"/>
+              <a:t>3/8/2025</a:t>
+            </a:fld>
+            <a:endParaRPr lang="en-US" dirty="0"/>
+          </a:p>
+        </p:txBody>
+      </p:sp>
+      <p:sp>
+        <p:nvSpPr>
+          <p:cNvPr id="6" name="Footer Placeholder 5"/>
+          <p:cNvSpPr>
+            <a:spLocks noGrp="1"/>
+          </p:cNvSpPr>
+          <p:nvPr>
+            <p:ph type="ftr" sz="quarter" idx="11"/>
+          </p:nvPr>
+        </p:nvSpPr>
+        <p:spPr/>
+        <p:txBody>
+          <a:bodyPr/>
+          <a:lstStyle/>
+          <a:p>
+            <a:endParaRPr lang="en-US" dirty="0"/>
+          </a:p>
+        </p:txBody>
+      </p:sp>
+      <p:sp>
+        <p:nvSpPr>
+          <p:cNvPr id="7" name="Slide Number Placeholder 6"/>
+          <p:cNvSpPr>
+            <a:spLocks noGrp="1"/>
+          </p:cNvSpPr>
+          <p:nvPr>
+            <p:ph type="sldNum" sz="quarter" idx="12"/>
+          </p:nvPr>
+        </p:nvSpPr>
+        <p:spPr/>
+        <p:txBody>
+          <a:bodyPr/>
+          <a:lstStyle/>
+          <a:p>
+            <a:fld id="{48F63A3B-78C7-47BE-AE5E-E10140E04643}" type="slidenum">
+              <a:rPr lang="en-US" smtClean="0"/>
+              <a:t>‹nr.›</a:t>
+            </a:fld>
+            <a:endParaRPr lang="en-US" dirty="0"/>
+          </a:p>
+        </p:txBody>
+      </p:sp>
+    </p:spTree>
+    <p:extLst>
+      <p:ext uri="{BB962C8B-B14F-4D97-AF65-F5344CB8AC3E}">
+        <p14:creationId xmlns:p14="http://schemas.microsoft.com/office/powerpoint/2010/main" val="1857027653"/>
       </p:ext>
     </p:extLst>
   </p:cSld>
@@ -308,20 +2791,244 @@
           <a:chExt cx="0" cy="0"/>
         </a:xfrm>
       </p:grpSpPr>
+      <p:sp>
+        <p:nvSpPr>
+          <p:cNvPr id="2" name="Title Placeholder 1"/>
+          <p:cNvSpPr>
+            <a:spLocks noGrp="1"/>
+          </p:cNvSpPr>
+          <p:nvPr>
+            <p:ph type="title"/>
+          </p:nvPr>
+        </p:nvSpPr>
+        <p:spPr>
+          <a:xfrm>
+            <a:off x="2079021" y="2261672"/>
+            <a:ext cx="26082248" cy="8210820"/>
+          </a:xfrm>
+          <a:prstGeom prst="rect">
+            <a:avLst/>
+          </a:prstGeom>
+        </p:spPr>
+        <p:txBody>
+          <a:bodyPr vert="horz" lIns="91440" tIns="45720" rIns="91440" bIns="45720" rtlCol="0" anchor="ctr">
+            <a:normAutofit/>
+          </a:bodyPr>
+          <a:lstStyle/>
+          <a:p>
+            <a:r>
+              <a:rPr lang="nl-NL"/>
+              <a:t>Klik om stijl te bewerken</a:t>
+            </a:r>
+            <a:endParaRPr lang="en-US" dirty="0"/>
+          </a:p>
+        </p:txBody>
+      </p:sp>
+      <p:sp>
+        <p:nvSpPr>
+          <p:cNvPr id="3" name="Text Placeholder 2"/>
+          <p:cNvSpPr>
+            <a:spLocks noGrp="1"/>
+          </p:cNvSpPr>
+          <p:nvPr>
+            <p:ph type="body" idx="1"/>
+          </p:nvPr>
+        </p:nvSpPr>
+        <p:spPr>
+          <a:xfrm>
+            <a:off x="2079021" y="11308310"/>
+            <a:ext cx="26082248" cy="26953115"/>
+          </a:xfrm>
+          <a:prstGeom prst="rect">
+            <a:avLst/>
+          </a:prstGeom>
+        </p:spPr>
+        <p:txBody>
+          <a:bodyPr vert="horz" lIns="91440" tIns="45720" rIns="91440" bIns="45720" rtlCol="0">
+            <a:normAutofit/>
+          </a:bodyPr>
+          <a:lstStyle/>
+          <a:p>
+            <a:pPr lvl="0"/>
+            <a:r>
+              <a:rPr lang="nl-NL"/>
+              <a:t>Klikken om de tekststijl van het model te bewerken</a:t>
+            </a:r>
+          </a:p>
+          <a:p>
+            <a:pPr lvl="1"/>
+            <a:r>
+              <a:rPr lang="nl-NL"/>
+              <a:t>Tweede niveau</a:t>
+            </a:r>
+          </a:p>
+          <a:p>
+            <a:pPr lvl="2"/>
+            <a:r>
+              <a:rPr lang="nl-NL"/>
+              <a:t>Derde niveau</a:t>
+            </a:r>
+          </a:p>
+          <a:p>
+            <a:pPr lvl="3"/>
+            <a:r>
+              <a:rPr lang="nl-NL"/>
+              <a:t>Vierde niveau</a:t>
+            </a:r>
+          </a:p>
+          <a:p>
+            <a:pPr lvl="4"/>
+            <a:r>
+              <a:rPr lang="nl-NL"/>
+              <a:t>Vijfde niveau</a:t>
+            </a:r>
+            <a:endParaRPr lang="en-US" dirty="0"/>
+          </a:p>
+        </p:txBody>
+      </p:sp>
+      <p:sp>
+        <p:nvSpPr>
+          <p:cNvPr id="4" name="Date Placeholder 3"/>
+          <p:cNvSpPr>
+            <a:spLocks noGrp="1"/>
+          </p:cNvSpPr>
+          <p:nvPr>
+            <p:ph type="dt" sz="half" idx="2"/>
+          </p:nvPr>
+        </p:nvSpPr>
+        <p:spPr>
+          <a:xfrm>
+            <a:off x="2079020" y="39372596"/>
+            <a:ext cx="6804065" cy="2261662"/>
+          </a:xfrm>
+          <a:prstGeom prst="rect">
+            <a:avLst/>
+          </a:prstGeom>
+        </p:spPr>
+        <p:txBody>
+          <a:bodyPr vert="horz" lIns="91440" tIns="45720" rIns="91440" bIns="45720" rtlCol="0" anchor="ctr"/>
+          <a:lstStyle>
+            <a:lvl1pPr algn="l">
+              <a:defRPr sz="3969">
+                <a:solidFill>
+                  <a:schemeClr val="tx1">
+                    <a:tint val="82000"/>
+                  </a:schemeClr>
+                </a:solidFill>
+              </a:defRPr>
+            </a:lvl1pPr>
+          </a:lstStyle>
+          <a:p>
+            <a:fld id="{C764DE79-268F-4C1A-8933-263129D2AF90}" type="datetimeFigureOut">
+              <a:rPr lang="en-US" smtClean="0"/>
+              <a:t>3/8/2025</a:t>
+            </a:fld>
+            <a:endParaRPr lang="en-US" dirty="0"/>
+          </a:p>
+        </p:txBody>
+      </p:sp>
+      <p:sp>
+        <p:nvSpPr>
+          <p:cNvPr id="5" name="Footer Placeholder 4"/>
+          <p:cNvSpPr>
+            <a:spLocks noGrp="1"/>
+          </p:cNvSpPr>
+          <p:nvPr>
+            <p:ph type="ftr" sz="quarter" idx="3"/>
+          </p:nvPr>
+        </p:nvSpPr>
+        <p:spPr>
+          <a:xfrm>
+            <a:off x="10017097" y="39372596"/>
+            <a:ext cx="10206097" cy="2261662"/>
+          </a:xfrm>
+          <a:prstGeom prst="rect">
+            <a:avLst/>
+          </a:prstGeom>
+        </p:spPr>
+        <p:txBody>
+          <a:bodyPr vert="horz" lIns="91440" tIns="45720" rIns="91440" bIns="45720" rtlCol="0" anchor="ctr"/>
+          <a:lstStyle>
+            <a:lvl1pPr algn="ctr">
+              <a:defRPr sz="3969">
+                <a:solidFill>
+                  <a:schemeClr val="tx1">
+                    <a:tint val="82000"/>
+                  </a:schemeClr>
+                </a:solidFill>
+              </a:defRPr>
+            </a:lvl1pPr>
+          </a:lstStyle>
+          <a:p>
+            <a:endParaRPr lang="en-US" dirty="0"/>
+          </a:p>
+        </p:txBody>
+      </p:sp>
+      <p:sp>
+        <p:nvSpPr>
+          <p:cNvPr id="6" name="Slide Number Placeholder 5"/>
+          <p:cNvSpPr>
+            <a:spLocks noGrp="1"/>
+          </p:cNvSpPr>
+          <p:nvPr>
+            <p:ph type="sldNum" sz="quarter" idx="4"/>
+          </p:nvPr>
+        </p:nvSpPr>
+        <p:spPr>
+          <a:xfrm>
+            <a:off x="21357203" y="39372596"/>
+            <a:ext cx="6804065" cy="2261662"/>
+          </a:xfrm>
+          <a:prstGeom prst="rect">
+            <a:avLst/>
+          </a:prstGeom>
+        </p:spPr>
+        <p:txBody>
+          <a:bodyPr vert="horz" lIns="91440" tIns="45720" rIns="91440" bIns="45720" rtlCol="0" anchor="ctr"/>
+          <a:lstStyle>
+            <a:lvl1pPr algn="r">
+              <a:defRPr sz="3969">
+                <a:solidFill>
+                  <a:schemeClr val="tx1">
+                    <a:tint val="82000"/>
+                  </a:schemeClr>
+                </a:solidFill>
+              </a:defRPr>
+            </a:lvl1pPr>
+          </a:lstStyle>
+          <a:p>
+            <a:fld id="{48F63A3B-78C7-47BE-AE5E-E10140E04643}" type="slidenum">
+              <a:rPr lang="en-US" smtClean="0"/>
+              <a:t>‹nr.›</a:t>
+            </a:fld>
+            <a:endParaRPr lang="en-US" dirty="0"/>
+          </a:p>
+        </p:txBody>
+      </p:sp>
     </p:spTree>
     <p:extLst>
       <p:ext uri="{BB962C8B-B14F-4D97-AF65-F5344CB8AC3E}">
-        <p14:creationId xmlns:p14="http://schemas.microsoft.com/office/powerpoint/2010/main" val="2222710216"/>
+        <p14:creationId xmlns:p14="http://schemas.microsoft.com/office/powerpoint/2010/main" val="16543733"/>
       </p:ext>
     </p:extLst>
   </p:cSld>
   <p:clrMap bg1="lt1" tx1="dk1" bg2="lt2" tx2="dk2" accent1="accent1" accent2="accent2" accent3="accent3" accent4="accent4" accent5="accent5" accent6="accent6" hlink="hlink" folHlink="folHlink"/>
   <p:sldLayoutIdLst>
-    <p:sldLayoutId id="2147483649" r:id="rId1"/>
+    <p:sldLayoutId id="2147483663" r:id="rId1"/>
+    <p:sldLayoutId id="2147483664" r:id="rId2"/>
+    <p:sldLayoutId id="2147483665" r:id="rId3"/>
+    <p:sldLayoutId id="2147483666" r:id="rId4"/>
+    <p:sldLayoutId id="2147483667" r:id="rId5"/>
+    <p:sldLayoutId id="2147483668" r:id="rId6"/>
+    <p:sldLayoutId id="2147483669" r:id="rId7"/>
+    <p:sldLayoutId id="2147483670" r:id="rId8"/>
+    <p:sldLayoutId id="2147483671" r:id="rId9"/>
+    <p:sldLayoutId id="2147483672" r:id="rId10"/>
+    <p:sldLayoutId id="2147483673" r:id="rId11"/>
   </p:sldLayoutIdLst>
   <p:txStyles>
     <p:titleStyle>
-      <a:lvl1pPr algn="l" defTabSz="914400" rtl="0" eaLnBrk="1" latinLnBrk="0" hangingPunct="1">
+      <a:lvl1pPr algn="l" defTabSz="3024203" rtl="0" eaLnBrk="1" latinLnBrk="0" hangingPunct="1">
         <a:lnSpc>
           <a:spcPct val="90000"/>
         </a:lnSpc>
@@ -329,7 +3036,7 @@
           <a:spcPct val="0"/>
         </a:spcBef>
         <a:buNone/>
-        <a:defRPr sz="4400" kern="1200">
+        <a:defRPr sz="14552" kern="1200">
           <a:solidFill>
             <a:schemeClr val="tx1"/>
           </a:solidFill>
@@ -340,16 +3047,16 @@
       </a:lvl1pPr>
     </p:titleStyle>
     <p:bodyStyle>
-      <a:lvl1pPr marL="228600" indent="-228600" algn="l" defTabSz="914400" rtl="0" eaLnBrk="1" latinLnBrk="0" hangingPunct="1">
+      <a:lvl1pPr marL="756051" indent="-756051" algn="l" defTabSz="3024203" rtl="0" eaLnBrk="1" latinLnBrk="0" hangingPunct="1">
         <a:lnSpc>
           <a:spcPct val="90000"/>
         </a:lnSpc>
         <a:spcBef>
-          <a:spcPts val="1000"/>
+          <a:spcPts val="3307"/>
         </a:spcBef>
         <a:buFont typeface="Arial" panose="020B0604020202020204" pitchFamily="34" charset="0"/>
         <a:buChar char="•"/>
-        <a:defRPr sz="2800" kern="1200">
+        <a:defRPr sz="9261" kern="1200">
           <a:solidFill>
             <a:schemeClr val="tx1"/>
           </a:solidFill>
@@ -358,16 +3065,16 @@
           <a:cs typeface="+mn-cs"/>
         </a:defRPr>
       </a:lvl1pPr>
-      <a:lvl2pPr marL="685800" indent="-228600" algn="l" defTabSz="914400" rtl="0" eaLnBrk="1" latinLnBrk="0" hangingPunct="1">
+      <a:lvl2pPr marL="2268152" indent="-756051" algn="l" defTabSz="3024203" rtl="0" eaLnBrk="1" latinLnBrk="0" hangingPunct="1">
         <a:lnSpc>
           <a:spcPct val="90000"/>
         </a:lnSpc>
         <a:spcBef>
-          <a:spcPts val="500"/>
+          <a:spcPts val="1654"/>
         </a:spcBef>
         <a:buFont typeface="Arial" panose="020B0604020202020204" pitchFamily="34" charset="0"/>
         <a:buChar char="•"/>
-        <a:defRPr sz="2400" kern="1200">
+        <a:defRPr sz="7938" kern="1200">
           <a:solidFill>
             <a:schemeClr val="tx1"/>
           </a:solidFill>
@@ -376,16 +3083,16 @@
           <a:cs typeface="+mn-cs"/>
         </a:defRPr>
       </a:lvl2pPr>
-      <a:lvl3pPr marL="1143000" indent="-228600" algn="l" defTabSz="914400" rtl="0" eaLnBrk="1" latinLnBrk="0" hangingPunct="1">
+      <a:lvl3pPr marL="3780253" indent="-756051" algn="l" defTabSz="3024203" rtl="0" eaLnBrk="1" latinLnBrk="0" hangingPunct="1">
         <a:lnSpc>
           <a:spcPct val="90000"/>
         </a:lnSpc>
         <a:spcBef>
-          <a:spcPts val="500"/>
+          <a:spcPts val="1654"/>
         </a:spcBef>
         <a:buFont typeface="Arial" panose="020B0604020202020204" pitchFamily="34" charset="0"/>
         <a:buChar char="•"/>
-        <a:defRPr sz="2000" kern="1200">
+        <a:defRPr sz="6614" kern="1200">
           <a:solidFill>
             <a:schemeClr val="tx1"/>
           </a:solidFill>
@@ -394,16 +3101,16 @@
           <a:cs typeface="+mn-cs"/>
         </a:defRPr>
       </a:lvl3pPr>
-      <a:lvl4pPr marL="1600200" indent="-228600" algn="l" defTabSz="914400" rtl="0" eaLnBrk="1" latinLnBrk="0" hangingPunct="1">
+      <a:lvl4pPr marL="5292354" indent="-756051" algn="l" defTabSz="3024203" rtl="0" eaLnBrk="1" latinLnBrk="0" hangingPunct="1">
         <a:lnSpc>
           <a:spcPct val="90000"/>
         </a:lnSpc>
         <a:spcBef>
-          <a:spcPts val="500"/>
+          <a:spcPts val="1654"/>
         </a:spcBef>
         <a:buFont typeface="Arial" panose="020B0604020202020204" pitchFamily="34" charset="0"/>
         <a:buChar char="•"/>
-        <a:defRPr sz="1800" kern="1200">
+        <a:defRPr sz="5953" kern="1200">
           <a:solidFill>
             <a:schemeClr val="tx1"/>
           </a:solidFill>
@@ -412,16 +3119,16 @@
           <a:cs typeface="+mn-cs"/>
         </a:defRPr>
       </a:lvl4pPr>
-      <a:lvl5pPr marL="2057400" indent="-228600" algn="l" defTabSz="914400" rtl="0" eaLnBrk="1" latinLnBrk="0" hangingPunct="1">
+      <a:lvl5pPr marL="6804457" indent="-756051" algn="l" defTabSz="3024203" rtl="0" eaLnBrk="1" latinLnBrk="0" hangingPunct="1">
         <a:lnSpc>
           <a:spcPct val="90000"/>
         </a:lnSpc>
         <a:spcBef>
-          <a:spcPts val="500"/>
+          <a:spcPts val="1654"/>
         </a:spcBef>
         <a:buFont typeface="Arial" panose="020B0604020202020204" pitchFamily="34" charset="0"/>
         <a:buChar char="•"/>
-        <a:defRPr sz="1800" kern="1200">
+        <a:defRPr sz="5953" kern="1200">
           <a:solidFill>
             <a:schemeClr val="tx1"/>
           </a:solidFill>
@@ -430,16 +3137,16 @@
           <a:cs typeface="+mn-cs"/>
         </a:defRPr>
       </a:lvl5pPr>
-      <a:lvl6pPr marL="2514600" indent="-228600" algn="l" defTabSz="914400" rtl="0" eaLnBrk="1" latinLnBrk="0" hangingPunct="1">
+      <a:lvl6pPr marL="8316558" indent="-756051" algn="l" defTabSz="3024203" rtl="0" eaLnBrk="1" latinLnBrk="0" hangingPunct="1">
         <a:lnSpc>
           <a:spcPct val="90000"/>
         </a:lnSpc>
         <a:spcBef>
-          <a:spcPts val="500"/>
+          <a:spcPts val="1654"/>
         </a:spcBef>
         <a:buFont typeface="Arial" panose="020B0604020202020204" pitchFamily="34" charset="0"/>
         <a:buChar char="•"/>
-        <a:defRPr sz="1800" kern="1200">
+        <a:defRPr sz="5953" kern="1200">
           <a:solidFill>
             <a:schemeClr val="tx1"/>
           </a:solidFill>
@@ -448,16 +3155,16 @@
           <a:cs typeface="+mn-cs"/>
         </a:defRPr>
       </a:lvl6pPr>
-      <a:lvl7pPr marL="2971800" indent="-228600" algn="l" defTabSz="914400" rtl="0" eaLnBrk="1" latinLnBrk="0" hangingPunct="1">
+      <a:lvl7pPr marL="9828659" indent="-756051" algn="l" defTabSz="3024203" rtl="0" eaLnBrk="1" latinLnBrk="0" hangingPunct="1">
         <a:lnSpc>
           <a:spcPct val="90000"/>
         </a:lnSpc>
         <a:spcBef>
-          <a:spcPts val="500"/>
+          <a:spcPts val="1654"/>
         </a:spcBef>
         <a:buFont typeface="Arial" panose="020B0604020202020204" pitchFamily="34" charset="0"/>
         <a:buChar char="•"/>
-        <a:defRPr sz="1800" kern="1200">
+        <a:defRPr sz="5953" kern="1200">
           <a:solidFill>
             <a:schemeClr val="tx1"/>
           </a:solidFill>
@@ -466,16 +3173,16 @@
           <a:cs typeface="+mn-cs"/>
         </a:defRPr>
       </a:lvl7pPr>
-      <a:lvl8pPr marL="3429000" indent="-228600" algn="l" defTabSz="914400" rtl="0" eaLnBrk="1" latinLnBrk="0" hangingPunct="1">
+      <a:lvl8pPr marL="11340760" indent="-756051" algn="l" defTabSz="3024203" rtl="0" eaLnBrk="1" latinLnBrk="0" hangingPunct="1">
         <a:lnSpc>
           <a:spcPct val="90000"/>
         </a:lnSpc>
         <a:spcBef>
-          <a:spcPts val="500"/>
+          <a:spcPts val="1654"/>
         </a:spcBef>
         <a:buFont typeface="Arial" panose="020B0604020202020204" pitchFamily="34" charset="0"/>
         <a:buChar char="•"/>
-        <a:defRPr sz="1800" kern="1200">
+        <a:defRPr sz="5953" kern="1200">
           <a:solidFill>
             <a:schemeClr val="tx1"/>
           </a:solidFill>
@@ -484,16 +3191,16 @@
           <a:cs typeface="+mn-cs"/>
         </a:defRPr>
       </a:lvl8pPr>
-      <a:lvl9pPr marL="3886200" indent="-228600" algn="l" defTabSz="914400" rtl="0" eaLnBrk="1" latinLnBrk="0" hangingPunct="1">
+      <a:lvl9pPr marL="12852862" indent="-756051" algn="l" defTabSz="3024203" rtl="0" eaLnBrk="1" latinLnBrk="0" hangingPunct="1">
         <a:lnSpc>
           <a:spcPct val="90000"/>
         </a:lnSpc>
         <a:spcBef>
-          <a:spcPts val="500"/>
+          <a:spcPts val="1654"/>
         </a:spcBef>
         <a:buFont typeface="Arial" panose="020B0604020202020204" pitchFamily="34" charset="0"/>
         <a:buChar char="•"/>
-        <a:defRPr sz="1800" kern="1200">
+        <a:defRPr sz="5953" kern="1200">
           <a:solidFill>
             <a:schemeClr val="tx1"/>
           </a:solidFill>
@@ -505,10 +3212,10 @@
     </p:bodyStyle>
     <p:otherStyle>
       <a:defPPr>
-        <a:defRPr lang="nl-NL"/>
+        <a:defRPr lang="en-US"/>
       </a:defPPr>
-      <a:lvl1pPr marL="0" algn="l" defTabSz="914400" rtl="0" eaLnBrk="1" latinLnBrk="0" hangingPunct="1">
-        <a:defRPr sz="1800" kern="1200">
+      <a:lvl1pPr marL="0" algn="l" defTabSz="3024203" rtl="0" eaLnBrk="1" latinLnBrk="0" hangingPunct="1">
+        <a:defRPr sz="5953" kern="1200">
           <a:solidFill>
             <a:schemeClr val="tx1"/>
           </a:solidFill>
@@ -517,8 +3224,8 @@
           <a:cs typeface="+mn-cs"/>
         </a:defRPr>
       </a:lvl1pPr>
-      <a:lvl2pPr marL="457200" algn="l" defTabSz="914400" rtl="0" eaLnBrk="1" latinLnBrk="0" hangingPunct="1">
-        <a:defRPr sz="1800" kern="1200">
+      <a:lvl2pPr marL="1512101" algn="l" defTabSz="3024203" rtl="0" eaLnBrk="1" latinLnBrk="0" hangingPunct="1">
+        <a:defRPr sz="5953" kern="1200">
           <a:solidFill>
             <a:schemeClr val="tx1"/>
           </a:solidFill>
@@ -527,8 +3234,8 @@
           <a:cs typeface="+mn-cs"/>
         </a:defRPr>
       </a:lvl2pPr>
-      <a:lvl3pPr marL="914400" algn="l" defTabSz="914400" rtl="0" eaLnBrk="1" latinLnBrk="0" hangingPunct="1">
-        <a:defRPr sz="1800" kern="1200">
+      <a:lvl3pPr marL="3024203" algn="l" defTabSz="3024203" rtl="0" eaLnBrk="1" latinLnBrk="0" hangingPunct="1">
+        <a:defRPr sz="5953" kern="1200">
           <a:solidFill>
             <a:schemeClr val="tx1"/>
           </a:solidFill>
@@ -537,8 +3244,8 @@
           <a:cs typeface="+mn-cs"/>
         </a:defRPr>
       </a:lvl3pPr>
-      <a:lvl4pPr marL="1371600" algn="l" defTabSz="914400" rtl="0" eaLnBrk="1" latinLnBrk="0" hangingPunct="1">
-        <a:defRPr sz="1800" kern="1200">
+      <a:lvl4pPr marL="4536304" algn="l" defTabSz="3024203" rtl="0" eaLnBrk="1" latinLnBrk="0" hangingPunct="1">
+        <a:defRPr sz="5953" kern="1200">
           <a:solidFill>
             <a:schemeClr val="tx1"/>
           </a:solidFill>
@@ -547,8 +3254,8 @@
           <a:cs typeface="+mn-cs"/>
         </a:defRPr>
       </a:lvl4pPr>
-      <a:lvl5pPr marL="1828800" algn="l" defTabSz="914400" rtl="0" eaLnBrk="1" latinLnBrk="0" hangingPunct="1">
-        <a:defRPr sz="1800" kern="1200">
+      <a:lvl5pPr marL="6048405" algn="l" defTabSz="3024203" rtl="0" eaLnBrk="1" latinLnBrk="0" hangingPunct="1">
+        <a:defRPr sz="5953" kern="1200">
           <a:solidFill>
             <a:schemeClr val="tx1"/>
           </a:solidFill>
@@ -557,8 +3264,8 @@
           <a:cs typeface="+mn-cs"/>
         </a:defRPr>
       </a:lvl5pPr>
-      <a:lvl6pPr marL="2286000" algn="l" defTabSz="914400" rtl="0" eaLnBrk="1" latinLnBrk="0" hangingPunct="1">
-        <a:defRPr sz="1800" kern="1200">
+      <a:lvl6pPr marL="7560507" algn="l" defTabSz="3024203" rtl="0" eaLnBrk="1" latinLnBrk="0" hangingPunct="1">
+        <a:defRPr sz="5953" kern="1200">
           <a:solidFill>
             <a:schemeClr val="tx1"/>
           </a:solidFill>
@@ -567,8 +3274,8 @@
           <a:cs typeface="+mn-cs"/>
         </a:defRPr>
       </a:lvl6pPr>
-      <a:lvl7pPr marL="2743200" algn="l" defTabSz="914400" rtl="0" eaLnBrk="1" latinLnBrk="0" hangingPunct="1">
-        <a:defRPr sz="1800" kern="1200">
+      <a:lvl7pPr marL="9072608" algn="l" defTabSz="3024203" rtl="0" eaLnBrk="1" latinLnBrk="0" hangingPunct="1">
+        <a:defRPr sz="5953" kern="1200">
           <a:solidFill>
             <a:schemeClr val="tx1"/>
           </a:solidFill>
@@ -577,8 +3284,8 @@
           <a:cs typeface="+mn-cs"/>
         </a:defRPr>
       </a:lvl7pPr>
-      <a:lvl8pPr marL="3200400" algn="l" defTabSz="914400" rtl="0" eaLnBrk="1" latinLnBrk="0" hangingPunct="1">
-        <a:defRPr sz="1800" kern="1200">
+      <a:lvl8pPr marL="10584710" algn="l" defTabSz="3024203" rtl="0" eaLnBrk="1" latinLnBrk="0" hangingPunct="1">
+        <a:defRPr sz="5953" kern="1200">
           <a:solidFill>
             <a:schemeClr val="tx1"/>
           </a:solidFill>
@@ -587,8 +3294,8 @@
           <a:cs typeface="+mn-cs"/>
         </a:defRPr>
       </a:lvl8pPr>
-      <a:lvl9pPr marL="3657600" algn="l" defTabSz="914400" rtl="0" eaLnBrk="1" latinLnBrk="0" hangingPunct="1">
-        <a:defRPr sz="1800" kern="1200">
+      <a:lvl9pPr marL="12096811" algn="l" defTabSz="3024203" rtl="0" eaLnBrk="1" latinLnBrk="0" hangingPunct="1">
+        <a:defRPr sz="5953" kern="1200">
           <a:solidFill>
             <a:schemeClr val="tx1"/>
           </a:solidFill>
@@ -619,6 +3326,42 @@
           <a:chExt cx="0" cy="0"/>
         </a:xfrm>
       </p:grpSpPr>
+      <p:pic>
+        <p:nvPicPr>
+          <p:cNvPr id="8" name="Afbeelding 7" descr="Afbeelding met wiel, Auto-onderdeel, rood&#10;&#10;Door AI gegenereerde inhoud is mogelijk onjuist.">
+            <a:extLst>
+              <a:ext uri="{FF2B5EF4-FFF2-40B4-BE49-F238E27FC236}">
+                <a16:creationId xmlns:a16="http://schemas.microsoft.com/office/drawing/2014/main" id="{5CF9DBF4-7D69-2927-550E-0530C71F3C73}"/>
+              </a:ext>
+            </a:extLst>
+          </p:cNvPr>
+          <p:cNvPicPr>
+            <a:picLocks noChangeAspect="1"/>
+          </p:cNvPicPr>
+          <p:nvPr/>
+        </p:nvPicPr>
+        <p:blipFill>
+          <a:blip r:embed="rId2">
+            <a:extLst>
+              <a:ext uri="{28A0092B-C50C-407E-A947-70E740481C1C}">
+                <a14:useLocalDpi xmlns:a14="http://schemas.microsoft.com/office/drawing/2010/main" val="0"/>
+              </a:ext>
+            </a:extLst>
+          </a:blip>
+          <a:stretch>
+            <a:fillRect/>
+          </a:stretch>
+        </p:blipFill>
+        <p:spPr>
+          <a:xfrm>
+            <a:off x="0" y="7221888"/>
+            <a:ext cx="30240288" cy="30179807"/>
+          </a:xfrm>
+          <a:prstGeom prst="rect">
+            <a:avLst/>
+          </a:prstGeom>
+        </p:spPr>
+      </p:pic>
       <p:sp>
         <p:nvSpPr>
           <p:cNvPr id="2" name="Titel 1">
@@ -640,7 +3383,10 @@
           <a:bodyPr/>
           <a:lstStyle/>
           <a:p>
-            <a:endParaRPr lang="nl-NL"/>
+            <a:r>
+              <a:rPr lang="nl-NL" dirty="0"/>
+              <a:t>Oude robot vernieuwen</a:t>
+            </a:r>
           </a:p>
         </p:txBody>
       </p:sp>
@@ -665,7 +3411,7 @@
           <a:bodyPr/>
           <a:lstStyle/>
           <a:p>
-            <a:endParaRPr lang="nl-NL"/>
+            <a:endParaRPr lang="nl-NL" dirty="0"/>
           </a:p>
         </p:txBody>
       </p:sp>
@@ -685,7 +3431,7 @@
 <file path=ppt/theme/theme1.xml><?xml version="1.0" encoding="utf-8"?>
 <a:theme xmlns:a="http://schemas.openxmlformats.org/drawingml/2006/main" name="Kantoorthema">
   <a:themeElements>
-    <a:clrScheme name="Office">
+    <a:clrScheme name="Kantoorthema">
       <a:dk1>
         <a:sysClr val="windowText" lastClr="000000"/>
       </a:dk1>
@@ -723,7 +3469,7 @@
         <a:srgbClr val="96607D"/>
       </a:folHlink>
     </a:clrScheme>
-    <a:fontScheme name="Office">
+    <a:fontScheme name="Kantoorthema">
       <a:majorFont>
         <a:latin typeface="Aptos Display" panose="02110004020202020204"/>
         <a:ea typeface=""/>
@@ -829,7 +3575,7 @@
         <a:font script="Tfng" typeface="Ebrima"/>
       </a:minorFont>
     </a:fontScheme>
-    <a:fmtScheme name="Office">
+    <a:fmtScheme name="Kantoorthema">
       <a:fillStyleLst>
         <a:solidFill>
           <a:schemeClr val="phClr"/>

--- a/school/afische.pptx
+++ b/school/afische.pptx
@@ -2,12 +2,12 @@
 <file path=ppt/presentation.xml><?xml version="1.0" encoding="utf-8"?>
 <p:presentation xmlns:a="http://schemas.openxmlformats.org/drawingml/2006/main" xmlns:r="http://schemas.openxmlformats.org/officeDocument/2006/relationships" xmlns:p="http://schemas.openxmlformats.org/presentationml/2006/main" saveSubsetFonts="1">
   <p:sldMasterIdLst>
-    <p:sldMasterId id="2147483662" r:id="rId1"/>
+    <p:sldMasterId id="2147483674" r:id="rId1"/>
   </p:sldMasterIdLst>
   <p:sldIdLst>
     <p:sldId id="256" r:id="rId2"/>
   </p:sldIdLst>
-  <p:sldSz cx="30240288" cy="42479913"/>
+  <p:sldSz cx="12801600" cy="19199225"/>
   <p:notesSz cx="6858000" cy="9144000"/>
   <p:defaultTextStyle>
     <a:defPPr>
@@ -104,13 +104,18 @@
       </a:defRPr>
     </a:lvl9pPr>
   </p:defaultTextStyle>
+  <p:extLst>
+    <p:ext uri="{EFAFB233-063F-42B5-8137-9DF3F51BA10A}">
+      <p15:sldGuideLst xmlns:p15="http://schemas.microsoft.com/office/powerpoint/2012/main"/>
+    </p:ext>
+  </p:extLst>
 </p:presentation>
 </file>
 
 <file path=ppt/revisionInfo.xml><?xml version="1.0" encoding="utf-8"?>
 <p1510:revInfo xmlns:a="http://schemas.openxmlformats.org/drawingml/2006/main" xmlns:r="http://schemas.openxmlformats.org/officeDocument/2006/relationships" xmlns:p1510="http://schemas.microsoft.com/office/powerpoint/2015/10/main">
   <p1510:revLst>
-    <p1510:client id="{5D434D30-F688-4623-B10D-9AE1AB3633DC}" v="7" dt="2025-03-08T18:24:46.605"/>
+    <p1510:client id="{5D434D30-F688-4623-B10D-9AE1AB3633DC}" v="26" dt="2025-03-10T09:06:35.361"/>
   </p1510:revLst>
 </p1510:revInfo>
 </file>
@@ -120,18 +125,18 @@
   <pc:docChgLst>
     <pc:chgData name="Debakker Stan" userId="dcaf6aa6-4ff3-4b00-8b67-253531728245" providerId="ADAL" clId="{5D434D30-F688-4623-B10D-9AE1AB3633DC}"/>
     <pc:docChg chg="undo custSel addSld modSld modMainMaster">
-      <pc:chgData name="Debakker Stan" userId="dcaf6aa6-4ff3-4b00-8b67-253531728245" providerId="ADAL" clId="{5D434D30-F688-4623-B10D-9AE1AB3633DC}" dt="2025-03-08T18:35:59.953" v="51" actId="1076"/>
+      <pc:chgData name="Debakker Stan" userId="dcaf6aa6-4ff3-4b00-8b67-253531728245" providerId="ADAL" clId="{5D434D30-F688-4623-B10D-9AE1AB3633DC}" dt="2025-03-10T09:07:02.168" v="149" actId="167"/>
       <pc:docMkLst>
         <pc:docMk/>
       </pc:docMkLst>
       <pc:sldChg chg="addSp delSp modSp new mod">
-        <pc:chgData name="Debakker Stan" userId="dcaf6aa6-4ff3-4b00-8b67-253531728245" providerId="ADAL" clId="{5D434D30-F688-4623-B10D-9AE1AB3633DC}" dt="2025-03-08T18:35:59.953" v="51" actId="1076"/>
+        <pc:chgData name="Debakker Stan" userId="dcaf6aa6-4ff3-4b00-8b67-253531728245" providerId="ADAL" clId="{5D434D30-F688-4623-B10D-9AE1AB3633DC}" dt="2025-03-10T09:07:02.168" v="149" actId="167"/>
         <pc:sldMkLst>
           <pc:docMk/>
           <pc:sldMk cId="428378912" sldId="256"/>
         </pc:sldMkLst>
         <pc:spChg chg="mod">
-          <ac:chgData name="Debakker Stan" userId="dcaf6aa6-4ff3-4b00-8b67-253531728245" providerId="ADAL" clId="{5D434D30-F688-4623-B10D-9AE1AB3633DC}" dt="2025-03-08T17:23:58.896" v="30" actId="20577"/>
+          <ac:chgData name="Debakker Stan" userId="dcaf6aa6-4ff3-4b00-8b67-253531728245" providerId="ADAL" clId="{5D434D30-F688-4623-B10D-9AE1AB3633DC}" dt="2025-03-10T09:04:38.074" v="136" actId="14100"/>
           <ac:spMkLst>
             <pc:docMk/>
             <pc:sldMk cId="428378912" sldId="256"/>
@@ -139,35 +144,67 @@
           </ac:spMkLst>
         </pc:spChg>
         <pc:spChg chg="mod">
-          <ac:chgData name="Debakker Stan" userId="dcaf6aa6-4ff3-4b00-8b67-253531728245" providerId="ADAL" clId="{5D434D30-F688-4623-B10D-9AE1AB3633DC}" dt="2025-03-08T17:23:32.570" v="3"/>
+          <ac:chgData name="Debakker Stan" userId="dcaf6aa6-4ff3-4b00-8b67-253531728245" providerId="ADAL" clId="{5D434D30-F688-4623-B10D-9AE1AB3633DC}" dt="2025-03-10T09:04:20.247" v="133" actId="1076"/>
           <ac:spMkLst>
             <pc:docMk/>
             <pc:sldMk cId="428378912" sldId="256"/>
             <ac:spMk id="3" creationId="{428E0CFD-1F45-2EA2-0324-1D12560A0B9E}"/>
           </ac:spMkLst>
         </pc:spChg>
-        <pc:picChg chg="add del mod">
-          <ac:chgData name="Debakker Stan" userId="dcaf6aa6-4ff3-4b00-8b67-253531728245" providerId="ADAL" clId="{5D434D30-F688-4623-B10D-9AE1AB3633DC}" dt="2025-03-08T18:19:37.087" v="32" actId="478"/>
+        <pc:spChg chg="add del mod">
+          <ac:chgData name="Debakker Stan" userId="dcaf6aa6-4ff3-4b00-8b67-253531728245" providerId="ADAL" clId="{5D434D30-F688-4623-B10D-9AE1AB3633DC}" dt="2025-03-10T08:56:31.382" v="103" actId="478"/>
+          <ac:spMkLst>
+            <pc:docMk/>
+            <pc:sldMk cId="428378912" sldId="256"/>
+            <ac:spMk id="7" creationId="{9A906033-5C90-070B-90E2-6828ACEB54D3}"/>
+          </ac:spMkLst>
+        </pc:spChg>
+        <pc:picChg chg="add mod">
+          <ac:chgData name="Debakker Stan" userId="dcaf6aa6-4ff3-4b00-8b67-253531728245" providerId="ADAL" clId="{5D434D30-F688-4623-B10D-9AE1AB3633DC}" dt="2025-03-10T09:03:39.969" v="127" actId="1076"/>
           <ac:picMkLst>
             <pc:docMk/>
             <pc:sldMk cId="428378912" sldId="256"/>
-            <ac:picMk id="4" creationId="{2245BC8F-D037-C15E-755B-378506D144AC}"/>
+            <ac:picMk id="4" creationId="{346F970F-7967-898E-5FB2-7A1EE8403452}"/>
           </ac:picMkLst>
         </pc:picChg>
-        <pc:picChg chg="add del mod">
-          <ac:chgData name="Debakker Stan" userId="dcaf6aa6-4ff3-4b00-8b67-253531728245" providerId="ADAL" clId="{5D434D30-F688-4623-B10D-9AE1AB3633DC}" dt="2025-03-08T18:24:41.007" v="38" actId="478"/>
+        <pc:picChg chg="add mod">
+          <ac:chgData name="Debakker Stan" userId="dcaf6aa6-4ff3-4b00-8b67-253531728245" providerId="ADAL" clId="{5D434D30-F688-4623-B10D-9AE1AB3633DC}" dt="2025-03-10T09:02:57.995" v="118" actId="1076"/>
           <ac:picMkLst>
             <pc:docMk/>
             <pc:sldMk cId="428378912" sldId="256"/>
-            <ac:picMk id="6" creationId="{6A3E804C-BF28-AB4F-7F95-C1A5DEBF9E95}"/>
+            <ac:picMk id="6" creationId="{D3FEB3F1-85F8-AA83-2BB4-4BB0182F706B}"/>
           </ac:picMkLst>
         </pc:picChg>
-        <pc:picChg chg="add mod ord">
-          <ac:chgData name="Debakker Stan" userId="dcaf6aa6-4ff3-4b00-8b67-253531728245" providerId="ADAL" clId="{5D434D30-F688-4623-B10D-9AE1AB3633DC}" dt="2025-03-08T18:35:59.953" v="51" actId="1076"/>
+        <pc:picChg chg="add del mod ord">
+          <ac:chgData name="Debakker Stan" userId="dcaf6aa6-4ff3-4b00-8b67-253531728245" providerId="ADAL" clId="{5D434D30-F688-4623-B10D-9AE1AB3633DC}" dt="2025-03-10T08:43:24.709" v="92" actId="478"/>
           <ac:picMkLst>
             <pc:docMk/>
             <pc:sldMk cId="428378912" sldId="256"/>
             <ac:picMk id="8" creationId="{5CF9DBF4-7D69-2927-550E-0530C71F3C73}"/>
+          </ac:picMkLst>
+        </pc:picChg>
+        <pc:picChg chg="add del mod ord">
+          <ac:chgData name="Debakker Stan" userId="dcaf6aa6-4ff3-4b00-8b67-253531728245" providerId="ADAL" clId="{5D434D30-F688-4623-B10D-9AE1AB3633DC}" dt="2025-03-10T09:05:19.322" v="137" actId="478"/>
+          <ac:picMkLst>
+            <pc:docMk/>
+            <pc:sldMk cId="428378912" sldId="256"/>
+            <ac:picMk id="10" creationId="{72983E33-8D90-2797-F022-85E096F10CF7}"/>
+          </ac:picMkLst>
+        </pc:picChg>
+        <pc:picChg chg="add del mod ord">
+          <ac:chgData name="Debakker Stan" userId="dcaf6aa6-4ff3-4b00-8b67-253531728245" providerId="ADAL" clId="{5D434D30-F688-4623-B10D-9AE1AB3633DC}" dt="2025-03-10T09:06:45.219" v="144" actId="478"/>
+          <ac:picMkLst>
+            <pc:docMk/>
+            <pc:sldMk cId="428378912" sldId="256"/>
+            <ac:picMk id="12" creationId="{1DBAA1D5-95BB-892B-24F3-22321BA0664E}"/>
+          </ac:picMkLst>
+        </pc:picChg>
+        <pc:picChg chg="add mod ord">
+          <ac:chgData name="Debakker Stan" userId="dcaf6aa6-4ff3-4b00-8b67-253531728245" providerId="ADAL" clId="{5D434D30-F688-4623-B10D-9AE1AB3633DC}" dt="2025-03-10T09:07:02.168" v="149" actId="167"/>
+          <ac:picMkLst>
+            <pc:docMk/>
+            <pc:sldMk cId="428378912" sldId="256"/>
+            <ac:picMk id="14" creationId="{9C05F23E-5C9A-36C9-50BC-571888BB4C5F}"/>
           </ac:picMkLst>
         </pc:picChg>
       </pc:sldChg>
@@ -192,46 +229,6 @@
           <pc:docMk/>
           <pc:sldMasterMk cId="16543733" sldId="2147483662"/>
         </pc:sldMasterMkLst>
-        <pc:spChg chg="mod">
-          <ac:chgData name="Debakker Stan" userId="dcaf6aa6-4ff3-4b00-8b67-253531728245" providerId="ADAL" clId="{5D434D30-F688-4623-B10D-9AE1AB3633DC}" dt="2025-03-08T17:23:32.570" v="3"/>
-          <ac:spMkLst>
-            <pc:docMk/>
-            <pc:sldMasterMk cId="16543733" sldId="2147483662"/>
-            <ac:spMk id="2" creationId="{00000000-0000-0000-0000-000000000000}"/>
-          </ac:spMkLst>
-        </pc:spChg>
-        <pc:spChg chg="mod">
-          <ac:chgData name="Debakker Stan" userId="dcaf6aa6-4ff3-4b00-8b67-253531728245" providerId="ADAL" clId="{5D434D30-F688-4623-B10D-9AE1AB3633DC}" dt="2025-03-08T17:23:32.570" v="3"/>
-          <ac:spMkLst>
-            <pc:docMk/>
-            <pc:sldMasterMk cId="16543733" sldId="2147483662"/>
-            <ac:spMk id="3" creationId="{00000000-0000-0000-0000-000000000000}"/>
-          </ac:spMkLst>
-        </pc:spChg>
-        <pc:spChg chg="mod">
-          <ac:chgData name="Debakker Stan" userId="dcaf6aa6-4ff3-4b00-8b67-253531728245" providerId="ADAL" clId="{5D434D30-F688-4623-B10D-9AE1AB3633DC}" dt="2025-03-08T17:23:32.570" v="3"/>
-          <ac:spMkLst>
-            <pc:docMk/>
-            <pc:sldMasterMk cId="16543733" sldId="2147483662"/>
-            <ac:spMk id="4" creationId="{00000000-0000-0000-0000-000000000000}"/>
-          </ac:spMkLst>
-        </pc:spChg>
-        <pc:spChg chg="mod">
-          <ac:chgData name="Debakker Stan" userId="dcaf6aa6-4ff3-4b00-8b67-253531728245" providerId="ADAL" clId="{5D434D30-F688-4623-B10D-9AE1AB3633DC}" dt="2025-03-08T17:23:32.570" v="3"/>
-          <ac:spMkLst>
-            <pc:docMk/>
-            <pc:sldMasterMk cId="16543733" sldId="2147483662"/>
-            <ac:spMk id="5" creationId="{00000000-0000-0000-0000-000000000000}"/>
-          </ac:spMkLst>
-        </pc:spChg>
-        <pc:spChg chg="mod">
-          <ac:chgData name="Debakker Stan" userId="dcaf6aa6-4ff3-4b00-8b67-253531728245" providerId="ADAL" clId="{5D434D30-F688-4623-B10D-9AE1AB3633DC}" dt="2025-03-08T17:23:32.570" v="3"/>
-          <ac:spMkLst>
-            <pc:docMk/>
-            <pc:sldMasterMk cId="16543733" sldId="2147483662"/>
-            <ac:spMk id="6" creationId="{00000000-0000-0000-0000-000000000000}"/>
-          </ac:spMkLst>
-        </pc:spChg>
         <pc:sldLayoutChg chg="modSp">
           <pc:chgData name="Debakker Stan" userId="dcaf6aa6-4ff3-4b00-8b67-253531728245" providerId="ADAL" clId="{5D434D30-F688-4623-B10D-9AE1AB3633DC}" dt="2025-03-08T17:23:32.570" v="3"/>
           <pc:sldLayoutMkLst>
@@ -239,24 +236,6 @@
             <pc:sldMasterMk cId="16543733" sldId="2147483662"/>
             <pc:sldLayoutMk cId="2914145079" sldId="2147483663"/>
           </pc:sldLayoutMkLst>
-          <pc:spChg chg="mod">
-            <ac:chgData name="Debakker Stan" userId="dcaf6aa6-4ff3-4b00-8b67-253531728245" providerId="ADAL" clId="{5D434D30-F688-4623-B10D-9AE1AB3633DC}" dt="2025-03-08T17:23:32.570" v="3"/>
-            <ac:spMkLst>
-              <pc:docMk/>
-              <pc:sldMasterMk cId="16543733" sldId="2147483662"/>
-              <pc:sldLayoutMk cId="2914145079" sldId="2147483663"/>
-              <ac:spMk id="2" creationId="{00000000-0000-0000-0000-000000000000}"/>
-            </ac:spMkLst>
-          </pc:spChg>
-          <pc:spChg chg="mod">
-            <ac:chgData name="Debakker Stan" userId="dcaf6aa6-4ff3-4b00-8b67-253531728245" providerId="ADAL" clId="{5D434D30-F688-4623-B10D-9AE1AB3633DC}" dt="2025-03-08T17:23:32.570" v="3"/>
-            <ac:spMkLst>
-              <pc:docMk/>
-              <pc:sldMasterMk cId="16543733" sldId="2147483662"/>
-              <pc:sldLayoutMk cId="2914145079" sldId="2147483663"/>
-              <ac:spMk id="3" creationId="{00000000-0000-0000-0000-000000000000}"/>
-            </ac:spMkLst>
-          </pc:spChg>
         </pc:sldLayoutChg>
         <pc:sldLayoutChg chg="modSp">
           <pc:chgData name="Debakker Stan" userId="dcaf6aa6-4ff3-4b00-8b67-253531728245" providerId="ADAL" clId="{5D434D30-F688-4623-B10D-9AE1AB3633DC}" dt="2025-03-08T17:23:32.570" v="3"/>
@@ -265,24 +244,6 @@
             <pc:sldMasterMk cId="16543733" sldId="2147483662"/>
             <pc:sldLayoutMk cId="4294432618" sldId="2147483665"/>
           </pc:sldLayoutMkLst>
-          <pc:spChg chg="mod">
-            <ac:chgData name="Debakker Stan" userId="dcaf6aa6-4ff3-4b00-8b67-253531728245" providerId="ADAL" clId="{5D434D30-F688-4623-B10D-9AE1AB3633DC}" dt="2025-03-08T17:23:32.570" v="3"/>
-            <ac:spMkLst>
-              <pc:docMk/>
-              <pc:sldMasterMk cId="16543733" sldId="2147483662"/>
-              <pc:sldLayoutMk cId="4294432618" sldId="2147483665"/>
-              <ac:spMk id="2" creationId="{00000000-0000-0000-0000-000000000000}"/>
-            </ac:spMkLst>
-          </pc:spChg>
-          <pc:spChg chg="mod">
-            <ac:chgData name="Debakker Stan" userId="dcaf6aa6-4ff3-4b00-8b67-253531728245" providerId="ADAL" clId="{5D434D30-F688-4623-B10D-9AE1AB3633DC}" dt="2025-03-08T17:23:32.570" v="3"/>
-            <ac:spMkLst>
-              <pc:docMk/>
-              <pc:sldMasterMk cId="16543733" sldId="2147483662"/>
-              <pc:sldLayoutMk cId="4294432618" sldId="2147483665"/>
-              <ac:spMk id="3" creationId="{00000000-0000-0000-0000-000000000000}"/>
-            </ac:spMkLst>
-          </pc:spChg>
         </pc:sldLayoutChg>
         <pc:sldLayoutChg chg="modSp">
           <pc:chgData name="Debakker Stan" userId="dcaf6aa6-4ff3-4b00-8b67-253531728245" providerId="ADAL" clId="{5D434D30-F688-4623-B10D-9AE1AB3633DC}" dt="2025-03-08T17:23:32.570" v="3"/>
@@ -291,24 +252,6 @@
             <pc:sldMasterMk cId="16543733" sldId="2147483662"/>
             <pc:sldLayoutMk cId="3106432027" sldId="2147483666"/>
           </pc:sldLayoutMkLst>
-          <pc:spChg chg="mod">
-            <ac:chgData name="Debakker Stan" userId="dcaf6aa6-4ff3-4b00-8b67-253531728245" providerId="ADAL" clId="{5D434D30-F688-4623-B10D-9AE1AB3633DC}" dt="2025-03-08T17:23:32.570" v="3"/>
-            <ac:spMkLst>
-              <pc:docMk/>
-              <pc:sldMasterMk cId="16543733" sldId="2147483662"/>
-              <pc:sldLayoutMk cId="3106432027" sldId="2147483666"/>
-              <ac:spMk id="3" creationId="{00000000-0000-0000-0000-000000000000}"/>
-            </ac:spMkLst>
-          </pc:spChg>
-          <pc:spChg chg="mod">
-            <ac:chgData name="Debakker Stan" userId="dcaf6aa6-4ff3-4b00-8b67-253531728245" providerId="ADAL" clId="{5D434D30-F688-4623-B10D-9AE1AB3633DC}" dt="2025-03-08T17:23:32.570" v="3"/>
-            <ac:spMkLst>
-              <pc:docMk/>
-              <pc:sldMasterMk cId="16543733" sldId="2147483662"/>
-              <pc:sldLayoutMk cId="3106432027" sldId="2147483666"/>
-              <ac:spMk id="4" creationId="{00000000-0000-0000-0000-000000000000}"/>
-            </ac:spMkLst>
-          </pc:spChg>
         </pc:sldLayoutChg>
         <pc:sldLayoutChg chg="modSp">
           <pc:chgData name="Debakker Stan" userId="dcaf6aa6-4ff3-4b00-8b67-253531728245" providerId="ADAL" clId="{5D434D30-F688-4623-B10D-9AE1AB3633DC}" dt="2025-03-08T17:23:32.570" v="3"/>
@@ -317,51 +260,6 @@
             <pc:sldMasterMk cId="16543733" sldId="2147483662"/>
             <pc:sldLayoutMk cId="2361518880" sldId="2147483667"/>
           </pc:sldLayoutMkLst>
-          <pc:spChg chg="mod">
-            <ac:chgData name="Debakker Stan" userId="dcaf6aa6-4ff3-4b00-8b67-253531728245" providerId="ADAL" clId="{5D434D30-F688-4623-B10D-9AE1AB3633DC}" dt="2025-03-08T17:23:32.570" v="3"/>
-            <ac:spMkLst>
-              <pc:docMk/>
-              <pc:sldMasterMk cId="16543733" sldId="2147483662"/>
-              <pc:sldLayoutMk cId="2361518880" sldId="2147483667"/>
-              <ac:spMk id="2" creationId="{00000000-0000-0000-0000-000000000000}"/>
-            </ac:spMkLst>
-          </pc:spChg>
-          <pc:spChg chg="mod">
-            <ac:chgData name="Debakker Stan" userId="dcaf6aa6-4ff3-4b00-8b67-253531728245" providerId="ADAL" clId="{5D434D30-F688-4623-B10D-9AE1AB3633DC}" dt="2025-03-08T17:23:32.570" v="3"/>
-            <ac:spMkLst>
-              <pc:docMk/>
-              <pc:sldMasterMk cId="16543733" sldId="2147483662"/>
-              <pc:sldLayoutMk cId="2361518880" sldId="2147483667"/>
-              <ac:spMk id="3" creationId="{00000000-0000-0000-0000-000000000000}"/>
-            </ac:spMkLst>
-          </pc:spChg>
-          <pc:spChg chg="mod">
-            <ac:chgData name="Debakker Stan" userId="dcaf6aa6-4ff3-4b00-8b67-253531728245" providerId="ADAL" clId="{5D434D30-F688-4623-B10D-9AE1AB3633DC}" dt="2025-03-08T17:23:32.570" v="3"/>
-            <ac:spMkLst>
-              <pc:docMk/>
-              <pc:sldMasterMk cId="16543733" sldId="2147483662"/>
-              <pc:sldLayoutMk cId="2361518880" sldId="2147483667"/>
-              <ac:spMk id="4" creationId="{00000000-0000-0000-0000-000000000000}"/>
-            </ac:spMkLst>
-          </pc:spChg>
-          <pc:spChg chg="mod">
-            <ac:chgData name="Debakker Stan" userId="dcaf6aa6-4ff3-4b00-8b67-253531728245" providerId="ADAL" clId="{5D434D30-F688-4623-B10D-9AE1AB3633DC}" dt="2025-03-08T17:23:32.570" v="3"/>
-            <ac:spMkLst>
-              <pc:docMk/>
-              <pc:sldMasterMk cId="16543733" sldId="2147483662"/>
-              <pc:sldLayoutMk cId="2361518880" sldId="2147483667"/>
-              <ac:spMk id="5" creationId="{00000000-0000-0000-0000-000000000000}"/>
-            </ac:spMkLst>
-          </pc:spChg>
-          <pc:spChg chg="mod">
-            <ac:chgData name="Debakker Stan" userId="dcaf6aa6-4ff3-4b00-8b67-253531728245" providerId="ADAL" clId="{5D434D30-F688-4623-B10D-9AE1AB3633DC}" dt="2025-03-08T17:23:32.570" v="3"/>
-            <ac:spMkLst>
-              <pc:docMk/>
-              <pc:sldMasterMk cId="16543733" sldId="2147483662"/>
-              <pc:sldLayoutMk cId="2361518880" sldId="2147483667"/>
-              <ac:spMk id="6" creationId="{00000000-0000-0000-0000-000000000000}"/>
-            </ac:spMkLst>
-          </pc:spChg>
         </pc:sldLayoutChg>
         <pc:sldLayoutChg chg="modSp">
           <pc:chgData name="Debakker Stan" userId="dcaf6aa6-4ff3-4b00-8b67-253531728245" providerId="ADAL" clId="{5D434D30-F688-4623-B10D-9AE1AB3633DC}" dt="2025-03-08T17:23:32.570" v="3"/>
@@ -370,33 +268,6 @@
             <pc:sldMasterMk cId="16543733" sldId="2147483662"/>
             <pc:sldLayoutMk cId="61676614" sldId="2147483670"/>
           </pc:sldLayoutMkLst>
-          <pc:spChg chg="mod">
-            <ac:chgData name="Debakker Stan" userId="dcaf6aa6-4ff3-4b00-8b67-253531728245" providerId="ADAL" clId="{5D434D30-F688-4623-B10D-9AE1AB3633DC}" dt="2025-03-08T17:23:32.570" v="3"/>
-            <ac:spMkLst>
-              <pc:docMk/>
-              <pc:sldMasterMk cId="16543733" sldId="2147483662"/>
-              <pc:sldLayoutMk cId="61676614" sldId="2147483670"/>
-              <ac:spMk id="2" creationId="{00000000-0000-0000-0000-000000000000}"/>
-            </ac:spMkLst>
-          </pc:spChg>
-          <pc:spChg chg="mod">
-            <ac:chgData name="Debakker Stan" userId="dcaf6aa6-4ff3-4b00-8b67-253531728245" providerId="ADAL" clId="{5D434D30-F688-4623-B10D-9AE1AB3633DC}" dt="2025-03-08T17:23:32.570" v="3"/>
-            <ac:spMkLst>
-              <pc:docMk/>
-              <pc:sldMasterMk cId="16543733" sldId="2147483662"/>
-              <pc:sldLayoutMk cId="61676614" sldId="2147483670"/>
-              <ac:spMk id="3" creationId="{00000000-0000-0000-0000-000000000000}"/>
-            </ac:spMkLst>
-          </pc:spChg>
-          <pc:spChg chg="mod">
-            <ac:chgData name="Debakker Stan" userId="dcaf6aa6-4ff3-4b00-8b67-253531728245" providerId="ADAL" clId="{5D434D30-F688-4623-B10D-9AE1AB3633DC}" dt="2025-03-08T17:23:32.570" v="3"/>
-            <ac:spMkLst>
-              <pc:docMk/>
-              <pc:sldMasterMk cId="16543733" sldId="2147483662"/>
-              <pc:sldLayoutMk cId="61676614" sldId="2147483670"/>
-              <ac:spMk id="4" creationId="{00000000-0000-0000-0000-000000000000}"/>
-            </ac:spMkLst>
-          </pc:spChg>
         </pc:sldLayoutChg>
         <pc:sldLayoutChg chg="modSp">
           <pc:chgData name="Debakker Stan" userId="dcaf6aa6-4ff3-4b00-8b67-253531728245" providerId="ADAL" clId="{5D434D30-F688-4623-B10D-9AE1AB3633DC}" dt="2025-03-08T17:23:32.570" v="3"/>
@@ -405,33 +276,6 @@
             <pc:sldMasterMk cId="16543733" sldId="2147483662"/>
             <pc:sldLayoutMk cId="1857027653" sldId="2147483671"/>
           </pc:sldLayoutMkLst>
-          <pc:spChg chg="mod">
-            <ac:chgData name="Debakker Stan" userId="dcaf6aa6-4ff3-4b00-8b67-253531728245" providerId="ADAL" clId="{5D434D30-F688-4623-B10D-9AE1AB3633DC}" dt="2025-03-08T17:23:32.570" v="3"/>
-            <ac:spMkLst>
-              <pc:docMk/>
-              <pc:sldMasterMk cId="16543733" sldId="2147483662"/>
-              <pc:sldLayoutMk cId="1857027653" sldId="2147483671"/>
-              <ac:spMk id="2" creationId="{00000000-0000-0000-0000-000000000000}"/>
-            </ac:spMkLst>
-          </pc:spChg>
-          <pc:spChg chg="mod">
-            <ac:chgData name="Debakker Stan" userId="dcaf6aa6-4ff3-4b00-8b67-253531728245" providerId="ADAL" clId="{5D434D30-F688-4623-B10D-9AE1AB3633DC}" dt="2025-03-08T17:23:32.570" v="3"/>
-            <ac:spMkLst>
-              <pc:docMk/>
-              <pc:sldMasterMk cId="16543733" sldId="2147483662"/>
-              <pc:sldLayoutMk cId="1857027653" sldId="2147483671"/>
-              <ac:spMk id="3" creationId="{00000000-0000-0000-0000-000000000000}"/>
-            </ac:spMkLst>
-          </pc:spChg>
-          <pc:spChg chg="mod">
-            <ac:chgData name="Debakker Stan" userId="dcaf6aa6-4ff3-4b00-8b67-253531728245" providerId="ADAL" clId="{5D434D30-F688-4623-B10D-9AE1AB3633DC}" dt="2025-03-08T17:23:32.570" v="3"/>
-            <ac:spMkLst>
-              <pc:docMk/>
-              <pc:sldMasterMk cId="16543733" sldId="2147483662"/>
-              <pc:sldLayoutMk cId="1857027653" sldId="2147483671"/>
-              <ac:spMk id="4" creationId="{00000000-0000-0000-0000-000000000000}"/>
-            </ac:spMkLst>
-          </pc:spChg>
         </pc:sldLayoutChg>
         <pc:sldLayoutChg chg="modSp">
           <pc:chgData name="Debakker Stan" userId="dcaf6aa6-4ff3-4b00-8b67-253531728245" providerId="ADAL" clId="{5D434D30-F688-4623-B10D-9AE1AB3633DC}" dt="2025-03-08T17:23:32.570" v="3"/>
@@ -440,24 +284,6 @@
             <pc:sldMasterMk cId="16543733" sldId="2147483662"/>
             <pc:sldLayoutMk cId="1903807105" sldId="2147483673"/>
           </pc:sldLayoutMkLst>
-          <pc:spChg chg="mod">
-            <ac:chgData name="Debakker Stan" userId="dcaf6aa6-4ff3-4b00-8b67-253531728245" providerId="ADAL" clId="{5D434D30-F688-4623-B10D-9AE1AB3633DC}" dt="2025-03-08T17:23:32.570" v="3"/>
-            <ac:spMkLst>
-              <pc:docMk/>
-              <pc:sldMasterMk cId="16543733" sldId="2147483662"/>
-              <pc:sldLayoutMk cId="1903807105" sldId="2147483673"/>
-              <ac:spMk id="2" creationId="{00000000-0000-0000-0000-000000000000}"/>
-            </ac:spMkLst>
-          </pc:spChg>
-          <pc:spChg chg="mod">
-            <ac:chgData name="Debakker Stan" userId="dcaf6aa6-4ff3-4b00-8b67-253531728245" providerId="ADAL" clId="{5D434D30-F688-4623-B10D-9AE1AB3633DC}" dt="2025-03-08T17:23:32.570" v="3"/>
-            <ac:spMkLst>
-              <pc:docMk/>
-              <pc:sldMasterMk cId="16543733" sldId="2147483662"/>
-              <pc:sldLayoutMk cId="1903807105" sldId="2147483673"/>
-              <ac:spMk id="3" creationId="{00000000-0000-0000-0000-000000000000}"/>
-            </ac:spMkLst>
-          </pc:spChg>
         </pc:sldLayoutChg>
       </pc:sldMasterChg>
     </pc:docChg>
@@ -494,15 +320,15 @@
         </p:nvSpPr>
         <p:spPr>
           <a:xfrm>
-            <a:off x="2268023" y="6952156"/>
-            <a:ext cx="25704245" cy="14789303"/>
+            <a:off x="960120" y="3142097"/>
+            <a:ext cx="10881360" cy="6684175"/>
           </a:xfrm>
         </p:spPr>
         <p:txBody>
           <a:bodyPr anchor="b"/>
           <a:lstStyle>
             <a:lvl1pPr algn="ctr">
-              <a:defRPr sz="19844"/>
+              <a:defRPr sz="8400"/>
             </a:lvl1pPr>
           </a:lstStyle>
           <a:p>
@@ -526,8 +352,8 @@
         </p:nvSpPr>
         <p:spPr>
           <a:xfrm>
-            <a:off x="3780036" y="22311792"/>
-            <a:ext cx="22680216" cy="10256143"/>
+            <a:off x="1600200" y="10084039"/>
+            <a:ext cx="9601200" cy="4635367"/>
           </a:xfrm>
         </p:spPr>
         <p:txBody>
@@ -535,39 +361,39 @@
           <a:lstStyle>
             <a:lvl1pPr marL="0" indent="0" algn="ctr">
               <a:buNone/>
-              <a:defRPr sz="7938"/>
+              <a:defRPr sz="3360"/>
             </a:lvl1pPr>
-            <a:lvl2pPr marL="1512101" indent="0" algn="ctr">
-              <a:buNone/>
-              <a:defRPr sz="6614"/>
+            <a:lvl2pPr marL="640080" indent="0" algn="ctr">
+              <a:buNone/>
+              <a:defRPr sz="2800"/>
             </a:lvl2pPr>
-            <a:lvl3pPr marL="3024203" indent="0" algn="ctr">
-              <a:buNone/>
-              <a:defRPr sz="5953"/>
+            <a:lvl3pPr marL="1280160" indent="0" algn="ctr">
+              <a:buNone/>
+              <a:defRPr sz="2520"/>
             </a:lvl3pPr>
-            <a:lvl4pPr marL="4536304" indent="0" algn="ctr">
-              <a:buNone/>
-              <a:defRPr sz="5291"/>
+            <a:lvl4pPr marL="1920240" indent="0" algn="ctr">
+              <a:buNone/>
+              <a:defRPr sz="2240"/>
             </a:lvl4pPr>
-            <a:lvl5pPr marL="6048405" indent="0" algn="ctr">
-              <a:buNone/>
-              <a:defRPr sz="5291"/>
+            <a:lvl5pPr marL="2560320" indent="0" algn="ctr">
+              <a:buNone/>
+              <a:defRPr sz="2240"/>
             </a:lvl5pPr>
-            <a:lvl6pPr marL="7560507" indent="0" algn="ctr">
-              <a:buNone/>
-              <a:defRPr sz="5291"/>
+            <a:lvl6pPr marL="3200400" indent="0" algn="ctr">
+              <a:buNone/>
+              <a:defRPr sz="2240"/>
             </a:lvl6pPr>
-            <a:lvl7pPr marL="9072608" indent="0" algn="ctr">
-              <a:buNone/>
-              <a:defRPr sz="5291"/>
+            <a:lvl7pPr marL="3840480" indent="0" algn="ctr">
+              <a:buNone/>
+              <a:defRPr sz="2240"/>
             </a:lvl7pPr>
-            <a:lvl8pPr marL="10584710" indent="0" algn="ctr">
-              <a:buNone/>
-              <a:defRPr sz="5291"/>
+            <a:lvl8pPr marL="4480560" indent="0" algn="ctr">
+              <a:buNone/>
+              <a:defRPr sz="2240"/>
             </a:lvl8pPr>
-            <a:lvl9pPr marL="12096811" indent="0" algn="ctr">
-              <a:buNone/>
-              <a:defRPr sz="5291"/>
+            <a:lvl9pPr marL="5120640" indent="0" algn="ctr">
+              <a:buNone/>
+              <a:defRPr sz="2240"/>
             </a:lvl9pPr>
           </a:lstStyle>
           <a:p>
@@ -596,7 +422,7 @@
           <a:p>
             <a:fld id="{C764DE79-268F-4C1A-8933-263129D2AF90}" type="datetimeFigureOut">
               <a:rPr lang="en-US" smtClean="0"/>
-              <a:t>3/8/2025</a:t>
+              <a:t>3/10/2025</a:t>
             </a:fld>
             <a:endParaRPr lang="en-US" dirty="0"/>
           </a:p>
@@ -647,7 +473,7 @@
     </p:spTree>
     <p:extLst>
       <p:ext uri="{BB962C8B-B14F-4D97-AF65-F5344CB8AC3E}">
-        <p14:creationId xmlns:p14="http://schemas.microsoft.com/office/powerpoint/2010/main" val="2914145079"/>
+        <p14:creationId xmlns:p14="http://schemas.microsoft.com/office/powerpoint/2010/main" val="2167476960"/>
       </p:ext>
     </p:extLst>
   </p:cSld>
@@ -766,7 +592,7 @@
           <a:p>
             <a:fld id="{C764DE79-268F-4C1A-8933-263129D2AF90}" type="datetimeFigureOut">
               <a:rPr lang="en-US" smtClean="0"/>
-              <a:t>3/8/2025</a:t>
+              <a:t>3/10/2025</a:t>
             </a:fld>
             <a:endParaRPr lang="en-US" dirty="0"/>
           </a:p>
@@ -817,7 +643,7 @@
     </p:spTree>
     <p:extLst>
       <p:ext uri="{BB962C8B-B14F-4D97-AF65-F5344CB8AC3E}">
-        <p14:creationId xmlns:p14="http://schemas.microsoft.com/office/powerpoint/2010/main" val="575231255"/>
+        <p14:creationId xmlns:p14="http://schemas.microsoft.com/office/powerpoint/2010/main" val="1122865457"/>
       </p:ext>
     </p:extLst>
   </p:cSld>
@@ -856,8 +682,8 @@
         </p:nvSpPr>
         <p:spPr>
           <a:xfrm>
-            <a:off x="21640708" y="2261662"/>
-            <a:ext cx="6520562" cy="35999763"/>
+            <a:off x="9161146" y="1022181"/>
+            <a:ext cx="2760345" cy="16270456"/>
           </a:xfrm>
         </p:spPr>
         <p:txBody>
@@ -884,8 +710,8 @@
         </p:nvSpPr>
         <p:spPr>
           <a:xfrm>
-            <a:off x="2079022" y="2261662"/>
-            <a:ext cx="19183683" cy="35999763"/>
+            <a:off x="880111" y="1022181"/>
+            <a:ext cx="8121015" cy="16270456"/>
           </a:xfrm>
         </p:spPr>
         <p:txBody>
@@ -946,7 +772,7 @@
           <a:p>
             <a:fld id="{C764DE79-268F-4C1A-8933-263129D2AF90}" type="datetimeFigureOut">
               <a:rPr lang="en-US" smtClean="0"/>
-              <a:t>3/8/2025</a:t>
+              <a:t>3/10/2025</a:t>
             </a:fld>
             <a:endParaRPr lang="en-US" dirty="0"/>
           </a:p>
@@ -997,7 +823,7 @@
     </p:spTree>
     <p:extLst>
       <p:ext uri="{BB962C8B-B14F-4D97-AF65-F5344CB8AC3E}">
-        <p14:creationId xmlns:p14="http://schemas.microsoft.com/office/powerpoint/2010/main" val="1903807105"/>
+        <p14:creationId xmlns:p14="http://schemas.microsoft.com/office/powerpoint/2010/main" val="2273069917"/>
       </p:ext>
     </p:extLst>
   </p:cSld>
@@ -1116,7 +942,7 @@
           <a:p>
             <a:fld id="{C764DE79-268F-4C1A-8933-263129D2AF90}" type="datetimeFigureOut">
               <a:rPr lang="en-US" smtClean="0"/>
-              <a:t>3/8/2025</a:t>
+              <a:t>3/10/2025</a:t>
             </a:fld>
             <a:endParaRPr lang="en-US" dirty="0"/>
           </a:p>
@@ -1167,7 +993,7 @@
     </p:spTree>
     <p:extLst>
       <p:ext uri="{BB962C8B-B14F-4D97-AF65-F5344CB8AC3E}">
-        <p14:creationId xmlns:p14="http://schemas.microsoft.com/office/powerpoint/2010/main" val="419866460"/>
+        <p14:creationId xmlns:p14="http://schemas.microsoft.com/office/powerpoint/2010/main" val="4015711229"/>
       </p:ext>
     </p:extLst>
   </p:cSld>
@@ -1206,15 +1032,15 @@
         </p:nvSpPr>
         <p:spPr>
           <a:xfrm>
-            <a:off x="2063272" y="10590491"/>
-            <a:ext cx="26082248" cy="17670462"/>
+            <a:off x="873443" y="4786479"/>
+            <a:ext cx="11041380" cy="7986343"/>
           </a:xfrm>
         </p:spPr>
         <p:txBody>
           <a:bodyPr anchor="b"/>
           <a:lstStyle>
             <a:lvl1pPr>
-              <a:defRPr sz="19844"/>
+              <a:defRPr sz="8400"/>
             </a:lvl1pPr>
           </a:lstStyle>
           <a:p>
@@ -1238,8 +1064,8 @@
         </p:nvSpPr>
         <p:spPr>
           <a:xfrm>
-            <a:off x="2063272" y="28428122"/>
-            <a:ext cx="26082248" cy="9292477"/>
+            <a:off x="873443" y="12848376"/>
+            <a:ext cx="11041380" cy="4199829"/>
           </a:xfrm>
         </p:spPr>
         <p:txBody>
@@ -1247,7 +1073,7 @@
           <a:lstStyle>
             <a:lvl1pPr marL="0" indent="0">
               <a:buNone/>
-              <a:defRPr sz="7938">
+              <a:defRPr sz="3360">
                 <a:solidFill>
                   <a:schemeClr val="tx1">
                     <a:tint val="82000"/>
@@ -1255,9 +1081,9 @@
                 </a:solidFill>
               </a:defRPr>
             </a:lvl1pPr>
-            <a:lvl2pPr marL="1512101" indent="0">
-              <a:buNone/>
-              <a:defRPr sz="6614">
+            <a:lvl2pPr marL="640080" indent="0">
+              <a:buNone/>
+              <a:defRPr sz="2800">
                 <a:solidFill>
                   <a:schemeClr val="tx1">
                     <a:tint val="82000"/>
@@ -1265,9 +1091,9 @@
                 </a:solidFill>
               </a:defRPr>
             </a:lvl2pPr>
-            <a:lvl3pPr marL="3024203" indent="0">
-              <a:buNone/>
-              <a:defRPr sz="5953">
+            <a:lvl3pPr marL="1280160" indent="0">
+              <a:buNone/>
+              <a:defRPr sz="2520">
                 <a:solidFill>
                   <a:schemeClr val="tx1">
                     <a:tint val="82000"/>
@@ -1275,9 +1101,9 @@
                 </a:solidFill>
               </a:defRPr>
             </a:lvl3pPr>
-            <a:lvl4pPr marL="4536304" indent="0">
-              <a:buNone/>
-              <a:defRPr sz="5291">
+            <a:lvl4pPr marL="1920240" indent="0">
+              <a:buNone/>
+              <a:defRPr sz="2240">
                 <a:solidFill>
                   <a:schemeClr val="tx1">
                     <a:tint val="82000"/>
@@ -1285,9 +1111,9 @@
                 </a:solidFill>
               </a:defRPr>
             </a:lvl4pPr>
-            <a:lvl5pPr marL="6048405" indent="0">
-              <a:buNone/>
-              <a:defRPr sz="5291">
+            <a:lvl5pPr marL="2560320" indent="0">
+              <a:buNone/>
+              <a:defRPr sz="2240">
                 <a:solidFill>
                   <a:schemeClr val="tx1">
                     <a:tint val="82000"/>
@@ -1295,9 +1121,9 @@
                 </a:solidFill>
               </a:defRPr>
             </a:lvl5pPr>
-            <a:lvl6pPr marL="7560507" indent="0">
-              <a:buNone/>
-              <a:defRPr sz="5291">
+            <a:lvl6pPr marL="3200400" indent="0">
+              <a:buNone/>
+              <a:defRPr sz="2240">
                 <a:solidFill>
                   <a:schemeClr val="tx1">
                     <a:tint val="82000"/>
@@ -1305,9 +1131,9 @@
                 </a:solidFill>
               </a:defRPr>
             </a:lvl6pPr>
-            <a:lvl7pPr marL="9072608" indent="0">
-              <a:buNone/>
-              <a:defRPr sz="5291">
+            <a:lvl7pPr marL="3840480" indent="0">
+              <a:buNone/>
+              <a:defRPr sz="2240">
                 <a:solidFill>
                   <a:schemeClr val="tx1">
                     <a:tint val="82000"/>
@@ -1315,9 +1141,9 @@
                 </a:solidFill>
               </a:defRPr>
             </a:lvl7pPr>
-            <a:lvl8pPr marL="10584710" indent="0">
-              <a:buNone/>
-              <a:defRPr sz="5291">
+            <a:lvl8pPr marL="4480560" indent="0">
+              <a:buNone/>
+              <a:defRPr sz="2240">
                 <a:solidFill>
                   <a:schemeClr val="tx1">
                     <a:tint val="82000"/>
@@ -1325,9 +1151,9 @@
                 </a:solidFill>
               </a:defRPr>
             </a:lvl8pPr>
-            <a:lvl9pPr marL="12096811" indent="0">
-              <a:buNone/>
-              <a:defRPr sz="5291">
+            <a:lvl9pPr marL="5120640" indent="0">
+              <a:buNone/>
+              <a:defRPr sz="2240">
                 <a:solidFill>
                   <a:schemeClr val="tx1">
                     <a:tint val="82000"/>
@@ -1362,7 +1188,7 @@
           <a:p>
             <a:fld id="{C764DE79-268F-4C1A-8933-263129D2AF90}" type="datetimeFigureOut">
               <a:rPr lang="en-US" smtClean="0"/>
-              <a:t>3/8/2025</a:t>
+              <a:t>3/10/2025</a:t>
             </a:fld>
             <a:endParaRPr lang="en-US" dirty="0"/>
           </a:p>
@@ -1413,7 +1239,7 @@
     </p:spTree>
     <p:extLst>
       <p:ext uri="{BB962C8B-B14F-4D97-AF65-F5344CB8AC3E}">
-        <p14:creationId xmlns:p14="http://schemas.microsoft.com/office/powerpoint/2010/main" val="4294432618"/>
+        <p14:creationId xmlns:p14="http://schemas.microsoft.com/office/powerpoint/2010/main" val="3653507553"/>
       </p:ext>
     </p:extLst>
   </p:cSld>
@@ -1475,8 +1301,8 @@
         </p:nvSpPr>
         <p:spPr>
           <a:xfrm>
-            <a:off x="2079021" y="11308310"/>
-            <a:ext cx="12852122" cy="26953115"/>
+            <a:off x="880110" y="5110905"/>
+            <a:ext cx="5440680" cy="12181732"/>
           </a:xfrm>
         </p:spPr>
         <p:txBody>
@@ -1532,8 +1358,8 @@
         </p:nvSpPr>
         <p:spPr>
           <a:xfrm>
-            <a:off x="15309147" y="11308310"/>
-            <a:ext cx="12852122" cy="26953115"/>
+            <a:off x="6480810" y="5110905"/>
+            <a:ext cx="5440680" cy="12181732"/>
           </a:xfrm>
         </p:spPr>
         <p:txBody>
@@ -1594,7 +1420,7 @@
           <a:p>
             <a:fld id="{C764DE79-268F-4C1A-8933-263129D2AF90}" type="datetimeFigureOut">
               <a:rPr lang="en-US" smtClean="0"/>
-              <a:t>3/8/2025</a:t>
+              <a:t>3/10/2025</a:t>
             </a:fld>
             <a:endParaRPr lang="en-US" dirty="0"/>
           </a:p>
@@ -1645,7 +1471,7 @@
     </p:spTree>
     <p:extLst>
       <p:ext uri="{BB962C8B-B14F-4D97-AF65-F5344CB8AC3E}">
-        <p14:creationId xmlns:p14="http://schemas.microsoft.com/office/powerpoint/2010/main" val="3106432027"/>
+        <p14:creationId xmlns:p14="http://schemas.microsoft.com/office/powerpoint/2010/main" val="160214893"/>
       </p:ext>
     </p:extLst>
   </p:cSld>
@@ -1684,8 +1510,8 @@
         </p:nvSpPr>
         <p:spPr>
           <a:xfrm>
-            <a:off x="2082959" y="2261672"/>
-            <a:ext cx="26082248" cy="8210820"/>
+            <a:off x="881777" y="1022185"/>
+            <a:ext cx="11041380" cy="3710963"/>
           </a:xfrm>
         </p:spPr>
         <p:txBody>
@@ -1712,8 +1538,8 @@
         </p:nvSpPr>
         <p:spPr>
           <a:xfrm>
-            <a:off x="2082962" y="10413482"/>
-            <a:ext cx="12793057" cy="5103486"/>
+            <a:off x="881779" y="4706478"/>
+            <a:ext cx="5415676" cy="2306572"/>
           </a:xfrm>
         </p:spPr>
         <p:txBody>
@@ -1721,39 +1547,39 @@
           <a:lstStyle>
             <a:lvl1pPr marL="0" indent="0">
               <a:buNone/>
-              <a:defRPr sz="7938" b="1"/>
+              <a:defRPr sz="3360" b="1"/>
             </a:lvl1pPr>
-            <a:lvl2pPr marL="1512101" indent="0">
-              <a:buNone/>
-              <a:defRPr sz="6614" b="1"/>
+            <a:lvl2pPr marL="640080" indent="0">
+              <a:buNone/>
+              <a:defRPr sz="2800" b="1"/>
             </a:lvl2pPr>
-            <a:lvl3pPr marL="3024203" indent="0">
-              <a:buNone/>
-              <a:defRPr sz="5953" b="1"/>
+            <a:lvl3pPr marL="1280160" indent="0">
+              <a:buNone/>
+              <a:defRPr sz="2520" b="1"/>
             </a:lvl3pPr>
-            <a:lvl4pPr marL="4536304" indent="0">
-              <a:buNone/>
-              <a:defRPr sz="5291" b="1"/>
+            <a:lvl4pPr marL="1920240" indent="0">
+              <a:buNone/>
+              <a:defRPr sz="2240" b="1"/>
             </a:lvl4pPr>
-            <a:lvl5pPr marL="6048405" indent="0">
-              <a:buNone/>
-              <a:defRPr sz="5291" b="1"/>
+            <a:lvl5pPr marL="2560320" indent="0">
+              <a:buNone/>
+              <a:defRPr sz="2240" b="1"/>
             </a:lvl5pPr>
-            <a:lvl6pPr marL="7560507" indent="0">
-              <a:buNone/>
-              <a:defRPr sz="5291" b="1"/>
+            <a:lvl6pPr marL="3200400" indent="0">
+              <a:buNone/>
+              <a:defRPr sz="2240" b="1"/>
             </a:lvl6pPr>
-            <a:lvl7pPr marL="9072608" indent="0">
-              <a:buNone/>
-              <a:defRPr sz="5291" b="1"/>
+            <a:lvl7pPr marL="3840480" indent="0">
+              <a:buNone/>
+              <a:defRPr sz="2240" b="1"/>
             </a:lvl7pPr>
-            <a:lvl8pPr marL="10584710" indent="0">
-              <a:buNone/>
-              <a:defRPr sz="5291" b="1"/>
+            <a:lvl8pPr marL="4480560" indent="0">
+              <a:buNone/>
+              <a:defRPr sz="2240" b="1"/>
             </a:lvl8pPr>
-            <a:lvl9pPr marL="12096811" indent="0">
-              <a:buNone/>
-              <a:defRPr sz="5291" b="1"/>
+            <a:lvl9pPr marL="5120640" indent="0">
+              <a:buNone/>
+              <a:defRPr sz="2240" b="1"/>
             </a:lvl9pPr>
           </a:lstStyle>
           <a:p>
@@ -1777,8 +1603,8 @@
         </p:nvSpPr>
         <p:spPr>
           <a:xfrm>
-            <a:off x="2082962" y="15516968"/>
-            <a:ext cx="12793057" cy="22823124"/>
+            <a:off x="881779" y="7013050"/>
+            <a:ext cx="5415676" cy="10315141"/>
           </a:xfrm>
         </p:spPr>
         <p:txBody>
@@ -1834,8 +1660,8 @@
         </p:nvSpPr>
         <p:spPr>
           <a:xfrm>
-            <a:off x="15309149" y="10413482"/>
-            <a:ext cx="12856061" cy="5103486"/>
+            <a:off x="6480811" y="4706478"/>
+            <a:ext cx="5442347" cy="2306572"/>
           </a:xfrm>
         </p:spPr>
         <p:txBody>
@@ -1843,39 +1669,39 @@
           <a:lstStyle>
             <a:lvl1pPr marL="0" indent="0">
               <a:buNone/>
-              <a:defRPr sz="7938" b="1"/>
+              <a:defRPr sz="3360" b="1"/>
             </a:lvl1pPr>
-            <a:lvl2pPr marL="1512101" indent="0">
-              <a:buNone/>
-              <a:defRPr sz="6614" b="1"/>
+            <a:lvl2pPr marL="640080" indent="0">
+              <a:buNone/>
+              <a:defRPr sz="2800" b="1"/>
             </a:lvl2pPr>
-            <a:lvl3pPr marL="3024203" indent="0">
-              <a:buNone/>
-              <a:defRPr sz="5953" b="1"/>
+            <a:lvl3pPr marL="1280160" indent="0">
+              <a:buNone/>
+              <a:defRPr sz="2520" b="1"/>
             </a:lvl3pPr>
-            <a:lvl4pPr marL="4536304" indent="0">
-              <a:buNone/>
-              <a:defRPr sz="5291" b="1"/>
+            <a:lvl4pPr marL="1920240" indent="0">
+              <a:buNone/>
+              <a:defRPr sz="2240" b="1"/>
             </a:lvl4pPr>
-            <a:lvl5pPr marL="6048405" indent="0">
-              <a:buNone/>
-              <a:defRPr sz="5291" b="1"/>
+            <a:lvl5pPr marL="2560320" indent="0">
+              <a:buNone/>
+              <a:defRPr sz="2240" b="1"/>
             </a:lvl5pPr>
-            <a:lvl6pPr marL="7560507" indent="0">
-              <a:buNone/>
-              <a:defRPr sz="5291" b="1"/>
+            <a:lvl6pPr marL="3200400" indent="0">
+              <a:buNone/>
+              <a:defRPr sz="2240" b="1"/>
             </a:lvl6pPr>
-            <a:lvl7pPr marL="9072608" indent="0">
-              <a:buNone/>
-              <a:defRPr sz="5291" b="1"/>
+            <a:lvl7pPr marL="3840480" indent="0">
+              <a:buNone/>
+              <a:defRPr sz="2240" b="1"/>
             </a:lvl7pPr>
-            <a:lvl8pPr marL="10584710" indent="0">
-              <a:buNone/>
-              <a:defRPr sz="5291" b="1"/>
+            <a:lvl8pPr marL="4480560" indent="0">
+              <a:buNone/>
+              <a:defRPr sz="2240" b="1"/>
             </a:lvl8pPr>
-            <a:lvl9pPr marL="12096811" indent="0">
-              <a:buNone/>
-              <a:defRPr sz="5291" b="1"/>
+            <a:lvl9pPr marL="5120640" indent="0">
+              <a:buNone/>
+              <a:defRPr sz="2240" b="1"/>
             </a:lvl9pPr>
           </a:lstStyle>
           <a:p>
@@ -1899,8 +1725,8 @@
         </p:nvSpPr>
         <p:spPr>
           <a:xfrm>
-            <a:off x="15309149" y="15516968"/>
-            <a:ext cx="12856061" cy="22823124"/>
+            <a:off x="6480811" y="7013050"/>
+            <a:ext cx="5442347" cy="10315141"/>
           </a:xfrm>
         </p:spPr>
         <p:txBody>
@@ -1961,7 +1787,7 @@
           <a:p>
             <a:fld id="{C764DE79-268F-4C1A-8933-263129D2AF90}" type="datetimeFigureOut">
               <a:rPr lang="en-US" smtClean="0"/>
-              <a:t>3/8/2025</a:t>
+              <a:t>3/10/2025</a:t>
             </a:fld>
             <a:endParaRPr lang="en-US" dirty="0"/>
           </a:p>
@@ -2012,7 +1838,7 @@
     </p:spTree>
     <p:extLst>
       <p:ext uri="{BB962C8B-B14F-4D97-AF65-F5344CB8AC3E}">
-        <p14:creationId xmlns:p14="http://schemas.microsoft.com/office/powerpoint/2010/main" val="2361518880"/>
+        <p14:creationId xmlns:p14="http://schemas.microsoft.com/office/powerpoint/2010/main" val="1251177191"/>
       </p:ext>
     </p:extLst>
   </p:cSld>
@@ -2079,7 +1905,7 @@
           <a:p>
             <a:fld id="{C764DE79-268F-4C1A-8933-263129D2AF90}" type="datetimeFigureOut">
               <a:rPr lang="en-US" smtClean="0"/>
-              <a:t>3/8/2025</a:t>
+              <a:t>3/10/2025</a:t>
             </a:fld>
             <a:endParaRPr lang="en-US" dirty="0"/>
           </a:p>
@@ -2130,7 +1956,7 @@
     </p:spTree>
     <p:extLst>
       <p:ext uri="{BB962C8B-B14F-4D97-AF65-F5344CB8AC3E}">
-        <p14:creationId xmlns:p14="http://schemas.microsoft.com/office/powerpoint/2010/main" val="2298406225"/>
+        <p14:creationId xmlns:p14="http://schemas.microsoft.com/office/powerpoint/2010/main" val="155240114"/>
       </p:ext>
     </p:extLst>
   </p:cSld>
@@ -2174,7 +2000,7 @@
           <a:p>
             <a:fld id="{C764DE79-268F-4C1A-8933-263129D2AF90}" type="datetimeFigureOut">
               <a:rPr lang="en-US" smtClean="0"/>
-              <a:t>3/8/2025</a:t>
+              <a:t>3/10/2025</a:t>
             </a:fld>
             <a:endParaRPr lang="en-US" dirty="0"/>
           </a:p>
@@ -2225,7 +2051,7 @@
     </p:spTree>
     <p:extLst>
       <p:ext uri="{BB962C8B-B14F-4D97-AF65-F5344CB8AC3E}">
-        <p14:creationId xmlns:p14="http://schemas.microsoft.com/office/powerpoint/2010/main" val="2175800876"/>
+        <p14:creationId xmlns:p14="http://schemas.microsoft.com/office/powerpoint/2010/main" val="287029217"/>
       </p:ext>
     </p:extLst>
   </p:cSld>
@@ -2264,15 +2090,15 @@
         </p:nvSpPr>
         <p:spPr>
           <a:xfrm>
-            <a:off x="2082959" y="2831994"/>
-            <a:ext cx="9753280" cy="9911980"/>
+            <a:off x="881778" y="1279948"/>
+            <a:ext cx="4128849" cy="4479819"/>
           </a:xfrm>
         </p:spPr>
         <p:txBody>
           <a:bodyPr anchor="b"/>
           <a:lstStyle>
             <a:lvl1pPr>
-              <a:defRPr sz="10584"/>
+              <a:defRPr sz="4480"/>
             </a:lvl1pPr>
           </a:lstStyle>
           <a:p>
@@ -2296,39 +2122,39 @@
         </p:nvSpPr>
         <p:spPr>
           <a:xfrm>
-            <a:off x="12856061" y="6116330"/>
-            <a:ext cx="15309146" cy="30188272"/>
+            <a:off x="5442347" y="2764337"/>
+            <a:ext cx="6480810" cy="13643894"/>
           </a:xfrm>
         </p:spPr>
         <p:txBody>
           <a:bodyPr/>
           <a:lstStyle>
             <a:lvl1pPr>
-              <a:defRPr sz="10584"/>
+              <a:defRPr sz="4480"/>
             </a:lvl1pPr>
             <a:lvl2pPr>
-              <a:defRPr sz="9261"/>
+              <a:defRPr sz="3920"/>
             </a:lvl2pPr>
             <a:lvl3pPr>
-              <a:defRPr sz="7938"/>
+              <a:defRPr sz="3360"/>
             </a:lvl3pPr>
             <a:lvl4pPr>
-              <a:defRPr sz="6614"/>
+              <a:defRPr sz="2800"/>
             </a:lvl4pPr>
             <a:lvl5pPr>
-              <a:defRPr sz="6614"/>
+              <a:defRPr sz="2800"/>
             </a:lvl5pPr>
             <a:lvl6pPr>
-              <a:defRPr sz="6614"/>
+              <a:defRPr sz="2800"/>
             </a:lvl6pPr>
             <a:lvl7pPr>
-              <a:defRPr sz="6614"/>
+              <a:defRPr sz="2800"/>
             </a:lvl7pPr>
             <a:lvl8pPr>
-              <a:defRPr sz="6614"/>
+              <a:defRPr sz="2800"/>
             </a:lvl8pPr>
             <a:lvl9pPr>
-              <a:defRPr sz="6614"/>
+              <a:defRPr sz="2800"/>
             </a:lvl9pPr>
           </a:lstStyle>
           <a:p>
@@ -2381,8 +2207,8 @@
         </p:nvSpPr>
         <p:spPr>
           <a:xfrm>
-            <a:off x="2082959" y="12743974"/>
-            <a:ext cx="9753280" cy="23609789"/>
+            <a:off x="881778" y="5759767"/>
+            <a:ext cx="4128849" cy="10670682"/>
           </a:xfrm>
         </p:spPr>
         <p:txBody>
@@ -2390,39 +2216,39 @@
           <a:lstStyle>
             <a:lvl1pPr marL="0" indent="0">
               <a:buNone/>
-              <a:defRPr sz="5291"/>
+              <a:defRPr sz="2240"/>
             </a:lvl1pPr>
-            <a:lvl2pPr marL="1512101" indent="0">
-              <a:buNone/>
-              <a:defRPr sz="4630"/>
+            <a:lvl2pPr marL="640080" indent="0">
+              <a:buNone/>
+              <a:defRPr sz="1960"/>
             </a:lvl2pPr>
-            <a:lvl3pPr marL="3024203" indent="0">
-              <a:buNone/>
-              <a:defRPr sz="3969"/>
+            <a:lvl3pPr marL="1280160" indent="0">
+              <a:buNone/>
+              <a:defRPr sz="1680"/>
             </a:lvl3pPr>
-            <a:lvl4pPr marL="4536304" indent="0">
-              <a:buNone/>
-              <a:defRPr sz="3307"/>
+            <a:lvl4pPr marL="1920240" indent="0">
+              <a:buNone/>
+              <a:defRPr sz="1400"/>
             </a:lvl4pPr>
-            <a:lvl5pPr marL="6048405" indent="0">
-              <a:buNone/>
-              <a:defRPr sz="3307"/>
+            <a:lvl5pPr marL="2560320" indent="0">
+              <a:buNone/>
+              <a:defRPr sz="1400"/>
             </a:lvl5pPr>
-            <a:lvl6pPr marL="7560507" indent="0">
-              <a:buNone/>
-              <a:defRPr sz="3307"/>
+            <a:lvl6pPr marL="3200400" indent="0">
+              <a:buNone/>
+              <a:defRPr sz="1400"/>
             </a:lvl6pPr>
-            <a:lvl7pPr marL="9072608" indent="0">
-              <a:buNone/>
-              <a:defRPr sz="3307"/>
+            <a:lvl7pPr marL="3840480" indent="0">
+              <a:buNone/>
+              <a:defRPr sz="1400"/>
             </a:lvl7pPr>
-            <a:lvl8pPr marL="10584710" indent="0">
-              <a:buNone/>
-              <a:defRPr sz="3307"/>
+            <a:lvl8pPr marL="4480560" indent="0">
+              <a:buNone/>
+              <a:defRPr sz="1400"/>
             </a:lvl8pPr>
-            <a:lvl9pPr marL="12096811" indent="0">
-              <a:buNone/>
-              <a:defRPr sz="3307"/>
+            <a:lvl9pPr marL="5120640" indent="0">
+              <a:buNone/>
+              <a:defRPr sz="1400"/>
             </a:lvl9pPr>
           </a:lstStyle>
           <a:p>
@@ -2451,7 +2277,7 @@
           <a:p>
             <a:fld id="{C764DE79-268F-4C1A-8933-263129D2AF90}" type="datetimeFigureOut">
               <a:rPr lang="en-US" smtClean="0"/>
-              <a:t>3/8/2025</a:t>
+              <a:t>3/10/2025</a:t>
             </a:fld>
             <a:endParaRPr lang="en-US" dirty="0"/>
           </a:p>
@@ -2502,7 +2328,7 @@
     </p:spTree>
     <p:extLst>
       <p:ext uri="{BB962C8B-B14F-4D97-AF65-F5344CB8AC3E}">
-        <p14:creationId xmlns:p14="http://schemas.microsoft.com/office/powerpoint/2010/main" val="61676614"/>
+        <p14:creationId xmlns:p14="http://schemas.microsoft.com/office/powerpoint/2010/main" val="1702827798"/>
       </p:ext>
     </p:extLst>
   </p:cSld>
@@ -2541,15 +2367,15 @@
         </p:nvSpPr>
         <p:spPr>
           <a:xfrm>
-            <a:off x="2082959" y="2831994"/>
-            <a:ext cx="9753280" cy="9911980"/>
+            <a:off x="881778" y="1279948"/>
+            <a:ext cx="4128849" cy="4479819"/>
           </a:xfrm>
         </p:spPr>
         <p:txBody>
           <a:bodyPr anchor="b"/>
           <a:lstStyle>
             <a:lvl1pPr>
-              <a:defRPr sz="10584"/>
+              <a:defRPr sz="4480"/>
             </a:lvl1pPr>
           </a:lstStyle>
           <a:p>
@@ -2573,8 +2399,8 @@
         </p:nvSpPr>
         <p:spPr>
           <a:xfrm>
-            <a:off x="12856061" y="6116330"/>
-            <a:ext cx="15309146" cy="30188272"/>
+            <a:off x="5442347" y="2764337"/>
+            <a:ext cx="6480810" cy="13643894"/>
           </a:xfrm>
         </p:spPr>
         <p:txBody>
@@ -2582,39 +2408,39 @@
           <a:lstStyle>
             <a:lvl1pPr marL="0" indent="0">
               <a:buNone/>
-              <a:defRPr sz="10584"/>
+              <a:defRPr sz="4480"/>
             </a:lvl1pPr>
-            <a:lvl2pPr marL="1512101" indent="0">
-              <a:buNone/>
-              <a:defRPr sz="9261"/>
+            <a:lvl2pPr marL="640080" indent="0">
+              <a:buNone/>
+              <a:defRPr sz="3920"/>
             </a:lvl2pPr>
-            <a:lvl3pPr marL="3024203" indent="0">
-              <a:buNone/>
-              <a:defRPr sz="7938"/>
+            <a:lvl3pPr marL="1280160" indent="0">
+              <a:buNone/>
+              <a:defRPr sz="3360"/>
             </a:lvl3pPr>
-            <a:lvl4pPr marL="4536304" indent="0">
-              <a:buNone/>
-              <a:defRPr sz="6614"/>
+            <a:lvl4pPr marL="1920240" indent="0">
+              <a:buNone/>
+              <a:defRPr sz="2800"/>
             </a:lvl4pPr>
-            <a:lvl5pPr marL="6048405" indent="0">
-              <a:buNone/>
-              <a:defRPr sz="6614"/>
+            <a:lvl5pPr marL="2560320" indent="0">
+              <a:buNone/>
+              <a:defRPr sz="2800"/>
             </a:lvl5pPr>
-            <a:lvl6pPr marL="7560507" indent="0">
-              <a:buNone/>
-              <a:defRPr sz="6614"/>
+            <a:lvl6pPr marL="3200400" indent="0">
+              <a:buNone/>
+              <a:defRPr sz="2800"/>
             </a:lvl6pPr>
-            <a:lvl7pPr marL="9072608" indent="0">
-              <a:buNone/>
-              <a:defRPr sz="6614"/>
+            <a:lvl7pPr marL="3840480" indent="0">
+              <a:buNone/>
+              <a:defRPr sz="2800"/>
             </a:lvl7pPr>
-            <a:lvl8pPr marL="10584710" indent="0">
-              <a:buNone/>
-              <a:defRPr sz="6614"/>
+            <a:lvl8pPr marL="4480560" indent="0">
+              <a:buNone/>
+              <a:defRPr sz="2800"/>
             </a:lvl8pPr>
-            <a:lvl9pPr marL="12096811" indent="0">
-              <a:buNone/>
-              <a:defRPr sz="6614"/>
+            <a:lvl9pPr marL="5120640" indent="0">
+              <a:buNone/>
+              <a:defRPr sz="2800"/>
             </a:lvl9pPr>
           </a:lstStyle>
           <a:p>
@@ -2638,8 +2464,8 @@
         </p:nvSpPr>
         <p:spPr>
           <a:xfrm>
-            <a:off x="2082959" y="12743974"/>
-            <a:ext cx="9753280" cy="23609789"/>
+            <a:off x="881778" y="5759767"/>
+            <a:ext cx="4128849" cy="10670682"/>
           </a:xfrm>
         </p:spPr>
         <p:txBody>
@@ -2647,39 +2473,39 @@
           <a:lstStyle>
             <a:lvl1pPr marL="0" indent="0">
               <a:buNone/>
-              <a:defRPr sz="5291"/>
+              <a:defRPr sz="2240"/>
             </a:lvl1pPr>
-            <a:lvl2pPr marL="1512101" indent="0">
-              <a:buNone/>
-              <a:defRPr sz="4630"/>
+            <a:lvl2pPr marL="640080" indent="0">
+              <a:buNone/>
+              <a:defRPr sz="1960"/>
             </a:lvl2pPr>
-            <a:lvl3pPr marL="3024203" indent="0">
-              <a:buNone/>
-              <a:defRPr sz="3969"/>
+            <a:lvl3pPr marL="1280160" indent="0">
+              <a:buNone/>
+              <a:defRPr sz="1680"/>
             </a:lvl3pPr>
-            <a:lvl4pPr marL="4536304" indent="0">
-              <a:buNone/>
-              <a:defRPr sz="3307"/>
+            <a:lvl4pPr marL="1920240" indent="0">
+              <a:buNone/>
+              <a:defRPr sz="1400"/>
             </a:lvl4pPr>
-            <a:lvl5pPr marL="6048405" indent="0">
-              <a:buNone/>
-              <a:defRPr sz="3307"/>
+            <a:lvl5pPr marL="2560320" indent="0">
+              <a:buNone/>
+              <a:defRPr sz="1400"/>
             </a:lvl5pPr>
-            <a:lvl6pPr marL="7560507" indent="0">
-              <a:buNone/>
-              <a:defRPr sz="3307"/>
+            <a:lvl6pPr marL="3200400" indent="0">
+              <a:buNone/>
+              <a:defRPr sz="1400"/>
             </a:lvl6pPr>
-            <a:lvl7pPr marL="9072608" indent="0">
-              <a:buNone/>
-              <a:defRPr sz="3307"/>
+            <a:lvl7pPr marL="3840480" indent="0">
+              <a:buNone/>
+              <a:defRPr sz="1400"/>
             </a:lvl7pPr>
-            <a:lvl8pPr marL="10584710" indent="0">
-              <a:buNone/>
-              <a:defRPr sz="3307"/>
+            <a:lvl8pPr marL="4480560" indent="0">
+              <a:buNone/>
+              <a:defRPr sz="1400"/>
             </a:lvl8pPr>
-            <a:lvl9pPr marL="12096811" indent="0">
-              <a:buNone/>
-              <a:defRPr sz="3307"/>
+            <a:lvl9pPr marL="5120640" indent="0">
+              <a:buNone/>
+              <a:defRPr sz="1400"/>
             </a:lvl9pPr>
           </a:lstStyle>
           <a:p>
@@ -2708,7 +2534,7 @@
           <a:p>
             <a:fld id="{C764DE79-268F-4C1A-8933-263129D2AF90}" type="datetimeFigureOut">
               <a:rPr lang="en-US" smtClean="0"/>
-              <a:t>3/8/2025</a:t>
+              <a:t>3/10/2025</a:t>
             </a:fld>
             <a:endParaRPr lang="en-US" dirty="0"/>
           </a:p>
@@ -2759,7 +2585,7 @@
     </p:spTree>
     <p:extLst>
       <p:ext uri="{BB962C8B-B14F-4D97-AF65-F5344CB8AC3E}">
-        <p14:creationId xmlns:p14="http://schemas.microsoft.com/office/powerpoint/2010/main" val="1857027653"/>
+        <p14:creationId xmlns:p14="http://schemas.microsoft.com/office/powerpoint/2010/main" val="1525030729"/>
       </p:ext>
     </p:extLst>
   </p:cSld>
@@ -2803,8 +2629,8 @@
         </p:nvSpPr>
         <p:spPr>
           <a:xfrm>
-            <a:off x="2079021" y="2261672"/>
-            <a:ext cx="26082248" cy="8210820"/>
+            <a:off x="880110" y="1022185"/>
+            <a:ext cx="11041380" cy="3710963"/>
           </a:xfrm>
           <a:prstGeom prst="rect">
             <a:avLst/>
@@ -2836,8 +2662,8 @@
         </p:nvSpPr>
         <p:spPr>
           <a:xfrm>
-            <a:off x="2079021" y="11308310"/>
-            <a:ext cx="26082248" cy="26953115"/>
+            <a:off x="880110" y="5110905"/>
+            <a:ext cx="11041380" cy="12181732"/>
           </a:xfrm>
           <a:prstGeom prst="rect">
             <a:avLst/>
@@ -2898,8 +2724,8 @@
         </p:nvSpPr>
         <p:spPr>
           <a:xfrm>
-            <a:off x="2079020" y="39372596"/>
-            <a:ext cx="6804065" cy="2261662"/>
+            <a:off x="880110" y="17794841"/>
+            <a:ext cx="2880360" cy="1022181"/>
           </a:xfrm>
           <a:prstGeom prst="rect">
             <a:avLst/>
@@ -2909,7 +2735,7 @@
           <a:bodyPr vert="horz" lIns="91440" tIns="45720" rIns="91440" bIns="45720" rtlCol="0" anchor="ctr"/>
           <a:lstStyle>
             <a:lvl1pPr algn="l">
-              <a:defRPr sz="3969">
+              <a:defRPr sz="1680">
                 <a:solidFill>
                   <a:schemeClr val="tx1">
                     <a:tint val="82000"/>
@@ -2921,7 +2747,7 @@
           <a:p>
             <a:fld id="{C764DE79-268F-4C1A-8933-263129D2AF90}" type="datetimeFigureOut">
               <a:rPr lang="en-US" smtClean="0"/>
-              <a:t>3/8/2025</a:t>
+              <a:t>3/10/2025</a:t>
             </a:fld>
             <a:endParaRPr lang="en-US" dirty="0"/>
           </a:p>
@@ -2939,8 +2765,8 @@
         </p:nvSpPr>
         <p:spPr>
           <a:xfrm>
-            <a:off x="10017097" y="39372596"/>
-            <a:ext cx="10206097" cy="2261662"/>
+            <a:off x="4240530" y="17794841"/>
+            <a:ext cx="4320540" cy="1022181"/>
           </a:xfrm>
           <a:prstGeom prst="rect">
             <a:avLst/>
@@ -2950,7 +2776,7 @@
           <a:bodyPr vert="horz" lIns="91440" tIns="45720" rIns="91440" bIns="45720" rtlCol="0" anchor="ctr"/>
           <a:lstStyle>
             <a:lvl1pPr algn="ctr">
-              <a:defRPr sz="3969">
+              <a:defRPr sz="1680">
                 <a:solidFill>
                   <a:schemeClr val="tx1">
                     <a:tint val="82000"/>
@@ -2976,8 +2802,8 @@
         </p:nvSpPr>
         <p:spPr>
           <a:xfrm>
-            <a:off x="21357203" y="39372596"/>
-            <a:ext cx="6804065" cy="2261662"/>
+            <a:off x="9041130" y="17794841"/>
+            <a:ext cx="2880360" cy="1022181"/>
           </a:xfrm>
           <a:prstGeom prst="rect">
             <a:avLst/>
@@ -2987,7 +2813,7 @@
           <a:bodyPr vert="horz" lIns="91440" tIns="45720" rIns="91440" bIns="45720" rtlCol="0" anchor="ctr"/>
           <a:lstStyle>
             <a:lvl1pPr algn="r">
-              <a:defRPr sz="3969">
+              <a:defRPr sz="1680">
                 <a:solidFill>
                   <a:schemeClr val="tx1">
                     <a:tint val="82000"/>
@@ -3008,27 +2834,27 @@
     </p:spTree>
     <p:extLst>
       <p:ext uri="{BB962C8B-B14F-4D97-AF65-F5344CB8AC3E}">
-        <p14:creationId xmlns:p14="http://schemas.microsoft.com/office/powerpoint/2010/main" val="16543733"/>
+        <p14:creationId xmlns:p14="http://schemas.microsoft.com/office/powerpoint/2010/main" val="1376207536"/>
       </p:ext>
     </p:extLst>
   </p:cSld>
   <p:clrMap bg1="lt1" tx1="dk1" bg2="lt2" tx2="dk2" accent1="accent1" accent2="accent2" accent3="accent3" accent4="accent4" accent5="accent5" accent6="accent6" hlink="hlink" folHlink="folHlink"/>
   <p:sldLayoutIdLst>
-    <p:sldLayoutId id="2147483663" r:id="rId1"/>
-    <p:sldLayoutId id="2147483664" r:id="rId2"/>
-    <p:sldLayoutId id="2147483665" r:id="rId3"/>
-    <p:sldLayoutId id="2147483666" r:id="rId4"/>
-    <p:sldLayoutId id="2147483667" r:id="rId5"/>
-    <p:sldLayoutId id="2147483668" r:id="rId6"/>
-    <p:sldLayoutId id="2147483669" r:id="rId7"/>
-    <p:sldLayoutId id="2147483670" r:id="rId8"/>
-    <p:sldLayoutId id="2147483671" r:id="rId9"/>
-    <p:sldLayoutId id="2147483672" r:id="rId10"/>
-    <p:sldLayoutId id="2147483673" r:id="rId11"/>
+    <p:sldLayoutId id="2147483675" r:id="rId1"/>
+    <p:sldLayoutId id="2147483676" r:id="rId2"/>
+    <p:sldLayoutId id="2147483677" r:id="rId3"/>
+    <p:sldLayoutId id="2147483678" r:id="rId4"/>
+    <p:sldLayoutId id="2147483679" r:id="rId5"/>
+    <p:sldLayoutId id="2147483680" r:id="rId6"/>
+    <p:sldLayoutId id="2147483681" r:id="rId7"/>
+    <p:sldLayoutId id="2147483682" r:id="rId8"/>
+    <p:sldLayoutId id="2147483683" r:id="rId9"/>
+    <p:sldLayoutId id="2147483684" r:id="rId10"/>
+    <p:sldLayoutId id="2147483685" r:id="rId11"/>
   </p:sldLayoutIdLst>
   <p:txStyles>
     <p:titleStyle>
-      <a:lvl1pPr algn="l" defTabSz="3024203" rtl="0" eaLnBrk="1" latinLnBrk="0" hangingPunct="1">
+      <a:lvl1pPr algn="l" defTabSz="1280160" rtl="0" eaLnBrk="1" latinLnBrk="0" hangingPunct="1">
         <a:lnSpc>
           <a:spcPct val="90000"/>
         </a:lnSpc>
@@ -3036,7 +2862,7 @@
           <a:spcPct val="0"/>
         </a:spcBef>
         <a:buNone/>
-        <a:defRPr sz="14552" kern="1200">
+        <a:defRPr sz="6160" kern="1200">
           <a:solidFill>
             <a:schemeClr val="tx1"/>
           </a:solidFill>
@@ -3047,16 +2873,16 @@
       </a:lvl1pPr>
     </p:titleStyle>
     <p:bodyStyle>
-      <a:lvl1pPr marL="756051" indent="-756051" algn="l" defTabSz="3024203" rtl="0" eaLnBrk="1" latinLnBrk="0" hangingPunct="1">
+      <a:lvl1pPr marL="320040" indent="-320040" algn="l" defTabSz="1280160" rtl="0" eaLnBrk="1" latinLnBrk="0" hangingPunct="1">
         <a:lnSpc>
           <a:spcPct val="90000"/>
         </a:lnSpc>
         <a:spcBef>
-          <a:spcPts val="3307"/>
+          <a:spcPts val="1400"/>
         </a:spcBef>
         <a:buFont typeface="Arial" panose="020B0604020202020204" pitchFamily="34" charset="0"/>
         <a:buChar char="•"/>
-        <a:defRPr sz="9261" kern="1200">
+        <a:defRPr sz="3920" kern="1200">
           <a:solidFill>
             <a:schemeClr val="tx1"/>
           </a:solidFill>
@@ -3065,16 +2891,16 @@
           <a:cs typeface="+mn-cs"/>
         </a:defRPr>
       </a:lvl1pPr>
-      <a:lvl2pPr marL="2268152" indent="-756051" algn="l" defTabSz="3024203" rtl="0" eaLnBrk="1" latinLnBrk="0" hangingPunct="1">
+      <a:lvl2pPr marL="960120" indent="-320040" algn="l" defTabSz="1280160" rtl="0" eaLnBrk="1" latinLnBrk="0" hangingPunct="1">
         <a:lnSpc>
           <a:spcPct val="90000"/>
         </a:lnSpc>
         <a:spcBef>
-          <a:spcPts val="1654"/>
+          <a:spcPts val="700"/>
         </a:spcBef>
         <a:buFont typeface="Arial" panose="020B0604020202020204" pitchFamily="34" charset="0"/>
         <a:buChar char="•"/>
-        <a:defRPr sz="7938" kern="1200">
+        <a:defRPr sz="3360" kern="1200">
           <a:solidFill>
             <a:schemeClr val="tx1"/>
           </a:solidFill>
@@ -3083,16 +2909,16 @@
           <a:cs typeface="+mn-cs"/>
         </a:defRPr>
       </a:lvl2pPr>
-      <a:lvl3pPr marL="3780253" indent="-756051" algn="l" defTabSz="3024203" rtl="0" eaLnBrk="1" latinLnBrk="0" hangingPunct="1">
+      <a:lvl3pPr marL="1600200" indent="-320040" algn="l" defTabSz="1280160" rtl="0" eaLnBrk="1" latinLnBrk="0" hangingPunct="1">
         <a:lnSpc>
           <a:spcPct val="90000"/>
         </a:lnSpc>
         <a:spcBef>
-          <a:spcPts val="1654"/>
+          <a:spcPts val="700"/>
         </a:spcBef>
         <a:buFont typeface="Arial" panose="020B0604020202020204" pitchFamily="34" charset="0"/>
         <a:buChar char="•"/>
-        <a:defRPr sz="6614" kern="1200">
+        <a:defRPr sz="2800" kern="1200">
           <a:solidFill>
             <a:schemeClr val="tx1"/>
           </a:solidFill>
@@ -3101,16 +2927,16 @@
           <a:cs typeface="+mn-cs"/>
         </a:defRPr>
       </a:lvl3pPr>
-      <a:lvl4pPr marL="5292354" indent="-756051" algn="l" defTabSz="3024203" rtl="0" eaLnBrk="1" latinLnBrk="0" hangingPunct="1">
+      <a:lvl4pPr marL="2240280" indent="-320040" algn="l" defTabSz="1280160" rtl="0" eaLnBrk="1" latinLnBrk="0" hangingPunct="1">
         <a:lnSpc>
           <a:spcPct val="90000"/>
         </a:lnSpc>
         <a:spcBef>
-          <a:spcPts val="1654"/>
+          <a:spcPts val="700"/>
         </a:spcBef>
         <a:buFont typeface="Arial" panose="020B0604020202020204" pitchFamily="34" charset="0"/>
         <a:buChar char="•"/>
-        <a:defRPr sz="5953" kern="1200">
+        <a:defRPr sz="2520" kern="1200">
           <a:solidFill>
             <a:schemeClr val="tx1"/>
           </a:solidFill>
@@ -3119,16 +2945,16 @@
           <a:cs typeface="+mn-cs"/>
         </a:defRPr>
       </a:lvl4pPr>
-      <a:lvl5pPr marL="6804457" indent="-756051" algn="l" defTabSz="3024203" rtl="0" eaLnBrk="1" latinLnBrk="0" hangingPunct="1">
+      <a:lvl5pPr marL="2880360" indent="-320040" algn="l" defTabSz="1280160" rtl="0" eaLnBrk="1" latinLnBrk="0" hangingPunct="1">
         <a:lnSpc>
           <a:spcPct val="90000"/>
         </a:lnSpc>
         <a:spcBef>
-          <a:spcPts val="1654"/>
+          <a:spcPts val="700"/>
         </a:spcBef>
         <a:buFont typeface="Arial" panose="020B0604020202020204" pitchFamily="34" charset="0"/>
         <a:buChar char="•"/>
-        <a:defRPr sz="5953" kern="1200">
+        <a:defRPr sz="2520" kern="1200">
           <a:solidFill>
             <a:schemeClr val="tx1"/>
           </a:solidFill>
@@ -3137,16 +2963,16 @@
           <a:cs typeface="+mn-cs"/>
         </a:defRPr>
       </a:lvl5pPr>
-      <a:lvl6pPr marL="8316558" indent="-756051" algn="l" defTabSz="3024203" rtl="0" eaLnBrk="1" latinLnBrk="0" hangingPunct="1">
+      <a:lvl6pPr marL="3520440" indent="-320040" algn="l" defTabSz="1280160" rtl="0" eaLnBrk="1" latinLnBrk="0" hangingPunct="1">
         <a:lnSpc>
           <a:spcPct val="90000"/>
         </a:lnSpc>
         <a:spcBef>
-          <a:spcPts val="1654"/>
+          <a:spcPts val="700"/>
         </a:spcBef>
         <a:buFont typeface="Arial" panose="020B0604020202020204" pitchFamily="34" charset="0"/>
         <a:buChar char="•"/>
-        <a:defRPr sz="5953" kern="1200">
+        <a:defRPr sz="2520" kern="1200">
           <a:solidFill>
             <a:schemeClr val="tx1"/>
           </a:solidFill>
@@ -3155,16 +2981,16 @@
           <a:cs typeface="+mn-cs"/>
         </a:defRPr>
       </a:lvl6pPr>
-      <a:lvl7pPr marL="9828659" indent="-756051" algn="l" defTabSz="3024203" rtl="0" eaLnBrk="1" latinLnBrk="0" hangingPunct="1">
+      <a:lvl7pPr marL="4160520" indent="-320040" algn="l" defTabSz="1280160" rtl="0" eaLnBrk="1" latinLnBrk="0" hangingPunct="1">
         <a:lnSpc>
           <a:spcPct val="90000"/>
         </a:lnSpc>
         <a:spcBef>
-          <a:spcPts val="1654"/>
+          <a:spcPts val="700"/>
         </a:spcBef>
         <a:buFont typeface="Arial" panose="020B0604020202020204" pitchFamily="34" charset="0"/>
         <a:buChar char="•"/>
-        <a:defRPr sz="5953" kern="1200">
+        <a:defRPr sz="2520" kern="1200">
           <a:solidFill>
             <a:schemeClr val="tx1"/>
           </a:solidFill>
@@ -3173,16 +2999,16 @@
           <a:cs typeface="+mn-cs"/>
         </a:defRPr>
       </a:lvl7pPr>
-      <a:lvl8pPr marL="11340760" indent="-756051" algn="l" defTabSz="3024203" rtl="0" eaLnBrk="1" latinLnBrk="0" hangingPunct="1">
+      <a:lvl8pPr marL="4800600" indent="-320040" algn="l" defTabSz="1280160" rtl="0" eaLnBrk="1" latinLnBrk="0" hangingPunct="1">
         <a:lnSpc>
           <a:spcPct val="90000"/>
         </a:lnSpc>
         <a:spcBef>
-          <a:spcPts val="1654"/>
+          <a:spcPts val="700"/>
         </a:spcBef>
         <a:buFont typeface="Arial" panose="020B0604020202020204" pitchFamily="34" charset="0"/>
         <a:buChar char="•"/>
-        <a:defRPr sz="5953" kern="1200">
+        <a:defRPr sz="2520" kern="1200">
           <a:solidFill>
             <a:schemeClr val="tx1"/>
           </a:solidFill>
@@ -3191,16 +3017,16 @@
           <a:cs typeface="+mn-cs"/>
         </a:defRPr>
       </a:lvl8pPr>
-      <a:lvl9pPr marL="12852862" indent="-756051" algn="l" defTabSz="3024203" rtl="0" eaLnBrk="1" latinLnBrk="0" hangingPunct="1">
+      <a:lvl9pPr marL="5440680" indent="-320040" algn="l" defTabSz="1280160" rtl="0" eaLnBrk="1" latinLnBrk="0" hangingPunct="1">
         <a:lnSpc>
           <a:spcPct val="90000"/>
         </a:lnSpc>
         <a:spcBef>
-          <a:spcPts val="1654"/>
+          <a:spcPts val="700"/>
         </a:spcBef>
         <a:buFont typeface="Arial" panose="020B0604020202020204" pitchFamily="34" charset="0"/>
         <a:buChar char="•"/>
-        <a:defRPr sz="5953" kern="1200">
+        <a:defRPr sz="2520" kern="1200">
           <a:solidFill>
             <a:schemeClr val="tx1"/>
           </a:solidFill>
@@ -3214,8 +3040,8 @@
       <a:defPPr>
         <a:defRPr lang="en-US"/>
       </a:defPPr>
-      <a:lvl1pPr marL="0" algn="l" defTabSz="3024203" rtl="0" eaLnBrk="1" latinLnBrk="0" hangingPunct="1">
-        <a:defRPr sz="5953" kern="1200">
+      <a:lvl1pPr marL="0" algn="l" defTabSz="1280160" rtl="0" eaLnBrk="1" latinLnBrk="0" hangingPunct="1">
+        <a:defRPr sz="2520" kern="1200">
           <a:solidFill>
             <a:schemeClr val="tx1"/>
           </a:solidFill>
@@ -3224,8 +3050,8 @@
           <a:cs typeface="+mn-cs"/>
         </a:defRPr>
       </a:lvl1pPr>
-      <a:lvl2pPr marL="1512101" algn="l" defTabSz="3024203" rtl="0" eaLnBrk="1" latinLnBrk="0" hangingPunct="1">
-        <a:defRPr sz="5953" kern="1200">
+      <a:lvl2pPr marL="640080" algn="l" defTabSz="1280160" rtl="0" eaLnBrk="1" latinLnBrk="0" hangingPunct="1">
+        <a:defRPr sz="2520" kern="1200">
           <a:solidFill>
             <a:schemeClr val="tx1"/>
           </a:solidFill>
@@ -3234,8 +3060,8 @@
           <a:cs typeface="+mn-cs"/>
         </a:defRPr>
       </a:lvl2pPr>
-      <a:lvl3pPr marL="3024203" algn="l" defTabSz="3024203" rtl="0" eaLnBrk="1" latinLnBrk="0" hangingPunct="1">
-        <a:defRPr sz="5953" kern="1200">
+      <a:lvl3pPr marL="1280160" algn="l" defTabSz="1280160" rtl="0" eaLnBrk="1" latinLnBrk="0" hangingPunct="1">
+        <a:defRPr sz="2520" kern="1200">
           <a:solidFill>
             <a:schemeClr val="tx1"/>
           </a:solidFill>
@@ -3244,8 +3070,8 @@
           <a:cs typeface="+mn-cs"/>
         </a:defRPr>
       </a:lvl3pPr>
-      <a:lvl4pPr marL="4536304" algn="l" defTabSz="3024203" rtl="0" eaLnBrk="1" latinLnBrk="0" hangingPunct="1">
-        <a:defRPr sz="5953" kern="1200">
+      <a:lvl4pPr marL="1920240" algn="l" defTabSz="1280160" rtl="0" eaLnBrk="1" latinLnBrk="0" hangingPunct="1">
+        <a:defRPr sz="2520" kern="1200">
           <a:solidFill>
             <a:schemeClr val="tx1"/>
           </a:solidFill>
@@ -3254,8 +3080,8 @@
           <a:cs typeface="+mn-cs"/>
         </a:defRPr>
       </a:lvl4pPr>
-      <a:lvl5pPr marL="6048405" algn="l" defTabSz="3024203" rtl="0" eaLnBrk="1" latinLnBrk="0" hangingPunct="1">
-        <a:defRPr sz="5953" kern="1200">
+      <a:lvl5pPr marL="2560320" algn="l" defTabSz="1280160" rtl="0" eaLnBrk="1" latinLnBrk="0" hangingPunct="1">
+        <a:defRPr sz="2520" kern="1200">
           <a:solidFill>
             <a:schemeClr val="tx1"/>
           </a:solidFill>
@@ -3264,8 +3090,8 @@
           <a:cs typeface="+mn-cs"/>
         </a:defRPr>
       </a:lvl5pPr>
-      <a:lvl6pPr marL="7560507" algn="l" defTabSz="3024203" rtl="0" eaLnBrk="1" latinLnBrk="0" hangingPunct="1">
-        <a:defRPr sz="5953" kern="1200">
+      <a:lvl6pPr marL="3200400" algn="l" defTabSz="1280160" rtl="0" eaLnBrk="1" latinLnBrk="0" hangingPunct="1">
+        <a:defRPr sz="2520" kern="1200">
           <a:solidFill>
             <a:schemeClr val="tx1"/>
           </a:solidFill>
@@ -3274,8 +3100,8 @@
           <a:cs typeface="+mn-cs"/>
         </a:defRPr>
       </a:lvl6pPr>
-      <a:lvl7pPr marL="9072608" algn="l" defTabSz="3024203" rtl="0" eaLnBrk="1" latinLnBrk="0" hangingPunct="1">
-        <a:defRPr sz="5953" kern="1200">
+      <a:lvl7pPr marL="3840480" algn="l" defTabSz="1280160" rtl="0" eaLnBrk="1" latinLnBrk="0" hangingPunct="1">
+        <a:defRPr sz="2520" kern="1200">
           <a:solidFill>
             <a:schemeClr val="tx1"/>
           </a:solidFill>
@@ -3284,8 +3110,8 @@
           <a:cs typeface="+mn-cs"/>
         </a:defRPr>
       </a:lvl7pPr>
-      <a:lvl8pPr marL="10584710" algn="l" defTabSz="3024203" rtl="0" eaLnBrk="1" latinLnBrk="0" hangingPunct="1">
-        <a:defRPr sz="5953" kern="1200">
+      <a:lvl8pPr marL="4480560" algn="l" defTabSz="1280160" rtl="0" eaLnBrk="1" latinLnBrk="0" hangingPunct="1">
+        <a:defRPr sz="2520" kern="1200">
           <a:solidFill>
             <a:schemeClr val="tx1"/>
           </a:solidFill>
@@ -3294,8 +3120,8 @@
           <a:cs typeface="+mn-cs"/>
         </a:defRPr>
       </a:lvl8pPr>
-      <a:lvl9pPr marL="12096811" algn="l" defTabSz="3024203" rtl="0" eaLnBrk="1" latinLnBrk="0" hangingPunct="1">
-        <a:defRPr sz="5953" kern="1200">
+      <a:lvl9pPr marL="5120640" algn="l" defTabSz="1280160" rtl="0" eaLnBrk="1" latinLnBrk="0" hangingPunct="1">
+        <a:defRPr sz="2520" kern="1200">
           <a:solidFill>
             <a:schemeClr val="tx1"/>
           </a:solidFill>
@@ -3328,10 +3154,10 @@
       </p:grpSpPr>
       <p:pic>
         <p:nvPicPr>
-          <p:cNvPr id="8" name="Afbeelding 7" descr="Afbeelding met wiel, Auto-onderdeel, rood&#10;&#10;Door AI gegenereerde inhoud is mogelijk onjuist.">
+          <p:cNvPr id="14" name="Afbeelding 13">
             <a:extLst>
               <a:ext uri="{FF2B5EF4-FFF2-40B4-BE49-F238E27FC236}">
-                <a16:creationId xmlns:a16="http://schemas.microsoft.com/office/drawing/2014/main" id="{5CF9DBF4-7D69-2927-550E-0530C71F3C73}"/>
+                <a16:creationId xmlns:a16="http://schemas.microsoft.com/office/drawing/2014/main" id="{9C05F23E-5C9A-36C9-50BC-571888BB4C5F}"/>
               </a:ext>
             </a:extLst>
           </p:cNvPr>
@@ -3353,13 +3179,60 @@
           </a:stretch>
         </p:blipFill>
         <p:spPr>
-          <a:xfrm>
-            <a:off x="0" y="7221888"/>
-            <a:ext cx="30240288" cy="30179807"/>
+          <a:xfrm flipV="1">
+            <a:off x="-2" y="-4"/>
+            <a:ext cx="12801599" cy="19199227"/>
           </a:xfrm>
           <a:prstGeom prst="rect">
             <a:avLst/>
           </a:prstGeom>
+        </p:spPr>
+      </p:pic>
+      <p:pic>
+        <p:nvPicPr>
+          <p:cNvPr id="4" name="Picture 4" descr="PTI West-Vlaanderen – Maak je wereld">
+            <a:extLst>
+              <a:ext uri="{FF2B5EF4-FFF2-40B4-BE49-F238E27FC236}">
+                <a16:creationId xmlns:a16="http://schemas.microsoft.com/office/drawing/2014/main" id="{346F970F-7967-898E-5FB2-7A1EE8403452}"/>
+              </a:ext>
+            </a:extLst>
+          </p:cNvPr>
+          <p:cNvPicPr>
+            <a:picLocks noChangeAspect="1" noChangeArrowheads="1"/>
+          </p:cNvPicPr>
+          <p:nvPr/>
+        </p:nvPicPr>
+        <p:blipFill>
+          <a:blip r:embed="rId3">
+            <a:extLst>
+              <a:ext uri="{28A0092B-C50C-407E-A947-70E740481C1C}">
+                <a14:useLocalDpi xmlns:a14="http://schemas.microsoft.com/office/drawing/2010/main" val="0"/>
+              </a:ext>
+            </a:extLst>
+          </a:blip>
+          <a:srcRect/>
+          <a:stretch>
+            <a:fillRect/>
+          </a:stretch>
+        </p:blipFill>
+        <p:spPr bwMode="auto">
+          <a:xfrm>
+            <a:off x="8705725" y="-2"/>
+            <a:ext cx="4095874" cy="2250000"/>
+          </a:xfrm>
+          <a:prstGeom prst="rect">
+            <a:avLst/>
+          </a:prstGeom>
+          <a:noFill/>
+          <a:extLst>
+            <a:ext uri="{909E8E84-426E-40DD-AFC4-6F175D3DCCD1}">
+              <a14:hiddenFill xmlns:a14="http://schemas.microsoft.com/office/drawing/2010/main">
+                <a:solidFill>
+                  <a:srgbClr val="FFFFFF"/>
+                </a:solidFill>
+              </a14:hiddenFill>
+            </a:ext>
+          </a:extLst>
         </p:spPr>
       </p:pic>
       <p:sp>
@@ -3378,9 +3251,16 @@
             <p:ph type="ctrTitle"/>
           </p:nvPr>
         </p:nvSpPr>
-        <p:spPr/>
-        <p:txBody>
-          <a:bodyPr/>
+        <p:spPr>
+          <a:xfrm>
+            <a:off x="-2" y="3850714"/>
+            <a:ext cx="12801599" cy="1800000"/>
+          </a:xfrm>
+        </p:spPr>
+        <p:txBody>
+          <a:bodyPr>
+            <a:normAutofit/>
+          </a:bodyPr>
           <a:lstStyle/>
           <a:p>
             <a:r>
@@ -3406,15 +3286,64 @@
             <p:ph type="subTitle" idx="1"/>
           </p:nvPr>
         </p:nvSpPr>
-        <p:spPr/>
-        <p:txBody>
-          <a:bodyPr/>
-          <a:lstStyle/>
-          <a:p>
+        <p:spPr>
+          <a:xfrm>
+            <a:off x="0" y="5650715"/>
+            <a:ext cx="12801600" cy="900000"/>
+          </a:xfrm>
+        </p:spPr>
+        <p:txBody>
+          <a:bodyPr/>
+          <a:lstStyle/>
+          <a:p>
+            <a:r>
+              <a:rPr lang="nl-NL" dirty="0"/>
+              <a:t>Gemaakt door </a:t>
+            </a:r>
+            <a:r>
+              <a:rPr lang="nl-NL" dirty="0" err="1"/>
+              <a:t>stan</a:t>
+            </a:r>
             <a:endParaRPr lang="nl-NL" dirty="0"/>
           </a:p>
         </p:txBody>
       </p:sp>
+      <p:pic>
+        <p:nvPicPr>
+          <p:cNvPr id="6" name="Afbeelding 5" descr="Afbeelding met rood, speelgoed, Auto-onderdeel, wiel&#10;&#10;Door AI gegenereerde inhoud is mogelijk onjuist.">
+            <a:extLst>
+              <a:ext uri="{FF2B5EF4-FFF2-40B4-BE49-F238E27FC236}">
+                <a16:creationId xmlns:a16="http://schemas.microsoft.com/office/drawing/2014/main" id="{D3FEB3F1-85F8-AA83-2BB4-4BB0182F706B}"/>
+              </a:ext>
+            </a:extLst>
+          </p:cNvPr>
+          <p:cNvPicPr>
+            <a:picLocks noChangeAspect="1"/>
+          </p:cNvPicPr>
+          <p:nvPr/>
+        </p:nvPicPr>
+        <p:blipFill>
+          <a:blip r:embed="rId4">
+            <a:extLst>
+              <a:ext uri="{28A0092B-C50C-407E-A947-70E740481C1C}">
+                <a14:useLocalDpi xmlns:a14="http://schemas.microsoft.com/office/drawing/2010/main" val="0"/>
+              </a:ext>
+            </a:extLst>
+          </a:blip>
+          <a:stretch>
+            <a:fillRect/>
+          </a:stretch>
+        </p:blipFill>
+        <p:spPr>
+          <a:xfrm>
+            <a:off x="0" y="6550715"/>
+            <a:ext cx="12673858" cy="12648510"/>
+          </a:xfrm>
+          <a:prstGeom prst="rect">
+            <a:avLst/>
+          </a:prstGeom>
+        </p:spPr>
+      </p:pic>
     </p:spTree>
     <p:extLst>
       <p:ext uri="{BB962C8B-B14F-4D97-AF65-F5344CB8AC3E}">

--- a/school/afische.pptx
+++ b/school/afische.pptx
@@ -115,7 +115,7 @@
 <file path=ppt/revisionInfo.xml><?xml version="1.0" encoding="utf-8"?>
 <p1510:revInfo xmlns:a="http://schemas.openxmlformats.org/drawingml/2006/main" xmlns:r="http://schemas.openxmlformats.org/officeDocument/2006/relationships" xmlns:p1510="http://schemas.microsoft.com/office/powerpoint/2015/10/main">
   <p1510:revLst>
-    <p1510:client id="{5D434D30-F688-4623-B10D-9AE1AB3633DC}" v="26" dt="2025-03-10T09:06:35.361"/>
+    <p1510:client id="{5D434D30-F688-4623-B10D-9AE1AB3633DC}" v="36" dt="2025-03-10T12:18:11.878"/>
   </p1510:revLst>
 </p1510:revInfo>
 </file>
@@ -125,18 +125,18 @@
   <pc:docChgLst>
     <pc:chgData name="Debakker Stan" userId="dcaf6aa6-4ff3-4b00-8b67-253531728245" providerId="ADAL" clId="{5D434D30-F688-4623-B10D-9AE1AB3633DC}"/>
     <pc:docChg chg="undo custSel addSld modSld modMainMaster">
-      <pc:chgData name="Debakker Stan" userId="dcaf6aa6-4ff3-4b00-8b67-253531728245" providerId="ADAL" clId="{5D434D30-F688-4623-B10D-9AE1AB3633DC}" dt="2025-03-10T09:07:02.168" v="149" actId="167"/>
+      <pc:chgData name="Debakker Stan" userId="dcaf6aa6-4ff3-4b00-8b67-253531728245" providerId="ADAL" clId="{5D434D30-F688-4623-B10D-9AE1AB3633DC}" dt="2025-03-10T12:19:54.124" v="261" actId="1076"/>
       <pc:docMkLst>
         <pc:docMk/>
       </pc:docMkLst>
       <pc:sldChg chg="addSp delSp modSp new mod">
-        <pc:chgData name="Debakker Stan" userId="dcaf6aa6-4ff3-4b00-8b67-253531728245" providerId="ADAL" clId="{5D434D30-F688-4623-B10D-9AE1AB3633DC}" dt="2025-03-10T09:07:02.168" v="149" actId="167"/>
+        <pc:chgData name="Debakker Stan" userId="dcaf6aa6-4ff3-4b00-8b67-253531728245" providerId="ADAL" clId="{5D434D30-F688-4623-B10D-9AE1AB3633DC}" dt="2025-03-10T12:19:54.124" v="261" actId="1076"/>
         <pc:sldMkLst>
           <pc:docMk/>
           <pc:sldMk cId="428378912" sldId="256"/>
         </pc:sldMkLst>
         <pc:spChg chg="mod">
-          <ac:chgData name="Debakker Stan" userId="dcaf6aa6-4ff3-4b00-8b67-253531728245" providerId="ADAL" clId="{5D434D30-F688-4623-B10D-9AE1AB3633DC}" dt="2025-03-10T09:04:38.074" v="136" actId="14100"/>
+          <ac:chgData name="Debakker Stan" userId="dcaf6aa6-4ff3-4b00-8b67-253531728245" providerId="ADAL" clId="{5D434D30-F688-4623-B10D-9AE1AB3633DC}" dt="2025-03-10T12:19:48.374" v="259" actId="1076"/>
           <ac:spMkLst>
             <pc:docMk/>
             <pc:sldMk cId="428378912" sldId="256"/>
@@ -144,7 +144,7 @@
           </ac:spMkLst>
         </pc:spChg>
         <pc:spChg chg="mod">
-          <ac:chgData name="Debakker Stan" userId="dcaf6aa6-4ff3-4b00-8b67-253531728245" providerId="ADAL" clId="{5D434D30-F688-4623-B10D-9AE1AB3633DC}" dt="2025-03-10T09:04:20.247" v="133" actId="1076"/>
+          <ac:chgData name="Debakker Stan" userId="dcaf6aa6-4ff3-4b00-8b67-253531728245" providerId="ADAL" clId="{5D434D30-F688-4623-B10D-9AE1AB3633DC}" dt="2025-03-10T12:09:12.773" v="237" actId="1076"/>
           <ac:spMkLst>
             <pc:docMk/>
             <pc:sldMk cId="428378912" sldId="256"/>
@@ -159,16 +159,32 @@
             <ac:spMk id="7" creationId="{9A906033-5C90-070B-90E2-6828ACEB54D3}"/>
           </ac:spMkLst>
         </pc:spChg>
-        <pc:picChg chg="add mod">
-          <ac:chgData name="Debakker Stan" userId="dcaf6aa6-4ff3-4b00-8b67-253531728245" providerId="ADAL" clId="{5D434D30-F688-4623-B10D-9AE1AB3633DC}" dt="2025-03-10T09:03:39.969" v="127" actId="1076"/>
+        <pc:spChg chg="add del mod">
+          <ac:chgData name="Debakker Stan" userId="dcaf6aa6-4ff3-4b00-8b67-253531728245" providerId="ADAL" clId="{5D434D30-F688-4623-B10D-9AE1AB3633DC}" dt="2025-03-10T11:53:55.303" v="185" actId="478"/>
+          <ac:spMkLst>
+            <pc:docMk/>
+            <pc:sldMk cId="428378912" sldId="256"/>
+            <ac:spMk id="11" creationId="{685AD8D1-1318-B56B-8E60-E8F5E2147F27}"/>
+          </ac:spMkLst>
+        </pc:spChg>
+        <pc:graphicFrameChg chg="del mod">
+          <ac:chgData name="Debakker Stan" userId="dcaf6aa6-4ff3-4b00-8b67-253531728245" providerId="ADAL" clId="{5D434D30-F688-4623-B10D-9AE1AB3633DC}" dt="2025-03-10T11:40:30.100" v="151" actId="478"/>
+          <ac:graphicFrameMkLst>
+            <pc:docMk/>
+            <pc:sldMk cId="428378912" sldId="256"/>
+            <ac:graphicFrameMk id="5" creationId="{E245EC5F-39A8-0BB9-1AAB-9412AB06AFCA}"/>
+          </ac:graphicFrameMkLst>
+        </pc:graphicFrameChg>
+        <pc:picChg chg="add del mod">
+          <ac:chgData name="Debakker Stan" userId="dcaf6aa6-4ff3-4b00-8b67-253531728245" providerId="ADAL" clId="{5D434D30-F688-4623-B10D-9AE1AB3633DC}" dt="2025-03-10T11:41:04.205" v="157" actId="478"/>
           <ac:picMkLst>
             <pc:docMk/>
             <pc:sldMk cId="428378912" sldId="256"/>
             <ac:picMk id="4" creationId="{346F970F-7967-898E-5FB2-7A1EE8403452}"/>
           </ac:picMkLst>
         </pc:picChg>
-        <pc:picChg chg="add mod">
-          <ac:chgData name="Debakker Stan" userId="dcaf6aa6-4ff3-4b00-8b67-253531728245" providerId="ADAL" clId="{5D434D30-F688-4623-B10D-9AE1AB3633DC}" dt="2025-03-10T09:02:57.995" v="118" actId="1076"/>
+        <pc:picChg chg="add del mod">
+          <ac:chgData name="Debakker Stan" userId="dcaf6aa6-4ff3-4b00-8b67-253531728245" providerId="ADAL" clId="{5D434D30-F688-4623-B10D-9AE1AB3633DC}" dt="2025-03-10T11:50:30.332" v="161" actId="478"/>
           <ac:picMkLst>
             <pc:docMk/>
             <pc:sldMk cId="428378912" sldId="256"/>
@@ -183,12 +199,36 @@
             <ac:picMk id="8" creationId="{5CF9DBF4-7D69-2927-550E-0530C71F3C73}"/>
           </ac:picMkLst>
         </pc:picChg>
+        <pc:picChg chg="add mod">
+          <ac:chgData name="Debakker Stan" userId="dcaf6aa6-4ff3-4b00-8b67-253531728245" providerId="ADAL" clId="{5D434D30-F688-4623-B10D-9AE1AB3633DC}" dt="2025-03-10T12:19:54.124" v="261" actId="1076"/>
+          <ac:picMkLst>
+            <pc:docMk/>
+            <pc:sldMk cId="428378912" sldId="256"/>
+            <ac:picMk id="8" creationId="{C8413D58-BBC2-7428-4F98-0ABF47340AE4}"/>
+          </ac:picMkLst>
+        </pc:picChg>
+        <pc:picChg chg="add mod ord">
+          <ac:chgData name="Debakker Stan" userId="dcaf6aa6-4ff3-4b00-8b67-253531728245" providerId="ADAL" clId="{5D434D30-F688-4623-B10D-9AE1AB3633DC}" dt="2025-03-10T12:19:28.173" v="256" actId="14100"/>
+          <ac:picMkLst>
+            <pc:docMk/>
+            <pc:sldMk cId="428378912" sldId="256"/>
+            <ac:picMk id="9" creationId="{904C2A26-561A-97AD-7F4D-D6A65F47890B}"/>
+          </ac:picMkLst>
+        </pc:picChg>
         <pc:picChg chg="add del mod ord">
           <ac:chgData name="Debakker Stan" userId="dcaf6aa6-4ff3-4b00-8b67-253531728245" providerId="ADAL" clId="{5D434D30-F688-4623-B10D-9AE1AB3633DC}" dt="2025-03-10T09:05:19.322" v="137" actId="478"/>
           <ac:picMkLst>
             <pc:docMk/>
             <pc:sldMk cId="428378912" sldId="256"/>
             <ac:picMk id="10" creationId="{72983E33-8D90-2797-F022-85E096F10CF7}"/>
+          </ac:picMkLst>
+        </pc:picChg>
+        <pc:picChg chg="add del mod modCrop">
+          <ac:chgData name="Debakker Stan" userId="dcaf6aa6-4ff3-4b00-8b67-253531728245" providerId="ADAL" clId="{5D434D30-F688-4623-B10D-9AE1AB3633DC}" dt="2025-03-10T12:07:23.449" v="190" actId="478"/>
+          <ac:picMkLst>
+            <pc:docMk/>
+            <pc:sldMk cId="428378912" sldId="256"/>
+            <ac:picMk id="12" creationId="{0D3A54EF-BC8C-C48A-3315-42E1B3747713}"/>
           </ac:picMkLst>
         </pc:picChg>
         <pc:picChg chg="add del mod ord">
@@ -200,11 +240,27 @@
           </ac:picMkLst>
         </pc:picChg>
         <pc:picChg chg="add mod ord">
-          <ac:chgData name="Debakker Stan" userId="dcaf6aa6-4ff3-4b00-8b67-253531728245" providerId="ADAL" clId="{5D434D30-F688-4623-B10D-9AE1AB3633DC}" dt="2025-03-10T09:07:02.168" v="149" actId="167"/>
+          <ac:chgData name="Debakker Stan" userId="dcaf6aa6-4ff3-4b00-8b67-253531728245" providerId="ADAL" clId="{5D434D30-F688-4623-B10D-9AE1AB3633DC}" dt="2025-03-10T12:07:51.331" v="195" actId="167"/>
           <ac:picMkLst>
             <pc:docMk/>
             <pc:sldMk cId="428378912" sldId="256"/>
             <ac:picMk id="14" creationId="{9C05F23E-5C9A-36C9-50BC-571888BB4C5F}"/>
+          </ac:picMkLst>
+        </pc:picChg>
+        <pc:picChg chg="add mod">
+          <ac:chgData name="Debakker Stan" userId="dcaf6aa6-4ff3-4b00-8b67-253531728245" providerId="ADAL" clId="{5D434D30-F688-4623-B10D-9AE1AB3633DC}" dt="2025-03-10T12:19:34.165" v="257" actId="1076"/>
+          <ac:picMkLst>
+            <pc:docMk/>
+            <pc:sldMk cId="428378912" sldId="256"/>
+            <ac:picMk id="15" creationId="{71A4EB95-01AF-86B9-1C79-11BA5AFE9489}"/>
+          </ac:picMkLst>
+        </pc:picChg>
+        <pc:picChg chg="add mod">
+          <ac:chgData name="Debakker Stan" userId="dcaf6aa6-4ff3-4b00-8b67-253531728245" providerId="ADAL" clId="{5D434D30-F688-4623-B10D-9AE1AB3633DC}" dt="2025-03-10T12:19:39.233" v="258" actId="1076"/>
+          <ac:picMkLst>
+            <pc:docMk/>
+            <pc:sldMk cId="428378912" sldId="256"/>
+            <ac:picMk id="17" creationId="{97E0183B-8CC1-F6D8-C7D5-DCCD35E9387B}"/>
           </ac:picMkLst>
         </pc:picChg>
       </pc:sldChg>
@@ -3190,49 +3246,30 @@
       </p:pic>
       <p:pic>
         <p:nvPicPr>
-          <p:cNvPr id="4" name="Picture 4" descr="PTI West-Vlaanderen – Maak je wereld">
+          <p:cNvPr id="9" name="Picture 40">
             <a:extLst>
               <a:ext uri="{FF2B5EF4-FFF2-40B4-BE49-F238E27FC236}">
-                <a16:creationId xmlns:a16="http://schemas.microsoft.com/office/drawing/2014/main" id="{346F970F-7967-898E-5FB2-7A1EE8403452}"/>
+                <a16:creationId xmlns:a16="http://schemas.microsoft.com/office/drawing/2014/main" id="{904C2A26-561A-97AD-7F4D-D6A65F47890B}"/>
               </a:ext>
             </a:extLst>
           </p:cNvPr>
-          <p:cNvPicPr>
-            <a:picLocks noChangeAspect="1" noChangeArrowheads="1"/>
-          </p:cNvPicPr>
+          <p:cNvPicPr/>
           <p:nvPr/>
         </p:nvPicPr>
         <p:blipFill>
-          <a:blip r:embed="rId3">
-            <a:extLst>
-              <a:ext uri="{28A0092B-C50C-407E-A947-70E740481C1C}">
-                <a14:useLocalDpi xmlns:a14="http://schemas.microsoft.com/office/drawing/2010/main" val="0"/>
-              </a:ext>
-            </a:extLst>
-          </a:blip>
-          <a:srcRect/>
+          <a:blip r:embed="rId3"/>
           <a:stretch>
             <a:fillRect/>
           </a:stretch>
         </p:blipFill>
-        <p:spPr bwMode="auto">
+        <p:spPr>
           <a:xfrm>
-            <a:off x="8705725" y="-2"/>
-            <a:ext cx="4095874" cy="2250000"/>
+            <a:off x="-9" y="1976823"/>
+            <a:ext cx="12801609" cy="17222400"/>
           </a:xfrm>
           <a:prstGeom prst="rect">
             <a:avLst/>
           </a:prstGeom>
-          <a:noFill/>
-          <a:extLst>
-            <a:ext uri="{909E8E84-426E-40DD-AFC4-6F175D3DCCD1}">
-              <a14:hiddenFill xmlns:a14="http://schemas.microsoft.com/office/drawing/2010/main">
-                <a:solidFill>
-                  <a:srgbClr val="FFFFFF"/>
-                </a:solidFill>
-              </a14:hiddenFill>
-            </a:ext>
-          </a:extLst>
         </p:spPr>
       </p:pic>
       <p:sp>
@@ -3253,8 +3290,8 @@
         </p:nvSpPr>
         <p:spPr>
           <a:xfrm>
-            <a:off x="-2" y="3850714"/>
-            <a:ext cx="12801599" cy="1800000"/>
+            <a:off x="1" y="2270241"/>
+            <a:ext cx="12801599" cy="1260000"/>
           </a:xfrm>
         </p:spPr>
         <p:txBody>
@@ -3288,12 +3325,14 @@
         </p:nvSpPr>
         <p:spPr>
           <a:xfrm>
-            <a:off x="0" y="5650715"/>
-            <a:ext cx="12801600" cy="900000"/>
+            <a:off x="0" y="1694241"/>
+            <a:ext cx="12801600" cy="576000"/>
           </a:xfrm>
         </p:spPr>
         <p:txBody>
-          <a:bodyPr/>
+          <a:bodyPr>
+            <a:normAutofit/>
+          </a:bodyPr>
           <a:lstStyle/>
           <a:p>
             <a:r>
@@ -3310,10 +3349,10 @@
       </p:sp>
       <p:pic>
         <p:nvPicPr>
-          <p:cNvPr id="6" name="Afbeelding 5" descr="Afbeelding met rood, speelgoed, Auto-onderdeel, wiel&#10;&#10;Door AI gegenereerde inhoud is mogelijk onjuist.">
+          <p:cNvPr id="8" name="Afbeelding 7" descr="Afbeelding met Graphics, grafische vormgeving, Lettertype, logo&#10;&#10;Door AI gegenereerde inhoud is mogelijk onjuist.">
             <a:extLst>
               <a:ext uri="{FF2B5EF4-FFF2-40B4-BE49-F238E27FC236}">
-                <a16:creationId xmlns:a16="http://schemas.microsoft.com/office/drawing/2014/main" id="{D3FEB3F1-85F8-AA83-2BB4-4BB0182F706B}"/>
+                <a16:creationId xmlns:a16="http://schemas.microsoft.com/office/drawing/2014/main" id="{C8413D58-BBC2-7428-4F98-0ABF47340AE4}"/>
               </a:ext>
             </a:extLst>
           </p:cNvPr>
@@ -3336,8 +3375,80 @@
         </p:blipFill>
         <p:spPr>
           <a:xfrm>
-            <a:off x="0" y="6550715"/>
-            <a:ext cx="12673858" cy="12648510"/>
+            <a:off x="8705726" y="-542"/>
+            <a:ext cx="4095874" cy="2250000"/>
+          </a:xfrm>
+          <a:prstGeom prst="rect">
+            <a:avLst/>
+          </a:prstGeom>
+        </p:spPr>
+      </p:pic>
+      <p:pic>
+        <p:nvPicPr>
+          <p:cNvPr id="15" name="Afbeelding 14" descr="Afbeelding met tekst, schermopname, Rechthoek, Lettertype&#10;&#10;Door AI gegenereerde inhoud is mogelijk onjuist.">
+            <a:extLst>
+              <a:ext uri="{FF2B5EF4-FFF2-40B4-BE49-F238E27FC236}">
+                <a16:creationId xmlns:a16="http://schemas.microsoft.com/office/drawing/2014/main" id="{71A4EB95-01AF-86B9-1C79-11BA5AFE9489}"/>
+              </a:ext>
+            </a:extLst>
+          </p:cNvPr>
+          <p:cNvPicPr>
+            <a:picLocks noChangeAspect="1"/>
+          </p:cNvPicPr>
+          <p:nvPr/>
+        </p:nvPicPr>
+        <p:blipFill>
+          <a:blip r:embed="rId5">
+            <a:extLst>
+              <a:ext uri="{28A0092B-C50C-407E-A947-70E740481C1C}">
+                <a14:useLocalDpi xmlns:a14="http://schemas.microsoft.com/office/drawing/2010/main" val="0"/>
+              </a:ext>
+            </a:extLst>
+          </a:blip>
+          <a:stretch>
+            <a:fillRect/>
+          </a:stretch>
+        </p:blipFill>
+        <p:spPr>
+          <a:xfrm>
+            <a:off x="10327893" y="3530241"/>
+            <a:ext cx="2473701" cy="3443504"/>
+          </a:xfrm>
+          <a:prstGeom prst="rect">
+            <a:avLst/>
+          </a:prstGeom>
+        </p:spPr>
+      </p:pic>
+      <p:pic>
+        <p:nvPicPr>
+          <p:cNvPr id="17" name="Afbeelding 16" descr="Afbeelding met cirkel, Graphics, zwart, schermopname&#10;&#10;Door AI gegenereerde inhoud is mogelijk onjuist.">
+            <a:extLst>
+              <a:ext uri="{FF2B5EF4-FFF2-40B4-BE49-F238E27FC236}">
+                <a16:creationId xmlns:a16="http://schemas.microsoft.com/office/drawing/2014/main" id="{97E0183B-8CC1-F6D8-C7D5-DCCD35E9387B}"/>
+              </a:ext>
+            </a:extLst>
+          </p:cNvPr>
+          <p:cNvPicPr>
+            <a:picLocks noChangeAspect="1"/>
+          </p:cNvPicPr>
+          <p:nvPr/>
+        </p:nvPicPr>
+        <p:blipFill>
+          <a:blip r:embed="rId6">
+            <a:extLst>
+              <a:ext uri="{28A0092B-C50C-407E-A947-70E740481C1C}">
+                <a14:useLocalDpi xmlns:a14="http://schemas.microsoft.com/office/drawing/2010/main" val="0"/>
+              </a:ext>
+            </a:extLst>
+          </a:blip>
+          <a:stretch>
+            <a:fillRect/>
+          </a:stretch>
+        </p:blipFill>
+        <p:spPr>
+          <a:xfrm>
+            <a:off x="9287786" y="3524768"/>
+            <a:ext cx="1040104" cy="1057634"/>
           </a:xfrm>
           <a:prstGeom prst="rect">
             <a:avLst/>
